--- a/Mockups/Piago_Pitch.pptx
+++ b/Mockups/Piago_Pitch.pptx
@@ -2,24 +2,40 @@
 <file path=ppt/presentation.xml><?xml version="1.0" encoding="utf-8"?>
 <p:presentation xmlns:a="http://schemas.openxmlformats.org/drawingml/2006/main" xmlns:r="http://schemas.openxmlformats.org/officeDocument/2006/relationships" xmlns:p="http://schemas.openxmlformats.org/presentationml/2006/main" saveSubsetFonts="1">
   <p:sldMasterIdLst>
-    <p:sldMasterId id="2147483648" r:id="rId1"/>
+    <p:sldMasterId id="2147483929" r:id="rId1"/>
   </p:sldMasterIdLst>
+  <p:notesMasterIdLst>
+    <p:notesMasterId r:id="rId22"/>
+  </p:notesMasterIdLst>
   <p:sldIdLst>
     <p:sldId id="257" r:id="rId2"/>
     <p:sldId id="260" r:id="rId3"/>
     <p:sldId id="261" r:id="rId4"/>
     <p:sldId id="256" r:id="rId5"/>
-    <p:sldId id="262" r:id="rId6"/>
-    <p:sldId id="263" r:id="rId7"/>
-    <p:sldId id="259" r:id="rId8"/>
+    <p:sldId id="282" r:id="rId6"/>
+    <p:sldId id="279" r:id="rId7"/>
+    <p:sldId id="264" r:id="rId8"/>
+    <p:sldId id="270" r:id="rId9"/>
+    <p:sldId id="271" r:id="rId10"/>
+    <p:sldId id="272" r:id="rId11"/>
+    <p:sldId id="277" r:id="rId12"/>
+    <p:sldId id="283" r:id="rId13"/>
+    <p:sldId id="273" r:id="rId14"/>
+    <p:sldId id="276" r:id="rId15"/>
+    <p:sldId id="275" r:id="rId16"/>
+    <p:sldId id="284" r:id="rId17"/>
+    <p:sldId id="262" r:id="rId18"/>
+    <p:sldId id="263" r:id="rId19"/>
+    <p:sldId id="278" r:id="rId20"/>
+    <p:sldId id="281" r:id="rId21"/>
   </p:sldIdLst>
   <p:sldSz cx="12192000" cy="6858000"/>
   <p:notesSz cx="6858000" cy="9144000"/>
   <p:defaultTextStyle>
     <a:defPPr>
-      <a:defRPr lang="en-FI"/>
+      <a:defRPr lang="en-US"/>
     </a:defPPr>
-    <a:lvl1pPr marL="0" algn="l" defTabSz="914400" rtl="0" eaLnBrk="1" latinLnBrk="0" hangingPunct="1">
+    <a:lvl1pPr marL="0" algn="l" defTabSz="457200" rtl="0" eaLnBrk="1" latinLnBrk="0" hangingPunct="1">
       <a:defRPr sz="1800" kern="1200">
         <a:solidFill>
           <a:schemeClr val="tx1"/>
@@ -29,7 +45,7 @@
         <a:cs typeface="+mn-cs"/>
       </a:defRPr>
     </a:lvl1pPr>
-    <a:lvl2pPr marL="457200" algn="l" defTabSz="914400" rtl="0" eaLnBrk="1" latinLnBrk="0" hangingPunct="1">
+    <a:lvl2pPr marL="457200" algn="l" defTabSz="457200" rtl="0" eaLnBrk="1" latinLnBrk="0" hangingPunct="1">
       <a:defRPr sz="1800" kern="1200">
         <a:solidFill>
           <a:schemeClr val="tx1"/>
@@ -39,7 +55,7 @@
         <a:cs typeface="+mn-cs"/>
       </a:defRPr>
     </a:lvl2pPr>
-    <a:lvl3pPr marL="914400" algn="l" defTabSz="914400" rtl="0" eaLnBrk="1" latinLnBrk="0" hangingPunct="1">
+    <a:lvl3pPr marL="914400" algn="l" defTabSz="457200" rtl="0" eaLnBrk="1" latinLnBrk="0" hangingPunct="1">
       <a:defRPr sz="1800" kern="1200">
         <a:solidFill>
           <a:schemeClr val="tx1"/>
@@ -49,7 +65,7 @@
         <a:cs typeface="+mn-cs"/>
       </a:defRPr>
     </a:lvl3pPr>
-    <a:lvl4pPr marL="1371600" algn="l" defTabSz="914400" rtl="0" eaLnBrk="1" latinLnBrk="0" hangingPunct="1">
+    <a:lvl4pPr marL="1371600" algn="l" defTabSz="457200" rtl="0" eaLnBrk="1" latinLnBrk="0" hangingPunct="1">
       <a:defRPr sz="1800" kern="1200">
         <a:solidFill>
           <a:schemeClr val="tx1"/>
@@ -59,7 +75,7 @@
         <a:cs typeface="+mn-cs"/>
       </a:defRPr>
     </a:lvl4pPr>
-    <a:lvl5pPr marL="1828800" algn="l" defTabSz="914400" rtl="0" eaLnBrk="1" latinLnBrk="0" hangingPunct="1">
+    <a:lvl5pPr marL="1828800" algn="l" defTabSz="457200" rtl="0" eaLnBrk="1" latinLnBrk="0" hangingPunct="1">
       <a:defRPr sz="1800" kern="1200">
         <a:solidFill>
           <a:schemeClr val="tx1"/>
@@ -69,7 +85,7 @@
         <a:cs typeface="+mn-cs"/>
       </a:defRPr>
     </a:lvl5pPr>
-    <a:lvl6pPr marL="2286000" algn="l" defTabSz="914400" rtl="0" eaLnBrk="1" latinLnBrk="0" hangingPunct="1">
+    <a:lvl6pPr marL="2286000" algn="l" defTabSz="457200" rtl="0" eaLnBrk="1" latinLnBrk="0" hangingPunct="1">
       <a:defRPr sz="1800" kern="1200">
         <a:solidFill>
           <a:schemeClr val="tx1"/>
@@ -79,7 +95,7 @@
         <a:cs typeface="+mn-cs"/>
       </a:defRPr>
     </a:lvl6pPr>
-    <a:lvl7pPr marL="2743200" algn="l" defTabSz="914400" rtl="0" eaLnBrk="1" latinLnBrk="0" hangingPunct="1">
+    <a:lvl7pPr marL="2743200" algn="l" defTabSz="457200" rtl="0" eaLnBrk="1" latinLnBrk="0" hangingPunct="1">
       <a:defRPr sz="1800" kern="1200">
         <a:solidFill>
           <a:schemeClr val="tx1"/>
@@ -89,7 +105,7 @@
         <a:cs typeface="+mn-cs"/>
       </a:defRPr>
     </a:lvl7pPr>
-    <a:lvl8pPr marL="3200400" algn="l" defTabSz="914400" rtl="0" eaLnBrk="1" latinLnBrk="0" hangingPunct="1">
+    <a:lvl8pPr marL="3200400" algn="l" defTabSz="457200" rtl="0" eaLnBrk="1" latinLnBrk="0" hangingPunct="1">
       <a:defRPr sz="1800" kern="1200">
         <a:solidFill>
           <a:schemeClr val="tx1"/>
@@ -99,7 +115,7 @@
         <a:cs typeface="+mn-cs"/>
       </a:defRPr>
     </a:lvl8pPr>
-    <a:lvl9pPr marL="3657600" algn="l" defTabSz="914400" rtl="0" eaLnBrk="1" latinLnBrk="0" hangingPunct="1">
+    <a:lvl9pPr marL="3657600" algn="l" defTabSz="457200" rtl="0" eaLnBrk="1" latinLnBrk="0" hangingPunct="1">
       <a:defRPr sz="1800" kern="1200">
         <a:solidFill>
           <a:schemeClr val="tx1"/>
@@ -110,7 +126,2256 @@
       </a:defRPr>
     </a:lvl9pPr>
   </p:defaultTextStyle>
+  <p:extLst>
+    <p:ext uri="{EFAFB233-063F-42B5-8137-9DF3F51BA10A}">
+      <p15:sldGuideLst xmlns:p15="http://schemas.microsoft.com/office/powerpoint/2012/main"/>
+    </p:ext>
+  </p:extLst>
 </p:presentation>
+</file>
+
+<file path=ppt/notesMasters/notesMaster1.xml><?xml version="1.0" encoding="utf-8"?>
+<p:notesMaster xmlns:a="http://schemas.openxmlformats.org/drawingml/2006/main" xmlns:r="http://schemas.openxmlformats.org/officeDocument/2006/relationships" xmlns:p="http://schemas.openxmlformats.org/presentationml/2006/main">
+  <p:cSld>
+    <p:bg>
+      <p:bgRef idx="1001">
+        <a:schemeClr val="bg1"/>
+      </p:bgRef>
+    </p:bg>
+    <p:spTree>
+      <p:nvGrpSpPr>
+        <p:cNvPr id="1" name=""/>
+        <p:cNvGrpSpPr/>
+        <p:nvPr/>
+      </p:nvGrpSpPr>
+      <p:grpSpPr>
+        <a:xfrm>
+          <a:off x="0" y="0"/>
+          <a:ext cx="0" cy="0"/>
+          <a:chOff x="0" y="0"/>
+          <a:chExt cx="0" cy="0"/>
+        </a:xfrm>
+      </p:grpSpPr>
+      <p:sp>
+        <p:nvSpPr>
+          <p:cNvPr id="2" name="Header Placeholder 1"/>
+          <p:cNvSpPr>
+            <a:spLocks noGrp="1"/>
+          </p:cNvSpPr>
+          <p:nvPr>
+            <p:ph type="hdr" sz="quarter"/>
+          </p:nvPr>
+        </p:nvSpPr>
+        <p:spPr>
+          <a:xfrm>
+            <a:off x="0" y="0"/>
+            <a:ext cx="2971800" cy="458788"/>
+          </a:xfrm>
+          <a:prstGeom prst="rect">
+            <a:avLst/>
+          </a:prstGeom>
+        </p:spPr>
+        <p:txBody>
+          <a:bodyPr vert="horz" lIns="91440" tIns="45720" rIns="91440" bIns="45720" rtlCol="0"/>
+          <a:lstStyle>
+            <a:lvl1pPr algn="l">
+              <a:defRPr sz="1200"/>
+            </a:lvl1pPr>
+          </a:lstStyle>
+          <a:p>
+            <a:endParaRPr lang="LID4096"/>
+          </a:p>
+        </p:txBody>
+      </p:sp>
+      <p:sp>
+        <p:nvSpPr>
+          <p:cNvPr id="3" name="Date Placeholder 2"/>
+          <p:cNvSpPr>
+            <a:spLocks noGrp="1"/>
+          </p:cNvSpPr>
+          <p:nvPr>
+            <p:ph type="dt" idx="1"/>
+          </p:nvPr>
+        </p:nvSpPr>
+        <p:spPr>
+          <a:xfrm>
+            <a:off x="3884613" y="0"/>
+            <a:ext cx="2971800" cy="458788"/>
+          </a:xfrm>
+          <a:prstGeom prst="rect">
+            <a:avLst/>
+          </a:prstGeom>
+        </p:spPr>
+        <p:txBody>
+          <a:bodyPr vert="horz" lIns="91440" tIns="45720" rIns="91440" bIns="45720" rtlCol="0"/>
+          <a:lstStyle>
+            <a:lvl1pPr algn="r">
+              <a:defRPr sz="1200"/>
+            </a:lvl1pPr>
+          </a:lstStyle>
+          <a:p>
+            <a:fld id="{1B376DFB-8A32-475F-B060-5D8946F782CF}" type="datetimeFigureOut">
+              <a:rPr lang="LID4096" smtClean="0"/>
+              <a:t>02/05/2020</a:t>
+            </a:fld>
+            <a:endParaRPr lang="LID4096"/>
+          </a:p>
+        </p:txBody>
+      </p:sp>
+      <p:sp>
+        <p:nvSpPr>
+          <p:cNvPr id="4" name="Slide Image Placeholder 3"/>
+          <p:cNvSpPr>
+            <a:spLocks noGrp="1" noRot="1" noChangeAspect="1"/>
+          </p:cNvSpPr>
+          <p:nvPr>
+            <p:ph type="sldImg" idx="2"/>
+          </p:nvPr>
+        </p:nvSpPr>
+        <p:spPr>
+          <a:xfrm>
+            <a:off x="685800" y="1143000"/>
+            <a:ext cx="5486400" cy="3086100"/>
+          </a:xfrm>
+          <a:prstGeom prst="rect">
+            <a:avLst/>
+          </a:prstGeom>
+          <a:noFill/>
+          <a:ln w="12700">
+            <a:solidFill>
+              <a:prstClr val="black"/>
+            </a:solidFill>
+          </a:ln>
+        </p:spPr>
+        <p:txBody>
+          <a:bodyPr vert="horz" lIns="91440" tIns="45720" rIns="91440" bIns="45720" rtlCol="0" anchor="ctr"/>
+          <a:lstStyle/>
+          <a:p>
+            <a:endParaRPr lang="LID4096"/>
+          </a:p>
+        </p:txBody>
+      </p:sp>
+      <p:sp>
+        <p:nvSpPr>
+          <p:cNvPr id="5" name="Notes Placeholder 4"/>
+          <p:cNvSpPr>
+            <a:spLocks noGrp="1"/>
+          </p:cNvSpPr>
+          <p:nvPr>
+            <p:ph type="body" sz="quarter" idx="3"/>
+          </p:nvPr>
+        </p:nvSpPr>
+        <p:spPr>
+          <a:xfrm>
+            <a:off x="685800" y="4400550"/>
+            <a:ext cx="5486400" cy="3600450"/>
+          </a:xfrm>
+          <a:prstGeom prst="rect">
+            <a:avLst/>
+          </a:prstGeom>
+        </p:spPr>
+        <p:txBody>
+          <a:bodyPr vert="horz" lIns="91440" tIns="45720" rIns="91440" bIns="45720" rtlCol="0"/>
+          <a:lstStyle/>
+          <a:p>
+            <a:pPr lvl="0"/>
+            <a:r>
+              <a:rPr lang="en-US"/>
+              <a:t>Click to edit Master text styles</a:t>
+            </a:r>
+          </a:p>
+          <a:p>
+            <a:pPr lvl="1"/>
+            <a:r>
+              <a:rPr lang="en-US"/>
+              <a:t>Second level</a:t>
+            </a:r>
+          </a:p>
+          <a:p>
+            <a:pPr lvl="2"/>
+            <a:r>
+              <a:rPr lang="en-US"/>
+              <a:t>Third level</a:t>
+            </a:r>
+          </a:p>
+          <a:p>
+            <a:pPr lvl="3"/>
+            <a:r>
+              <a:rPr lang="en-US"/>
+              <a:t>Fourth level</a:t>
+            </a:r>
+          </a:p>
+          <a:p>
+            <a:pPr lvl="4"/>
+            <a:r>
+              <a:rPr lang="en-US"/>
+              <a:t>Fifth level</a:t>
+            </a:r>
+            <a:endParaRPr lang="LID4096"/>
+          </a:p>
+        </p:txBody>
+      </p:sp>
+      <p:sp>
+        <p:nvSpPr>
+          <p:cNvPr id="6" name="Footer Placeholder 5"/>
+          <p:cNvSpPr>
+            <a:spLocks noGrp="1"/>
+          </p:cNvSpPr>
+          <p:nvPr>
+            <p:ph type="ftr" sz="quarter" idx="4"/>
+          </p:nvPr>
+        </p:nvSpPr>
+        <p:spPr>
+          <a:xfrm>
+            <a:off x="0" y="8685213"/>
+            <a:ext cx="2971800" cy="458787"/>
+          </a:xfrm>
+          <a:prstGeom prst="rect">
+            <a:avLst/>
+          </a:prstGeom>
+        </p:spPr>
+        <p:txBody>
+          <a:bodyPr vert="horz" lIns="91440" tIns="45720" rIns="91440" bIns="45720" rtlCol="0" anchor="b"/>
+          <a:lstStyle>
+            <a:lvl1pPr algn="l">
+              <a:defRPr sz="1200"/>
+            </a:lvl1pPr>
+          </a:lstStyle>
+          <a:p>
+            <a:endParaRPr lang="LID4096"/>
+          </a:p>
+        </p:txBody>
+      </p:sp>
+      <p:sp>
+        <p:nvSpPr>
+          <p:cNvPr id="7" name="Slide Number Placeholder 6"/>
+          <p:cNvSpPr>
+            <a:spLocks noGrp="1"/>
+          </p:cNvSpPr>
+          <p:nvPr>
+            <p:ph type="sldNum" sz="quarter" idx="5"/>
+          </p:nvPr>
+        </p:nvSpPr>
+        <p:spPr>
+          <a:xfrm>
+            <a:off x="3884613" y="8685213"/>
+            <a:ext cx="2971800" cy="458787"/>
+          </a:xfrm>
+          <a:prstGeom prst="rect">
+            <a:avLst/>
+          </a:prstGeom>
+        </p:spPr>
+        <p:txBody>
+          <a:bodyPr vert="horz" lIns="91440" tIns="45720" rIns="91440" bIns="45720" rtlCol="0" anchor="b"/>
+          <a:lstStyle>
+            <a:lvl1pPr algn="r">
+              <a:defRPr sz="1200"/>
+            </a:lvl1pPr>
+          </a:lstStyle>
+          <a:p>
+            <a:fld id="{71D29193-83F2-4BB5-9097-BC5D2CEDE8F0}" type="slidenum">
+              <a:rPr lang="LID4096" smtClean="0"/>
+              <a:t>‹#›</a:t>
+            </a:fld>
+            <a:endParaRPr lang="LID4096"/>
+          </a:p>
+        </p:txBody>
+      </p:sp>
+    </p:spTree>
+    <p:extLst>
+      <p:ext uri="{BB962C8B-B14F-4D97-AF65-F5344CB8AC3E}">
+        <p14:creationId xmlns:p14="http://schemas.microsoft.com/office/powerpoint/2010/main" val="2666544794"/>
+      </p:ext>
+    </p:extLst>
+  </p:cSld>
+  <p:clrMap bg1="lt1" tx1="dk1" bg2="lt2" tx2="dk2" accent1="accent1" accent2="accent2" accent3="accent3" accent4="accent4" accent5="accent5" accent6="accent6" hlink="hlink" folHlink="folHlink"/>
+  <p:notesStyle>
+    <a:lvl1pPr marL="0" algn="l" defTabSz="914400" rtl="0" eaLnBrk="1" latinLnBrk="0" hangingPunct="1">
+      <a:defRPr sz="1200" kern="1200">
+        <a:solidFill>
+          <a:schemeClr val="tx1"/>
+        </a:solidFill>
+        <a:latin typeface="+mn-lt"/>
+        <a:ea typeface="+mn-ea"/>
+        <a:cs typeface="+mn-cs"/>
+      </a:defRPr>
+    </a:lvl1pPr>
+    <a:lvl2pPr marL="457200" algn="l" defTabSz="914400" rtl="0" eaLnBrk="1" latinLnBrk="0" hangingPunct="1">
+      <a:defRPr sz="1200" kern="1200">
+        <a:solidFill>
+          <a:schemeClr val="tx1"/>
+        </a:solidFill>
+        <a:latin typeface="+mn-lt"/>
+        <a:ea typeface="+mn-ea"/>
+        <a:cs typeface="+mn-cs"/>
+      </a:defRPr>
+    </a:lvl2pPr>
+    <a:lvl3pPr marL="914400" algn="l" defTabSz="914400" rtl="0" eaLnBrk="1" latinLnBrk="0" hangingPunct="1">
+      <a:defRPr sz="1200" kern="1200">
+        <a:solidFill>
+          <a:schemeClr val="tx1"/>
+        </a:solidFill>
+        <a:latin typeface="+mn-lt"/>
+        <a:ea typeface="+mn-ea"/>
+        <a:cs typeface="+mn-cs"/>
+      </a:defRPr>
+    </a:lvl3pPr>
+    <a:lvl4pPr marL="1371600" algn="l" defTabSz="914400" rtl="0" eaLnBrk="1" latinLnBrk="0" hangingPunct="1">
+      <a:defRPr sz="1200" kern="1200">
+        <a:solidFill>
+          <a:schemeClr val="tx1"/>
+        </a:solidFill>
+        <a:latin typeface="+mn-lt"/>
+        <a:ea typeface="+mn-ea"/>
+        <a:cs typeface="+mn-cs"/>
+      </a:defRPr>
+    </a:lvl4pPr>
+    <a:lvl5pPr marL="1828800" algn="l" defTabSz="914400" rtl="0" eaLnBrk="1" latinLnBrk="0" hangingPunct="1">
+      <a:defRPr sz="1200" kern="1200">
+        <a:solidFill>
+          <a:schemeClr val="tx1"/>
+        </a:solidFill>
+        <a:latin typeface="+mn-lt"/>
+        <a:ea typeface="+mn-ea"/>
+        <a:cs typeface="+mn-cs"/>
+      </a:defRPr>
+    </a:lvl5pPr>
+    <a:lvl6pPr marL="2286000" algn="l" defTabSz="914400" rtl="0" eaLnBrk="1" latinLnBrk="0" hangingPunct="1">
+      <a:defRPr sz="1200" kern="1200">
+        <a:solidFill>
+          <a:schemeClr val="tx1"/>
+        </a:solidFill>
+        <a:latin typeface="+mn-lt"/>
+        <a:ea typeface="+mn-ea"/>
+        <a:cs typeface="+mn-cs"/>
+      </a:defRPr>
+    </a:lvl6pPr>
+    <a:lvl7pPr marL="2743200" algn="l" defTabSz="914400" rtl="0" eaLnBrk="1" latinLnBrk="0" hangingPunct="1">
+      <a:defRPr sz="1200" kern="1200">
+        <a:solidFill>
+          <a:schemeClr val="tx1"/>
+        </a:solidFill>
+        <a:latin typeface="+mn-lt"/>
+        <a:ea typeface="+mn-ea"/>
+        <a:cs typeface="+mn-cs"/>
+      </a:defRPr>
+    </a:lvl7pPr>
+    <a:lvl8pPr marL="3200400" algn="l" defTabSz="914400" rtl="0" eaLnBrk="1" latinLnBrk="0" hangingPunct="1">
+      <a:defRPr sz="1200" kern="1200">
+        <a:solidFill>
+          <a:schemeClr val="tx1"/>
+        </a:solidFill>
+        <a:latin typeface="+mn-lt"/>
+        <a:ea typeface="+mn-ea"/>
+        <a:cs typeface="+mn-cs"/>
+      </a:defRPr>
+    </a:lvl8pPr>
+    <a:lvl9pPr marL="3657600" algn="l" defTabSz="914400" rtl="0" eaLnBrk="1" latinLnBrk="0" hangingPunct="1">
+      <a:defRPr sz="1200" kern="1200">
+        <a:solidFill>
+          <a:schemeClr val="tx1"/>
+        </a:solidFill>
+        <a:latin typeface="+mn-lt"/>
+        <a:ea typeface="+mn-ea"/>
+        <a:cs typeface="+mn-cs"/>
+      </a:defRPr>
+    </a:lvl9pPr>
+  </p:notesStyle>
+</p:notesMaster>
+</file>
+
+<file path=ppt/notesSlides/notesSlide1.xml><?xml version="1.0" encoding="utf-8"?>
+<p:notes xmlns:a="http://schemas.openxmlformats.org/drawingml/2006/main" xmlns:r="http://schemas.openxmlformats.org/officeDocument/2006/relationships" xmlns:p="http://schemas.openxmlformats.org/presentationml/2006/main">
+  <p:cSld>
+    <p:spTree>
+      <p:nvGrpSpPr>
+        <p:cNvPr id="1" name=""/>
+        <p:cNvGrpSpPr/>
+        <p:nvPr/>
+      </p:nvGrpSpPr>
+      <p:grpSpPr>
+        <a:xfrm>
+          <a:off x="0" y="0"/>
+          <a:ext cx="0" cy="0"/>
+          <a:chOff x="0" y="0"/>
+          <a:chExt cx="0" cy="0"/>
+        </a:xfrm>
+      </p:grpSpPr>
+      <p:sp>
+        <p:nvSpPr>
+          <p:cNvPr id="2" name="Slide Image Placeholder 1"/>
+          <p:cNvSpPr>
+            <a:spLocks noGrp="1" noRot="1" noChangeAspect="1"/>
+          </p:cNvSpPr>
+          <p:nvPr>
+            <p:ph type="sldImg"/>
+          </p:nvPr>
+        </p:nvSpPr>
+        <p:spPr/>
+      </p:sp>
+      <p:sp>
+        <p:nvSpPr>
+          <p:cNvPr id="3" name="Notes Placeholder 2"/>
+          <p:cNvSpPr>
+            <a:spLocks noGrp="1"/>
+          </p:cNvSpPr>
+          <p:nvPr>
+            <p:ph type="body" idx="1"/>
+          </p:nvPr>
+        </p:nvSpPr>
+        <p:spPr/>
+        <p:txBody>
+          <a:bodyPr/>
+          <a:lstStyle/>
+          <a:p>
+            <a:r>
+              <a:rPr lang="en-US" dirty="0"/>
+              <a:t>A</a:t>
+            </a:r>
+            <a:endParaRPr lang="LID4096" dirty="0"/>
+          </a:p>
+        </p:txBody>
+      </p:sp>
+      <p:sp>
+        <p:nvSpPr>
+          <p:cNvPr id="4" name="Slide Number Placeholder 3"/>
+          <p:cNvSpPr>
+            <a:spLocks noGrp="1"/>
+          </p:cNvSpPr>
+          <p:nvPr>
+            <p:ph type="sldNum" sz="quarter" idx="5"/>
+          </p:nvPr>
+        </p:nvSpPr>
+        <p:spPr/>
+        <p:txBody>
+          <a:bodyPr/>
+          <a:lstStyle/>
+          <a:p>
+            <a:fld id="{71D29193-83F2-4BB5-9097-BC5D2CEDE8F0}" type="slidenum">
+              <a:rPr lang="LID4096" smtClean="0"/>
+              <a:t>1</a:t>
+            </a:fld>
+            <a:endParaRPr lang="LID4096"/>
+          </a:p>
+        </p:txBody>
+      </p:sp>
+    </p:spTree>
+    <p:extLst>
+      <p:ext uri="{BB962C8B-B14F-4D97-AF65-F5344CB8AC3E}">
+        <p14:creationId xmlns:p14="http://schemas.microsoft.com/office/powerpoint/2010/main" val="1869614968"/>
+      </p:ext>
+    </p:extLst>
+  </p:cSld>
+  <p:clrMapOvr>
+    <a:masterClrMapping/>
+  </p:clrMapOvr>
+</p:notes>
+</file>
+
+<file path=ppt/notesSlides/notesSlide10.xml><?xml version="1.0" encoding="utf-8"?>
+<p:notes xmlns:a="http://schemas.openxmlformats.org/drawingml/2006/main" xmlns:r="http://schemas.openxmlformats.org/officeDocument/2006/relationships" xmlns:p="http://schemas.openxmlformats.org/presentationml/2006/main">
+  <p:cSld>
+    <p:spTree>
+      <p:nvGrpSpPr>
+        <p:cNvPr id="1" name=""/>
+        <p:cNvGrpSpPr/>
+        <p:nvPr/>
+      </p:nvGrpSpPr>
+      <p:grpSpPr>
+        <a:xfrm>
+          <a:off x="0" y="0"/>
+          <a:ext cx="0" cy="0"/>
+          <a:chOff x="0" y="0"/>
+          <a:chExt cx="0" cy="0"/>
+        </a:xfrm>
+      </p:grpSpPr>
+      <p:sp>
+        <p:nvSpPr>
+          <p:cNvPr id="2" name="Slide Image Placeholder 1"/>
+          <p:cNvSpPr>
+            <a:spLocks noGrp="1" noRot="1" noChangeAspect="1"/>
+          </p:cNvSpPr>
+          <p:nvPr>
+            <p:ph type="sldImg"/>
+          </p:nvPr>
+        </p:nvSpPr>
+        <p:spPr/>
+      </p:sp>
+      <p:sp>
+        <p:nvSpPr>
+          <p:cNvPr id="3" name="Notes Placeholder 2"/>
+          <p:cNvSpPr>
+            <a:spLocks noGrp="1"/>
+          </p:cNvSpPr>
+          <p:nvPr>
+            <p:ph type="body" idx="1"/>
+          </p:nvPr>
+        </p:nvSpPr>
+        <p:spPr/>
+        <p:txBody>
+          <a:bodyPr/>
+          <a:lstStyle/>
+          <a:p>
+            <a:r>
+              <a:rPr lang="en-US" dirty="0"/>
+              <a:t>A</a:t>
+            </a:r>
+          </a:p>
+          <a:p>
+            <a:r>
+              <a:rPr lang="en-US" dirty="0"/>
+              <a:t>Songs in database (download all songs at app start)</a:t>
+            </a:r>
+            <a:endParaRPr lang="LID4096" dirty="0"/>
+          </a:p>
+        </p:txBody>
+      </p:sp>
+      <p:sp>
+        <p:nvSpPr>
+          <p:cNvPr id="4" name="Slide Number Placeholder 3"/>
+          <p:cNvSpPr>
+            <a:spLocks noGrp="1"/>
+          </p:cNvSpPr>
+          <p:nvPr>
+            <p:ph type="sldNum" sz="quarter" idx="5"/>
+          </p:nvPr>
+        </p:nvSpPr>
+        <p:spPr/>
+        <p:txBody>
+          <a:bodyPr/>
+          <a:lstStyle/>
+          <a:p>
+            <a:fld id="{71D29193-83F2-4BB5-9097-BC5D2CEDE8F0}" type="slidenum">
+              <a:rPr lang="LID4096" smtClean="0"/>
+              <a:t>10</a:t>
+            </a:fld>
+            <a:endParaRPr lang="LID4096"/>
+          </a:p>
+        </p:txBody>
+      </p:sp>
+    </p:spTree>
+    <p:extLst>
+      <p:ext uri="{BB962C8B-B14F-4D97-AF65-F5344CB8AC3E}">
+        <p14:creationId xmlns:p14="http://schemas.microsoft.com/office/powerpoint/2010/main" val="3049545677"/>
+      </p:ext>
+    </p:extLst>
+  </p:cSld>
+  <p:clrMapOvr>
+    <a:masterClrMapping/>
+  </p:clrMapOvr>
+</p:notes>
+</file>
+
+<file path=ppt/notesSlides/notesSlide11.xml><?xml version="1.0" encoding="utf-8"?>
+<p:notes xmlns:a="http://schemas.openxmlformats.org/drawingml/2006/main" xmlns:r="http://schemas.openxmlformats.org/officeDocument/2006/relationships" xmlns:p="http://schemas.openxmlformats.org/presentationml/2006/main">
+  <p:cSld>
+    <p:spTree>
+      <p:nvGrpSpPr>
+        <p:cNvPr id="1" name=""/>
+        <p:cNvGrpSpPr/>
+        <p:nvPr/>
+      </p:nvGrpSpPr>
+      <p:grpSpPr>
+        <a:xfrm>
+          <a:off x="0" y="0"/>
+          <a:ext cx="0" cy="0"/>
+          <a:chOff x="0" y="0"/>
+          <a:chExt cx="0" cy="0"/>
+        </a:xfrm>
+      </p:grpSpPr>
+      <p:sp>
+        <p:nvSpPr>
+          <p:cNvPr id="2" name="Slide Image Placeholder 1"/>
+          <p:cNvSpPr>
+            <a:spLocks noGrp="1" noRot="1" noChangeAspect="1"/>
+          </p:cNvSpPr>
+          <p:nvPr>
+            <p:ph type="sldImg"/>
+          </p:nvPr>
+        </p:nvSpPr>
+        <p:spPr/>
+      </p:sp>
+      <p:sp>
+        <p:nvSpPr>
+          <p:cNvPr id="3" name="Notes Placeholder 2"/>
+          <p:cNvSpPr>
+            <a:spLocks noGrp="1"/>
+          </p:cNvSpPr>
+          <p:nvPr>
+            <p:ph type="body" idx="1"/>
+          </p:nvPr>
+        </p:nvSpPr>
+        <p:spPr/>
+        <p:txBody>
+          <a:bodyPr/>
+          <a:lstStyle/>
+          <a:p>
+            <a:pPr marL="0" indent="0">
+              <a:buFontTx/>
+              <a:buNone/>
+            </a:pPr>
+            <a:r>
+              <a:rPr lang="en-US" dirty="0"/>
+              <a:t>A</a:t>
+            </a:r>
+          </a:p>
+          <a:p>
+            <a:pPr marL="171450" indent="-171450">
+              <a:buFontTx/>
+              <a:buChar char="-"/>
+            </a:pPr>
+            <a:r>
+              <a:rPr lang="en-US" dirty="0" err="1"/>
+              <a:t>Aan</a:t>
+            </a:r>
+            <a:r>
+              <a:rPr lang="en-US" dirty="0"/>
+              <a:t> GUI </a:t>
+            </a:r>
+            <a:r>
+              <a:rPr lang="en-US" dirty="0" err="1"/>
+              <a:t>mogelijk</a:t>
+            </a:r>
+            <a:endParaRPr lang="en-US" dirty="0"/>
+          </a:p>
+          <a:p>
+            <a:pPr marL="171450" indent="-171450">
+              <a:buFontTx/>
+              <a:buChar char="-"/>
+            </a:pPr>
+            <a:r>
+              <a:rPr lang="en-US" dirty="0" err="1"/>
+              <a:t>Noten</a:t>
+            </a:r>
+            <a:r>
+              <a:rPr lang="en-US" dirty="0"/>
+              <a:t> van lied </a:t>
+            </a:r>
+            <a:r>
+              <a:rPr lang="en-US" dirty="0" err="1"/>
+              <a:t>bewegen</a:t>
+            </a:r>
+            <a:endParaRPr lang="LID4096" dirty="0"/>
+          </a:p>
+        </p:txBody>
+      </p:sp>
+      <p:sp>
+        <p:nvSpPr>
+          <p:cNvPr id="4" name="Slide Number Placeholder 3"/>
+          <p:cNvSpPr>
+            <a:spLocks noGrp="1"/>
+          </p:cNvSpPr>
+          <p:nvPr>
+            <p:ph type="sldNum" sz="quarter" idx="5"/>
+          </p:nvPr>
+        </p:nvSpPr>
+        <p:spPr/>
+        <p:txBody>
+          <a:bodyPr/>
+          <a:lstStyle/>
+          <a:p>
+            <a:fld id="{71D29193-83F2-4BB5-9097-BC5D2CEDE8F0}" type="slidenum">
+              <a:rPr lang="LID4096" smtClean="0"/>
+              <a:t>11</a:t>
+            </a:fld>
+            <a:endParaRPr lang="LID4096"/>
+          </a:p>
+        </p:txBody>
+      </p:sp>
+    </p:spTree>
+    <p:extLst>
+      <p:ext uri="{BB962C8B-B14F-4D97-AF65-F5344CB8AC3E}">
+        <p14:creationId xmlns:p14="http://schemas.microsoft.com/office/powerpoint/2010/main" val="1331367595"/>
+      </p:ext>
+    </p:extLst>
+  </p:cSld>
+  <p:clrMapOvr>
+    <a:masterClrMapping/>
+  </p:clrMapOvr>
+</p:notes>
+</file>
+
+<file path=ppt/notesSlides/notesSlide12.xml><?xml version="1.0" encoding="utf-8"?>
+<p:notes xmlns:a="http://schemas.openxmlformats.org/drawingml/2006/main" xmlns:r="http://schemas.openxmlformats.org/officeDocument/2006/relationships" xmlns:p="http://schemas.openxmlformats.org/presentationml/2006/main">
+  <p:cSld>
+    <p:spTree>
+      <p:nvGrpSpPr>
+        <p:cNvPr id="1" name=""/>
+        <p:cNvGrpSpPr/>
+        <p:nvPr/>
+      </p:nvGrpSpPr>
+      <p:grpSpPr>
+        <a:xfrm>
+          <a:off x="0" y="0"/>
+          <a:ext cx="0" cy="0"/>
+          <a:chOff x="0" y="0"/>
+          <a:chExt cx="0" cy="0"/>
+        </a:xfrm>
+      </p:grpSpPr>
+      <p:sp>
+        <p:nvSpPr>
+          <p:cNvPr id="2" name="Slide Image Placeholder 1"/>
+          <p:cNvSpPr>
+            <a:spLocks noGrp="1" noRot="1" noChangeAspect="1"/>
+          </p:cNvSpPr>
+          <p:nvPr>
+            <p:ph type="sldImg"/>
+          </p:nvPr>
+        </p:nvSpPr>
+        <p:spPr/>
+      </p:sp>
+      <p:sp>
+        <p:nvSpPr>
+          <p:cNvPr id="3" name="Notes Placeholder 2"/>
+          <p:cNvSpPr>
+            <a:spLocks noGrp="1"/>
+          </p:cNvSpPr>
+          <p:nvPr>
+            <p:ph type="body" idx="1"/>
+          </p:nvPr>
+        </p:nvSpPr>
+        <p:spPr/>
+        <p:txBody>
+          <a:bodyPr/>
+          <a:lstStyle/>
+          <a:p>
+            <a:r>
+              <a:rPr lang="en-US" dirty="0"/>
+              <a:t>A</a:t>
+            </a:r>
+          </a:p>
+          <a:p>
+            <a:r>
+              <a:rPr lang="en-US" dirty="0"/>
+              <a:t>-explain all buttons</a:t>
+            </a:r>
+          </a:p>
+        </p:txBody>
+      </p:sp>
+      <p:sp>
+        <p:nvSpPr>
+          <p:cNvPr id="4" name="Slide Number Placeholder 3"/>
+          <p:cNvSpPr>
+            <a:spLocks noGrp="1"/>
+          </p:cNvSpPr>
+          <p:nvPr>
+            <p:ph type="sldNum" sz="quarter" idx="5"/>
+          </p:nvPr>
+        </p:nvSpPr>
+        <p:spPr/>
+        <p:txBody>
+          <a:bodyPr/>
+          <a:lstStyle/>
+          <a:p>
+            <a:fld id="{71D29193-83F2-4BB5-9097-BC5D2CEDE8F0}" type="slidenum">
+              <a:rPr lang="LID4096" smtClean="0"/>
+              <a:t>12</a:t>
+            </a:fld>
+            <a:endParaRPr lang="LID4096"/>
+          </a:p>
+        </p:txBody>
+      </p:sp>
+    </p:spTree>
+    <p:extLst>
+      <p:ext uri="{BB962C8B-B14F-4D97-AF65-F5344CB8AC3E}">
+        <p14:creationId xmlns:p14="http://schemas.microsoft.com/office/powerpoint/2010/main" val="933874976"/>
+      </p:ext>
+    </p:extLst>
+  </p:cSld>
+  <p:clrMapOvr>
+    <a:masterClrMapping/>
+  </p:clrMapOvr>
+</p:notes>
+</file>
+
+<file path=ppt/notesSlides/notesSlide13.xml><?xml version="1.0" encoding="utf-8"?>
+<p:notes xmlns:a="http://schemas.openxmlformats.org/drawingml/2006/main" xmlns:r="http://schemas.openxmlformats.org/officeDocument/2006/relationships" xmlns:p="http://schemas.openxmlformats.org/presentationml/2006/main">
+  <p:cSld>
+    <p:spTree>
+      <p:nvGrpSpPr>
+        <p:cNvPr id="1" name=""/>
+        <p:cNvGrpSpPr/>
+        <p:nvPr/>
+      </p:nvGrpSpPr>
+      <p:grpSpPr>
+        <a:xfrm>
+          <a:off x="0" y="0"/>
+          <a:ext cx="0" cy="0"/>
+          <a:chOff x="0" y="0"/>
+          <a:chExt cx="0" cy="0"/>
+        </a:xfrm>
+      </p:grpSpPr>
+      <p:sp>
+        <p:nvSpPr>
+          <p:cNvPr id="2" name="Slide Image Placeholder 1"/>
+          <p:cNvSpPr>
+            <a:spLocks noGrp="1" noRot="1" noChangeAspect="1"/>
+          </p:cNvSpPr>
+          <p:nvPr>
+            <p:ph type="sldImg"/>
+          </p:nvPr>
+        </p:nvSpPr>
+        <p:spPr/>
+      </p:sp>
+      <p:sp>
+        <p:nvSpPr>
+          <p:cNvPr id="3" name="Notes Placeholder 2"/>
+          <p:cNvSpPr>
+            <a:spLocks noGrp="1"/>
+          </p:cNvSpPr>
+          <p:nvPr>
+            <p:ph type="body" idx="1"/>
+          </p:nvPr>
+        </p:nvSpPr>
+        <p:spPr/>
+        <p:txBody>
+          <a:bodyPr/>
+          <a:lstStyle/>
+          <a:p>
+            <a:r>
+              <a:rPr lang="en-US" dirty="0"/>
+              <a:t>B</a:t>
+            </a:r>
+            <a:endParaRPr lang="LID4096" dirty="0"/>
+          </a:p>
+        </p:txBody>
+      </p:sp>
+      <p:sp>
+        <p:nvSpPr>
+          <p:cNvPr id="4" name="Slide Number Placeholder 3"/>
+          <p:cNvSpPr>
+            <a:spLocks noGrp="1"/>
+          </p:cNvSpPr>
+          <p:nvPr>
+            <p:ph type="sldNum" sz="quarter" idx="5"/>
+          </p:nvPr>
+        </p:nvSpPr>
+        <p:spPr/>
+        <p:txBody>
+          <a:bodyPr/>
+          <a:lstStyle/>
+          <a:p>
+            <a:fld id="{71D29193-83F2-4BB5-9097-BC5D2CEDE8F0}" type="slidenum">
+              <a:rPr lang="LID4096" smtClean="0"/>
+              <a:t>13</a:t>
+            </a:fld>
+            <a:endParaRPr lang="LID4096"/>
+          </a:p>
+        </p:txBody>
+      </p:sp>
+    </p:spTree>
+    <p:extLst>
+      <p:ext uri="{BB962C8B-B14F-4D97-AF65-F5344CB8AC3E}">
+        <p14:creationId xmlns:p14="http://schemas.microsoft.com/office/powerpoint/2010/main" val="214338792"/>
+      </p:ext>
+    </p:extLst>
+  </p:cSld>
+  <p:clrMapOvr>
+    <a:masterClrMapping/>
+  </p:clrMapOvr>
+</p:notes>
+</file>
+
+<file path=ppt/notesSlides/notesSlide14.xml><?xml version="1.0" encoding="utf-8"?>
+<p:notes xmlns:a="http://schemas.openxmlformats.org/drawingml/2006/main" xmlns:r="http://schemas.openxmlformats.org/officeDocument/2006/relationships" xmlns:p="http://schemas.openxmlformats.org/presentationml/2006/main">
+  <p:cSld>
+    <p:spTree>
+      <p:nvGrpSpPr>
+        <p:cNvPr id="1" name=""/>
+        <p:cNvGrpSpPr/>
+        <p:nvPr/>
+      </p:nvGrpSpPr>
+      <p:grpSpPr>
+        <a:xfrm>
+          <a:off x="0" y="0"/>
+          <a:ext cx="0" cy="0"/>
+          <a:chOff x="0" y="0"/>
+          <a:chExt cx="0" cy="0"/>
+        </a:xfrm>
+      </p:grpSpPr>
+      <p:sp>
+        <p:nvSpPr>
+          <p:cNvPr id="2" name="Slide Image Placeholder 1"/>
+          <p:cNvSpPr>
+            <a:spLocks noGrp="1" noRot="1" noChangeAspect="1"/>
+          </p:cNvSpPr>
+          <p:nvPr>
+            <p:ph type="sldImg"/>
+          </p:nvPr>
+        </p:nvSpPr>
+        <p:spPr/>
+      </p:sp>
+      <p:sp>
+        <p:nvSpPr>
+          <p:cNvPr id="3" name="Notes Placeholder 2"/>
+          <p:cNvSpPr>
+            <a:spLocks noGrp="1"/>
+          </p:cNvSpPr>
+          <p:nvPr>
+            <p:ph type="body" idx="1"/>
+          </p:nvPr>
+        </p:nvSpPr>
+        <p:spPr/>
+        <p:txBody>
+          <a:bodyPr/>
+          <a:lstStyle/>
+          <a:p>
+            <a:r>
+              <a:rPr lang="en-US" dirty="0"/>
+              <a:t>B</a:t>
+            </a:r>
+          </a:p>
+          <a:p>
+            <a:r>
+              <a:rPr lang="en-US" dirty="0" err="1"/>
+              <a:t>Uitleg</a:t>
+            </a:r>
+            <a:r>
+              <a:rPr lang="en-US" dirty="0"/>
+              <a:t> buttons</a:t>
+            </a:r>
+            <a:endParaRPr lang="LID4096" dirty="0"/>
+          </a:p>
+        </p:txBody>
+      </p:sp>
+      <p:sp>
+        <p:nvSpPr>
+          <p:cNvPr id="4" name="Slide Number Placeholder 3"/>
+          <p:cNvSpPr>
+            <a:spLocks noGrp="1"/>
+          </p:cNvSpPr>
+          <p:nvPr>
+            <p:ph type="sldNum" sz="quarter" idx="5"/>
+          </p:nvPr>
+        </p:nvSpPr>
+        <p:spPr/>
+        <p:txBody>
+          <a:bodyPr/>
+          <a:lstStyle/>
+          <a:p>
+            <a:fld id="{71D29193-83F2-4BB5-9097-BC5D2CEDE8F0}" type="slidenum">
+              <a:rPr lang="LID4096" smtClean="0"/>
+              <a:t>14</a:t>
+            </a:fld>
+            <a:endParaRPr lang="LID4096"/>
+          </a:p>
+        </p:txBody>
+      </p:sp>
+    </p:spTree>
+    <p:extLst>
+      <p:ext uri="{BB962C8B-B14F-4D97-AF65-F5344CB8AC3E}">
+        <p14:creationId xmlns:p14="http://schemas.microsoft.com/office/powerpoint/2010/main" val="4065639818"/>
+      </p:ext>
+    </p:extLst>
+  </p:cSld>
+  <p:clrMapOvr>
+    <a:masterClrMapping/>
+  </p:clrMapOvr>
+</p:notes>
+</file>
+
+<file path=ppt/notesSlides/notesSlide15.xml><?xml version="1.0" encoding="utf-8"?>
+<p:notes xmlns:a="http://schemas.openxmlformats.org/drawingml/2006/main" xmlns:r="http://schemas.openxmlformats.org/officeDocument/2006/relationships" xmlns:p="http://schemas.openxmlformats.org/presentationml/2006/main">
+  <p:cSld>
+    <p:spTree>
+      <p:nvGrpSpPr>
+        <p:cNvPr id="1" name=""/>
+        <p:cNvGrpSpPr/>
+        <p:nvPr/>
+      </p:nvGrpSpPr>
+      <p:grpSpPr>
+        <a:xfrm>
+          <a:off x="0" y="0"/>
+          <a:ext cx="0" cy="0"/>
+          <a:chOff x="0" y="0"/>
+          <a:chExt cx="0" cy="0"/>
+        </a:xfrm>
+      </p:grpSpPr>
+      <p:sp>
+        <p:nvSpPr>
+          <p:cNvPr id="2" name="Slide Image Placeholder 1"/>
+          <p:cNvSpPr>
+            <a:spLocks noGrp="1" noRot="1" noChangeAspect="1"/>
+          </p:cNvSpPr>
+          <p:nvPr>
+            <p:ph type="sldImg"/>
+          </p:nvPr>
+        </p:nvSpPr>
+        <p:spPr/>
+      </p:sp>
+      <p:sp>
+        <p:nvSpPr>
+          <p:cNvPr id="3" name="Notes Placeholder 2"/>
+          <p:cNvSpPr>
+            <a:spLocks noGrp="1"/>
+          </p:cNvSpPr>
+          <p:nvPr>
+            <p:ph type="body" idx="1"/>
+          </p:nvPr>
+        </p:nvSpPr>
+        <p:spPr/>
+        <p:txBody>
+          <a:bodyPr/>
+          <a:lstStyle/>
+          <a:p>
+            <a:r>
+              <a:rPr lang="en-US" dirty="0"/>
+              <a:t>B</a:t>
+            </a:r>
+            <a:endParaRPr lang="LID4096" dirty="0"/>
+          </a:p>
+        </p:txBody>
+      </p:sp>
+      <p:sp>
+        <p:nvSpPr>
+          <p:cNvPr id="4" name="Slide Number Placeholder 3"/>
+          <p:cNvSpPr>
+            <a:spLocks noGrp="1"/>
+          </p:cNvSpPr>
+          <p:nvPr>
+            <p:ph type="sldNum" sz="quarter" idx="5"/>
+          </p:nvPr>
+        </p:nvSpPr>
+        <p:spPr/>
+        <p:txBody>
+          <a:bodyPr/>
+          <a:lstStyle/>
+          <a:p>
+            <a:fld id="{71D29193-83F2-4BB5-9097-BC5D2CEDE8F0}" type="slidenum">
+              <a:rPr lang="LID4096" smtClean="0"/>
+              <a:t>15</a:t>
+            </a:fld>
+            <a:endParaRPr lang="LID4096"/>
+          </a:p>
+        </p:txBody>
+      </p:sp>
+    </p:spTree>
+    <p:extLst>
+      <p:ext uri="{BB962C8B-B14F-4D97-AF65-F5344CB8AC3E}">
+        <p14:creationId xmlns:p14="http://schemas.microsoft.com/office/powerpoint/2010/main" val="770752900"/>
+      </p:ext>
+    </p:extLst>
+  </p:cSld>
+  <p:clrMapOvr>
+    <a:masterClrMapping/>
+  </p:clrMapOvr>
+</p:notes>
+</file>
+
+<file path=ppt/notesSlides/notesSlide16.xml><?xml version="1.0" encoding="utf-8"?>
+<p:notes xmlns:a="http://schemas.openxmlformats.org/drawingml/2006/main" xmlns:r="http://schemas.openxmlformats.org/officeDocument/2006/relationships" xmlns:p="http://schemas.openxmlformats.org/presentationml/2006/main">
+  <p:cSld>
+    <p:spTree>
+      <p:nvGrpSpPr>
+        <p:cNvPr id="1" name=""/>
+        <p:cNvGrpSpPr/>
+        <p:nvPr/>
+      </p:nvGrpSpPr>
+      <p:grpSpPr>
+        <a:xfrm>
+          <a:off x="0" y="0"/>
+          <a:ext cx="0" cy="0"/>
+          <a:chOff x="0" y="0"/>
+          <a:chExt cx="0" cy="0"/>
+        </a:xfrm>
+      </p:grpSpPr>
+      <p:sp>
+        <p:nvSpPr>
+          <p:cNvPr id="2" name="Slide Image Placeholder 1"/>
+          <p:cNvSpPr>
+            <a:spLocks noGrp="1" noRot="1" noChangeAspect="1"/>
+          </p:cNvSpPr>
+          <p:nvPr>
+            <p:ph type="sldImg"/>
+          </p:nvPr>
+        </p:nvSpPr>
+        <p:spPr/>
+      </p:sp>
+      <p:sp>
+        <p:nvSpPr>
+          <p:cNvPr id="3" name="Notes Placeholder 2"/>
+          <p:cNvSpPr>
+            <a:spLocks noGrp="1"/>
+          </p:cNvSpPr>
+          <p:nvPr>
+            <p:ph type="body" idx="1"/>
+          </p:nvPr>
+        </p:nvSpPr>
+        <p:spPr/>
+        <p:txBody>
+          <a:bodyPr/>
+          <a:lstStyle/>
+          <a:p>
+            <a:r>
+              <a:rPr lang="en-US" dirty="0"/>
+              <a:t>B</a:t>
+            </a:r>
+          </a:p>
+          <a:p>
+            <a:r>
+              <a:rPr lang="en-US" dirty="0" err="1"/>
+              <a:t>Uitleg</a:t>
+            </a:r>
+            <a:r>
+              <a:rPr lang="en-US" dirty="0"/>
+              <a:t> buttons</a:t>
+            </a:r>
+            <a:endParaRPr lang="LID4096" dirty="0"/>
+          </a:p>
+        </p:txBody>
+      </p:sp>
+      <p:sp>
+        <p:nvSpPr>
+          <p:cNvPr id="4" name="Slide Number Placeholder 3"/>
+          <p:cNvSpPr>
+            <a:spLocks noGrp="1"/>
+          </p:cNvSpPr>
+          <p:nvPr>
+            <p:ph type="sldNum" sz="quarter" idx="5"/>
+          </p:nvPr>
+        </p:nvSpPr>
+        <p:spPr/>
+        <p:txBody>
+          <a:bodyPr/>
+          <a:lstStyle/>
+          <a:p>
+            <a:fld id="{71D29193-83F2-4BB5-9097-BC5D2CEDE8F0}" type="slidenum">
+              <a:rPr lang="LID4096" smtClean="0"/>
+              <a:t>16</a:t>
+            </a:fld>
+            <a:endParaRPr lang="LID4096"/>
+          </a:p>
+        </p:txBody>
+      </p:sp>
+    </p:spTree>
+    <p:extLst>
+      <p:ext uri="{BB962C8B-B14F-4D97-AF65-F5344CB8AC3E}">
+        <p14:creationId xmlns:p14="http://schemas.microsoft.com/office/powerpoint/2010/main" val="4188904835"/>
+      </p:ext>
+    </p:extLst>
+  </p:cSld>
+  <p:clrMapOvr>
+    <a:masterClrMapping/>
+  </p:clrMapOvr>
+</p:notes>
+</file>
+
+<file path=ppt/notesSlides/notesSlide17.xml><?xml version="1.0" encoding="utf-8"?>
+<p:notes xmlns:a="http://schemas.openxmlformats.org/drawingml/2006/main" xmlns:r="http://schemas.openxmlformats.org/officeDocument/2006/relationships" xmlns:p="http://schemas.openxmlformats.org/presentationml/2006/main">
+  <p:cSld>
+    <p:spTree>
+      <p:nvGrpSpPr>
+        <p:cNvPr id="1" name=""/>
+        <p:cNvGrpSpPr/>
+        <p:nvPr/>
+      </p:nvGrpSpPr>
+      <p:grpSpPr>
+        <a:xfrm>
+          <a:off x="0" y="0"/>
+          <a:ext cx="0" cy="0"/>
+          <a:chOff x="0" y="0"/>
+          <a:chExt cx="0" cy="0"/>
+        </a:xfrm>
+      </p:grpSpPr>
+      <p:sp>
+        <p:nvSpPr>
+          <p:cNvPr id="2" name="Slide Image Placeholder 1"/>
+          <p:cNvSpPr>
+            <a:spLocks noGrp="1" noRot="1" noChangeAspect="1"/>
+          </p:cNvSpPr>
+          <p:nvPr>
+            <p:ph type="sldImg"/>
+          </p:nvPr>
+        </p:nvSpPr>
+        <p:spPr/>
+      </p:sp>
+      <p:sp>
+        <p:nvSpPr>
+          <p:cNvPr id="3" name="Notes Placeholder 2"/>
+          <p:cNvSpPr>
+            <a:spLocks noGrp="1"/>
+          </p:cNvSpPr>
+          <p:nvPr>
+            <p:ph type="body" idx="1"/>
+          </p:nvPr>
+        </p:nvSpPr>
+        <p:spPr/>
+        <p:txBody>
+          <a:bodyPr/>
+          <a:lstStyle/>
+          <a:p>
+            <a:r>
+              <a:rPr lang="en-US" dirty="0"/>
+              <a:t>T</a:t>
+            </a:r>
+            <a:endParaRPr lang="LID4096" dirty="0"/>
+          </a:p>
+        </p:txBody>
+      </p:sp>
+      <p:sp>
+        <p:nvSpPr>
+          <p:cNvPr id="4" name="Slide Number Placeholder 3"/>
+          <p:cNvSpPr>
+            <a:spLocks noGrp="1"/>
+          </p:cNvSpPr>
+          <p:nvPr>
+            <p:ph type="sldNum" sz="quarter" idx="5"/>
+          </p:nvPr>
+        </p:nvSpPr>
+        <p:spPr/>
+        <p:txBody>
+          <a:bodyPr/>
+          <a:lstStyle/>
+          <a:p>
+            <a:fld id="{71D29193-83F2-4BB5-9097-BC5D2CEDE8F0}" type="slidenum">
+              <a:rPr lang="LID4096" smtClean="0"/>
+              <a:t>17</a:t>
+            </a:fld>
+            <a:endParaRPr lang="LID4096"/>
+          </a:p>
+        </p:txBody>
+      </p:sp>
+    </p:spTree>
+    <p:extLst>
+      <p:ext uri="{BB962C8B-B14F-4D97-AF65-F5344CB8AC3E}">
+        <p14:creationId xmlns:p14="http://schemas.microsoft.com/office/powerpoint/2010/main" val="3464914966"/>
+      </p:ext>
+    </p:extLst>
+  </p:cSld>
+  <p:clrMapOvr>
+    <a:masterClrMapping/>
+  </p:clrMapOvr>
+</p:notes>
+</file>
+
+<file path=ppt/notesSlides/notesSlide18.xml><?xml version="1.0" encoding="utf-8"?>
+<p:notes xmlns:a="http://schemas.openxmlformats.org/drawingml/2006/main" xmlns:r="http://schemas.openxmlformats.org/officeDocument/2006/relationships" xmlns:p="http://schemas.openxmlformats.org/presentationml/2006/main">
+  <p:cSld>
+    <p:spTree>
+      <p:nvGrpSpPr>
+        <p:cNvPr id="1" name=""/>
+        <p:cNvGrpSpPr/>
+        <p:nvPr/>
+      </p:nvGrpSpPr>
+      <p:grpSpPr>
+        <a:xfrm>
+          <a:off x="0" y="0"/>
+          <a:ext cx="0" cy="0"/>
+          <a:chOff x="0" y="0"/>
+          <a:chExt cx="0" cy="0"/>
+        </a:xfrm>
+      </p:grpSpPr>
+      <p:sp>
+        <p:nvSpPr>
+          <p:cNvPr id="2" name="Slide Image Placeholder 1"/>
+          <p:cNvSpPr>
+            <a:spLocks noGrp="1" noRot="1" noChangeAspect="1"/>
+          </p:cNvSpPr>
+          <p:nvPr>
+            <p:ph type="sldImg"/>
+          </p:nvPr>
+        </p:nvSpPr>
+        <p:spPr/>
+      </p:sp>
+      <p:sp>
+        <p:nvSpPr>
+          <p:cNvPr id="3" name="Notes Placeholder 2"/>
+          <p:cNvSpPr>
+            <a:spLocks noGrp="1"/>
+          </p:cNvSpPr>
+          <p:nvPr>
+            <p:ph type="body" idx="1"/>
+          </p:nvPr>
+        </p:nvSpPr>
+        <p:spPr/>
+        <p:txBody>
+          <a:bodyPr/>
+          <a:lstStyle/>
+          <a:p>
+            <a:r>
+              <a:rPr lang="en-US" dirty="0"/>
+              <a:t>T</a:t>
+            </a:r>
+            <a:endParaRPr lang="LID4096" dirty="0"/>
+          </a:p>
+        </p:txBody>
+      </p:sp>
+      <p:sp>
+        <p:nvSpPr>
+          <p:cNvPr id="4" name="Slide Number Placeholder 3"/>
+          <p:cNvSpPr>
+            <a:spLocks noGrp="1"/>
+          </p:cNvSpPr>
+          <p:nvPr>
+            <p:ph type="sldNum" sz="quarter" idx="5"/>
+          </p:nvPr>
+        </p:nvSpPr>
+        <p:spPr/>
+        <p:txBody>
+          <a:bodyPr/>
+          <a:lstStyle/>
+          <a:p>
+            <a:fld id="{71D29193-83F2-4BB5-9097-BC5D2CEDE8F0}" type="slidenum">
+              <a:rPr lang="LID4096" smtClean="0"/>
+              <a:t>18</a:t>
+            </a:fld>
+            <a:endParaRPr lang="LID4096"/>
+          </a:p>
+        </p:txBody>
+      </p:sp>
+    </p:spTree>
+    <p:extLst>
+      <p:ext uri="{BB962C8B-B14F-4D97-AF65-F5344CB8AC3E}">
+        <p14:creationId xmlns:p14="http://schemas.microsoft.com/office/powerpoint/2010/main" val="414020483"/>
+      </p:ext>
+    </p:extLst>
+  </p:cSld>
+  <p:clrMapOvr>
+    <a:masterClrMapping/>
+  </p:clrMapOvr>
+</p:notes>
+</file>
+
+<file path=ppt/notesSlides/notesSlide19.xml><?xml version="1.0" encoding="utf-8"?>
+<p:notes xmlns:a="http://schemas.openxmlformats.org/drawingml/2006/main" xmlns:r="http://schemas.openxmlformats.org/officeDocument/2006/relationships" xmlns:p="http://schemas.openxmlformats.org/presentationml/2006/main">
+  <p:cSld>
+    <p:spTree>
+      <p:nvGrpSpPr>
+        <p:cNvPr id="1" name=""/>
+        <p:cNvGrpSpPr/>
+        <p:nvPr/>
+      </p:nvGrpSpPr>
+      <p:grpSpPr>
+        <a:xfrm>
+          <a:off x="0" y="0"/>
+          <a:ext cx="0" cy="0"/>
+          <a:chOff x="0" y="0"/>
+          <a:chExt cx="0" cy="0"/>
+        </a:xfrm>
+      </p:grpSpPr>
+      <p:sp>
+        <p:nvSpPr>
+          <p:cNvPr id="2" name="Slide Image Placeholder 1"/>
+          <p:cNvSpPr>
+            <a:spLocks noGrp="1" noRot="1" noChangeAspect="1"/>
+          </p:cNvSpPr>
+          <p:nvPr>
+            <p:ph type="sldImg"/>
+          </p:nvPr>
+        </p:nvSpPr>
+        <p:spPr/>
+      </p:sp>
+      <p:sp>
+        <p:nvSpPr>
+          <p:cNvPr id="3" name="Notes Placeholder 2"/>
+          <p:cNvSpPr>
+            <a:spLocks noGrp="1"/>
+          </p:cNvSpPr>
+          <p:nvPr>
+            <p:ph type="body" idx="1"/>
+          </p:nvPr>
+        </p:nvSpPr>
+        <p:spPr/>
+        <p:txBody>
+          <a:bodyPr/>
+          <a:lstStyle/>
+          <a:p>
+            <a:r>
+              <a:rPr lang="en-US" dirty="0"/>
+              <a:t>B</a:t>
+            </a:r>
+            <a:endParaRPr lang="LID4096" dirty="0"/>
+          </a:p>
+        </p:txBody>
+      </p:sp>
+      <p:sp>
+        <p:nvSpPr>
+          <p:cNvPr id="4" name="Slide Number Placeholder 3"/>
+          <p:cNvSpPr>
+            <a:spLocks noGrp="1"/>
+          </p:cNvSpPr>
+          <p:nvPr>
+            <p:ph type="sldNum" sz="quarter" idx="5"/>
+          </p:nvPr>
+        </p:nvSpPr>
+        <p:spPr/>
+        <p:txBody>
+          <a:bodyPr/>
+          <a:lstStyle/>
+          <a:p>
+            <a:fld id="{71D29193-83F2-4BB5-9097-BC5D2CEDE8F0}" type="slidenum">
+              <a:rPr lang="LID4096" smtClean="0"/>
+              <a:t>19</a:t>
+            </a:fld>
+            <a:endParaRPr lang="LID4096"/>
+          </a:p>
+        </p:txBody>
+      </p:sp>
+    </p:spTree>
+    <p:extLst>
+      <p:ext uri="{BB962C8B-B14F-4D97-AF65-F5344CB8AC3E}">
+        <p14:creationId xmlns:p14="http://schemas.microsoft.com/office/powerpoint/2010/main" val="2968907277"/>
+      </p:ext>
+    </p:extLst>
+  </p:cSld>
+  <p:clrMapOvr>
+    <a:masterClrMapping/>
+  </p:clrMapOvr>
+</p:notes>
+</file>
+
+<file path=ppt/notesSlides/notesSlide2.xml><?xml version="1.0" encoding="utf-8"?>
+<p:notes xmlns:a="http://schemas.openxmlformats.org/drawingml/2006/main" xmlns:r="http://schemas.openxmlformats.org/officeDocument/2006/relationships" xmlns:p="http://schemas.openxmlformats.org/presentationml/2006/main">
+  <p:cSld>
+    <p:spTree>
+      <p:nvGrpSpPr>
+        <p:cNvPr id="1" name=""/>
+        <p:cNvGrpSpPr/>
+        <p:nvPr/>
+      </p:nvGrpSpPr>
+      <p:grpSpPr>
+        <a:xfrm>
+          <a:off x="0" y="0"/>
+          <a:ext cx="0" cy="0"/>
+          <a:chOff x="0" y="0"/>
+          <a:chExt cx="0" cy="0"/>
+        </a:xfrm>
+      </p:grpSpPr>
+      <p:sp>
+        <p:nvSpPr>
+          <p:cNvPr id="2" name="Slide Image Placeholder 1"/>
+          <p:cNvSpPr>
+            <a:spLocks noGrp="1" noRot="1" noChangeAspect="1"/>
+          </p:cNvSpPr>
+          <p:nvPr>
+            <p:ph type="sldImg"/>
+          </p:nvPr>
+        </p:nvSpPr>
+        <p:spPr/>
+      </p:sp>
+      <p:sp>
+        <p:nvSpPr>
+          <p:cNvPr id="3" name="Notes Placeholder 2"/>
+          <p:cNvSpPr>
+            <a:spLocks noGrp="1"/>
+          </p:cNvSpPr>
+          <p:nvPr>
+            <p:ph type="body" idx="1"/>
+          </p:nvPr>
+        </p:nvSpPr>
+        <p:spPr/>
+        <p:txBody>
+          <a:bodyPr/>
+          <a:lstStyle/>
+          <a:p>
+            <a:r>
+              <a:rPr lang="en-US" dirty="0"/>
+              <a:t>A</a:t>
+            </a:r>
+            <a:endParaRPr lang="LID4096" dirty="0"/>
+          </a:p>
+        </p:txBody>
+      </p:sp>
+      <p:sp>
+        <p:nvSpPr>
+          <p:cNvPr id="4" name="Slide Number Placeholder 3"/>
+          <p:cNvSpPr>
+            <a:spLocks noGrp="1"/>
+          </p:cNvSpPr>
+          <p:nvPr>
+            <p:ph type="sldNum" sz="quarter" idx="5"/>
+          </p:nvPr>
+        </p:nvSpPr>
+        <p:spPr/>
+        <p:txBody>
+          <a:bodyPr/>
+          <a:lstStyle/>
+          <a:p>
+            <a:fld id="{71D29193-83F2-4BB5-9097-BC5D2CEDE8F0}" type="slidenum">
+              <a:rPr lang="LID4096" smtClean="0"/>
+              <a:t>2</a:t>
+            </a:fld>
+            <a:endParaRPr lang="LID4096"/>
+          </a:p>
+        </p:txBody>
+      </p:sp>
+    </p:spTree>
+    <p:extLst>
+      <p:ext uri="{BB962C8B-B14F-4D97-AF65-F5344CB8AC3E}">
+        <p14:creationId xmlns:p14="http://schemas.microsoft.com/office/powerpoint/2010/main" val="1922484314"/>
+      </p:ext>
+    </p:extLst>
+  </p:cSld>
+  <p:clrMapOvr>
+    <a:masterClrMapping/>
+  </p:clrMapOvr>
+</p:notes>
+</file>
+
+<file path=ppt/notesSlides/notesSlide20.xml><?xml version="1.0" encoding="utf-8"?>
+<p:notes xmlns:a="http://schemas.openxmlformats.org/drawingml/2006/main" xmlns:r="http://schemas.openxmlformats.org/officeDocument/2006/relationships" xmlns:p="http://schemas.openxmlformats.org/presentationml/2006/main">
+  <p:cSld>
+    <p:spTree>
+      <p:nvGrpSpPr>
+        <p:cNvPr id="1" name=""/>
+        <p:cNvGrpSpPr/>
+        <p:nvPr/>
+      </p:nvGrpSpPr>
+      <p:grpSpPr>
+        <a:xfrm>
+          <a:off x="0" y="0"/>
+          <a:ext cx="0" cy="0"/>
+          <a:chOff x="0" y="0"/>
+          <a:chExt cx="0" cy="0"/>
+        </a:xfrm>
+      </p:grpSpPr>
+      <p:sp>
+        <p:nvSpPr>
+          <p:cNvPr id="2" name="Slide Image Placeholder 1"/>
+          <p:cNvSpPr>
+            <a:spLocks noGrp="1" noRot="1" noChangeAspect="1"/>
+          </p:cNvSpPr>
+          <p:nvPr>
+            <p:ph type="sldImg"/>
+          </p:nvPr>
+        </p:nvSpPr>
+        <p:spPr/>
+      </p:sp>
+      <p:sp>
+        <p:nvSpPr>
+          <p:cNvPr id="3" name="Notes Placeholder 2"/>
+          <p:cNvSpPr>
+            <a:spLocks noGrp="1"/>
+          </p:cNvSpPr>
+          <p:nvPr>
+            <p:ph type="body" idx="1"/>
+          </p:nvPr>
+        </p:nvSpPr>
+        <p:spPr/>
+        <p:txBody>
+          <a:bodyPr/>
+          <a:lstStyle/>
+          <a:p>
+            <a:r>
+              <a:rPr lang="en-US" dirty="0"/>
+              <a:t>A</a:t>
+            </a:r>
+            <a:endParaRPr lang="LID4096" dirty="0"/>
+          </a:p>
+        </p:txBody>
+      </p:sp>
+      <p:sp>
+        <p:nvSpPr>
+          <p:cNvPr id="4" name="Slide Number Placeholder 3"/>
+          <p:cNvSpPr>
+            <a:spLocks noGrp="1"/>
+          </p:cNvSpPr>
+          <p:nvPr>
+            <p:ph type="sldNum" sz="quarter" idx="5"/>
+          </p:nvPr>
+        </p:nvSpPr>
+        <p:spPr/>
+        <p:txBody>
+          <a:bodyPr/>
+          <a:lstStyle/>
+          <a:p>
+            <a:fld id="{71D29193-83F2-4BB5-9097-BC5D2CEDE8F0}" type="slidenum">
+              <a:rPr lang="LID4096" smtClean="0"/>
+              <a:t>20</a:t>
+            </a:fld>
+            <a:endParaRPr lang="LID4096"/>
+          </a:p>
+        </p:txBody>
+      </p:sp>
+    </p:spTree>
+    <p:extLst>
+      <p:ext uri="{BB962C8B-B14F-4D97-AF65-F5344CB8AC3E}">
+        <p14:creationId xmlns:p14="http://schemas.microsoft.com/office/powerpoint/2010/main" val="2370650115"/>
+      </p:ext>
+    </p:extLst>
+  </p:cSld>
+  <p:clrMapOvr>
+    <a:masterClrMapping/>
+  </p:clrMapOvr>
+</p:notes>
+</file>
+
+<file path=ppt/notesSlides/notesSlide3.xml><?xml version="1.0" encoding="utf-8"?>
+<p:notes xmlns:a="http://schemas.openxmlformats.org/drawingml/2006/main" xmlns:r="http://schemas.openxmlformats.org/officeDocument/2006/relationships" xmlns:p="http://schemas.openxmlformats.org/presentationml/2006/main">
+  <p:cSld>
+    <p:spTree>
+      <p:nvGrpSpPr>
+        <p:cNvPr id="1" name=""/>
+        <p:cNvGrpSpPr/>
+        <p:nvPr/>
+      </p:nvGrpSpPr>
+      <p:grpSpPr>
+        <a:xfrm>
+          <a:off x="0" y="0"/>
+          <a:ext cx="0" cy="0"/>
+          <a:chOff x="0" y="0"/>
+          <a:chExt cx="0" cy="0"/>
+        </a:xfrm>
+      </p:grpSpPr>
+      <p:sp>
+        <p:nvSpPr>
+          <p:cNvPr id="2" name="Slide Image Placeholder 1"/>
+          <p:cNvSpPr>
+            <a:spLocks noGrp="1" noRot="1" noChangeAspect="1"/>
+          </p:cNvSpPr>
+          <p:nvPr>
+            <p:ph type="sldImg"/>
+          </p:nvPr>
+        </p:nvSpPr>
+        <p:spPr/>
+      </p:sp>
+      <p:sp>
+        <p:nvSpPr>
+          <p:cNvPr id="3" name="Notes Placeholder 2"/>
+          <p:cNvSpPr>
+            <a:spLocks noGrp="1"/>
+          </p:cNvSpPr>
+          <p:nvPr>
+            <p:ph type="body" idx="1"/>
+          </p:nvPr>
+        </p:nvSpPr>
+        <p:spPr/>
+        <p:txBody>
+          <a:bodyPr/>
+          <a:lstStyle/>
+          <a:p>
+            <a:r>
+              <a:rPr lang="en-US" dirty="0"/>
+              <a:t>A</a:t>
+            </a:r>
+            <a:endParaRPr lang="LID4096" dirty="0"/>
+          </a:p>
+        </p:txBody>
+      </p:sp>
+      <p:sp>
+        <p:nvSpPr>
+          <p:cNvPr id="4" name="Slide Number Placeholder 3"/>
+          <p:cNvSpPr>
+            <a:spLocks noGrp="1"/>
+          </p:cNvSpPr>
+          <p:nvPr>
+            <p:ph type="sldNum" sz="quarter" idx="5"/>
+          </p:nvPr>
+        </p:nvSpPr>
+        <p:spPr/>
+        <p:txBody>
+          <a:bodyPr/>
+          <a:lstStyle/>
+          <a:p>
+            <a:fld id="{71D29193-83F2-4BB5-9097-BC5D2CEDE8F0}" type="slidenum">
+              <a:rPr lang="LID4096" smtClean="0"/>
+              <a:t>3</a:t>
+            </a:fld>
+            <a:endParaRPr lang="LID4096"/>
+          </a:p>
+        </p:txBody>
+      </p:sp>
+    </p:spTree>
+    <p:extLst>
+      <p:ext uri="{BB962C8B-B14F-4D97-AF65-F5344CB8AC3E}">
+        <p14:creationId xmlns:p14="http://schemas.microsoft.com/office/powerpoint/2010/main" val="2985632463"/>
+      </p:ext>
+    </p:extLst>
+  </p:cSld>
+  <p:clrMapOvr>
+    <a:masterClrMapping/>
+  </p:clrMapOvr>
+</p:notes>
+</file>
+
+<file path=ppt/notesSlides/notesSlide4.xml><?xml version="1.0" encoding="utf-8"?>
+<p:notes xmlns:a="http://schemas.openxmlformats.org/drawingml/2006/main" xmlns:r="http://schemas.openxmlformats.org/officeDocument/2006/relationships" xmlns:p="http://schemas.openxmlformats.org/presentationml/2006/main">
+  <p:cSld>
+    <p:spTree>
+      <p:nvGrpSpPr>
+        <p:cNvPr id="1" name=""/>
+        <p:cNvGrpSpPr/>
+        <p:nvPr/>
+      </p:nvGrpSpPr>
+      <p:grpSpPr>
+        <a:xfrm>
+          <a:off x="0" y="0"/>
+          <a:ext cx="0" cy="0"/>
+          <a:chOff x="0" y="0"/>
+          <a:chExt cx="0" cy="0"/>
+        </a:xfrm>
+      </p:grpSpPr>
+      <p:sp>
+        <p:nvSpPr>
+          <p:cNvPr id="2" name="Slide Image Placeholder 1"/>
+          <p:cNvSpPr>
+            <a:spLocks noGrp="1" noRot="1" noChangeAspect="1"/>
+          </p:cNvSpPr>
+          <p:nvPr>
+            <p:ph type="sldImg"/>
+          </p:nvPr>
+        </p:nvSpPr>
+        <p:spPr/>
+      </p:sp>
+      <p:sp>
+        <p:nvSpPr>
+          <p:cNvPr id="3" name="Notes Placeholder 2"/>
+          <p:cNvSpPr>
+            <a:spLocks noGrp="1"/>
+          </p:cNvSpPr>
+          <p:nvPr>
+            <p:ph type="body" idx="1"/>
+          </p:nvPr>
+        </p:nvSpPr>
+        <p:spPr/>
+        <p:txBody>
+          <a:bodyPr/>
+          <a:lstStyle/>
+          <a:p>
+            <a:r>
+              <a:rPr lang="en-US" dirty="0"/>
+              <a:t>A</a:t>
+            </a:r>
+            <a:endParaRPr lang="LID4096" dirty="0"/>
+          </a:p>
+        </p:txBody>
+      </p:sp>
+      <p:sp>
+        <p:nvSpPr>
+          <p:cNvPr id="4" name="Slide Number Placeholder 3"/>
+          <p:cNvSpPr>
+            <a:spLocks noGrp="1"/>
+          </p:cNvSpPr>
+          <p:nvPr>
+            <p:ph type="sldNum" sz="quarter" idx="5"/>
+          </p:nvPr>
+        </p:nvSpPr>
+        <p:spPr/>
+        <p:txBody>
+          <a:bodyPr/>
+          <a:lstStyle/>
+          <a:p>
+            <a:fld id="{71D29193-83F2-4BB5-9097-BC5D2CEDE8F0}" type="slidenum">
+              <a:rPr lang="LID4096" smtClean="0"/>
+              <a:t>4</a:t>
+            </a:fld>
+            <a:endParaRPr lang="LID4096"/>
+          </a:p>
+        </p:txBody>
+      </p:sp>
+    </p:spTree>
+    <p:extLst>
+      <p:ext uri="{BB962C8B-B14F-4D97-AF65-F5344CB8AC3E}">
+        <p14:creationId xmlns:p14="http://schemas.microsoft.com/office/powerpoint/2010/main" val="674176797"/>
+      </p:ext>
+    </p:extLst>
+  </p:cSld>
+  <p:clrMapOvr>
+    <a:masterClrMapping/>
+  </p:clrMapOvr>
+</p:notes>
+</file>
+
+<file path=ppt/notesSlides/notesSlide5.xml><?xml version="1.0" encoding="utf-8"?>
+<p:notes xmlns:a="http://schemas.openxmlformats.org/drawingml/2006/main" xmlns:r="http://schemas.openxmlformats.org/officeDocument/2006/relationships" xmlns:p="http://schemas.openxmlformats.org/presentationml/2006/main">
+  <p:cSld>
+    <p:spTree>
+      <p:nvGrpSpPr>
+        <p:cNvPr id="1" name=""/>
+        <p:cNvGrpSpPr/>
+        <p:nvPr/>
+      </p:nvGrpSpPr>
+      <p:grpSpPr>
+        <a:xfrm>
+          <a:off x="0" y="0"/>
+          <a:ext cx="0" cy="0"/>
+          <a:chOff x="0" y="0"/>
+          <a:chExt cx="0" cy="0"/>
+        </a:xfrm>
+      </p:grpSpPr>
+      <p:sp>
+        <p:nvSpPr>
+          <p:cNvPr id="2" name="Slide Image Placeholder 1"/>
+          <p:cNvSpPr>
+            <a:spLocks noGrp="1" noRot="1" noChangeAspect="1"/>
+          </p:cNvSpPr>
+          <p:nvPr>
+            <p:ph type="sldImg"/>
+          </p:nvPr>
+        </p:nvSpPr>
+        <p:spPr/>
+      </p:sp>
+      <p:sp>
+        <p:nvSpPr>
+          <p:cNvPr id="3" name="Notes Placeholder 2"/>
+          <p:cNvSpPr>
+            <a:spLocks noGrp="1"/>
+          </p:cNvSpPr>
+          <p:nvPr>
+            <p:ph type="body" idx="1"/>
+          </p:nvPr>
+        </p:nvSpPr>
+        <p:spPr/>
+        <p:txBody>
+          <a:bodyPr/>
+          <a:lstStyle/>
+          <a:p>
+            <a:r>
+              <a:rPr lang="en-US" dirty="0"/>
+              <a:t>B</a:t>
+            </a:r>
+          </a:p>
+          <a:p>
+            <a:r>
+              <a:rPr lang="en-US" dirty="0"/>
+              <a:t>-   </a:t>
+            </a:r>
+            <a:r>
+              <a:rPr lang="en-US" dirty="0" err="1"/>
+              <a:t>Rollable</a:t>
+            </a:r>
+            <a:r>
+              <a:rPr lang="en-US" dirty="0"/>
+              <a:t> mat</a:t>
+            </a:r>
+          </a:p>
+          <a:p>
+            <a:pPr marL="171450" indent="-171450">
+              <a:buFontTx/>
+              <a:buChar char="-"/>
+            </a:pPr>
+            <a:r>
+              <a:rPr lang="en-US" dirty="0"/>
+              <a:t>Bluetooth</a:t>
+            </a:r>
+          </a:p>
+          <a:p>
+            <a:pPr marL="171450" indent="-171450">
+              <a:buFontTx/>
+              <a:buChar char="-"/>
+            </a:pPr>
+            <a:r>
+              <a:rPr lang="en-US" dirty="0"/>
+              <a:t>Music from device</a:t>
+            </a:r>
+          </a:p>
+          <a:p>
+            <a:pPr marL="171450" indent="-171450">
+              <a:buFontTx/>
+              <a:buChar char="-"/>
+            </a:pPr>
+            <a:r>
+              <a:rPr lang="en-US" dirty="0"/>
+              <a:t>2 platforms</a:t>
+            </a:r>
+          </a:p>
+        </p:txBody>
+      </p:sp>
+      <p:sp>
+        <p:nvSpPr>
+          <p:cNvPr id="4" name="Slide Number Placeholder 3"/>
+          <p:cNvSpPr>
+            <a:spLocks noGrp="1"/>
+          </p:cNvSpPr>
+          <p:nvPr>
+            <p:ph type="sldNum" sz="quarter" idx="5"/>
+          </p:nvPr>
+        </p:nvSpPr>
+        <p:spPr/>
+        <p:txBody>
+          <a:bodyPr/>
+          <a:lstStyle/>
+          <a:p>
+            <a:fld id="{71D29193-83F2-4BB5-9097-BC5D2CEDE8F0}" type="slidenum">
+              <a:rPr lang="LID4096" smtClean="0"/>
+              <a:t>5</a:t>
+            </a:fld>
+            <a:endParaRPr lang="LID4096"/>
+          </a:p>
+        </p:txBody>
+      </p:sp>
+    </p:spTree>
+    <p:extLst>
+      <p:ext uri="{BB962C8B-B14F-4D97-AF65-F5344CB8AC3E}">
+        <p14:creationId xmlns:p14="http://schemas.microsoft.com/office/powerpoint/2010/main" val="907651793"/>
+      </p:ext>
+    </p:extLst>
+  </p:cSld>
+  <p:clrMapOvr>
+    <a:masterClrMapping/>
+  </p:clrMapOvr>
+</p:notes>
+</file>
+
+<file path=ppt/notesSlides/notesSlide6.xml><?xml version="1.0" encoding="utf-8"?>
+<p:notes xmlns:a="http://schemas.openxmlformats.org/drawingml/2006/main" xmlns:r="http://schemas.openxmlformats.org/officeDocument/2006/relationships" xmlns:p="http://schemas.openxmlformats.org/presentationml/2006/main">
+  <p:cSld>
+    <p:spTree>
+      <p:nvGrpSpPr>
+        <p:cNvPr id="1" name=""/>
+        <p:cNvGrpSpPr/>
+        <p:nvPr/>
+      </p:nvGrpSpPr>
+      <p:grpSpPr>
+        <a:xfrm>
+          <a:off x="0" y="0"/>
+          <a:ext cx="0" cy="0"/>
+          <a:chOff x="0" y="0"/>
+          <a:chExt cx="0" cy="0"/>
+        </a:xfrm>
+      </p:grpSpPr>
+      <p:sp>
+        <p:nvSpPr>
+          <p:cNvPr id="2" name="Slide Image Placeholder 1"/>
+          <p:cNvSpPr>
+            <a:spLocks noGrp="1" noRot="1" noChangeAspect="1"/>
+          </p:cNvSpPr>
+          <p:nvPr>
+            <p:ph type="sldImg"/>
+          </p:nvPr>
+        </p:nvSpPr>
+        <p:spPr/>
+      </p:sp>
+      <p:sp>
+        <p:nvSpPr>
+          <p:cNvPr id="3" name="Notes Placeholder 2"/>
+          <p:cNvSpPr>
+            <a:spLocks noGrp="1"/>
+          </p:cNvSpPr>
+          <p:nvPr>
+            <p:ph type="body" idx="1"/>
+          </p:nvPr>
+        </p:nvSpPr>
+        <p:spPr/>
+        <p:txBody>
+          <a:bodyPr/>
+          <a:lstStyle/>
+          <a:p>
+            <a:r>
+              <a:rPr lang="en-US" dirty="0"/>
+              <a:t>B</a:t>
+            </a:r>
+            <a:endParaRPr lang="LID4096" dirty="0"/>
+          </a:p>
+        </p:txBody>
+      </p:sp>
+      <p:sp>
+        <p:nvSpPr>
+          <p:cNvPr id="4" name="Slide Number Placeholder 3"/>
+          <p:cNvSpPr>
+            <a:spLocks noGrp="1"/>
+          </p:cNvSpPr>
+          <p:nvPr>
+            <p:ph type="sldNum" sz="quarter" idx="5"/>
+          </p:nvPr>
+        </p:nvSpPr>
+        <p:spPr/>
+        <p:txBody>
+          <a:bodyPr/>
+          <a:lstStyle/>
+          <a:p>
+            <a:fld id="{71D29193-83F2-4BB5-9097-BC5D2CEDE8F0}" type="slidenum">
+              <a:rPr lang="LID4096" smtClean="0"/>
+              <a:t>6</a:t>
+            </a:fld>
+            <a:endParaRPr lang="LID4096"/>
+          </a:p>
+        </p:txBody>
+      </p:sp>
+    </p:spTree>
+    <p:extLst>
+      <p:ext uri="{BB962C8B-B14F-4D97-AF65-F5344CB8AC3E}">
+        <p14:creationId xmlns:p14="http://schemas.microsoft.com/office/powerpoint/2010/main" val="2728885107"/>
+      </p:ext>
+    </p:extLst>
+  </p:cSld>
+  <p:clrMapOvr>
+    <a:masterClrMapping/>
+  </p:clrMapOvr>
+</p:notes>
+</file>
+
+<file path=ppt/notesSlides/notesSlide7.xml><?xml version="1.0" encoding="utf-8"?>
+<p:notes xmlns:a="http://schemas.openxmlformats.org/drawingml/2006/main" xmlns:r="http://schemas.openxmlformats.org/officeDocument/2006/relationships" xmlns:p="http://schemas.openxmlformats.org/presentationml/2006/main">
+  <p:cSld>
+    <p:spTree>
+      <p:nvGrpSpPr>
+        <p:cNvPr id="1" name=""/>
+        <p:cNvGrpSpPr/>
+        <p:nvPr/>
+      </p:nvGrpSpPr>
+      <p:grpSpPr>
+        <a:xfrm>
+          <a:off x="0" y="0"/>
+          <a:ext cx="0" cy="0"/>
+          <a:chOff x="0" y="0"/>
+          <a:chExt cx="0" cy="0"/>
+        </a:xfrm>
+      </p:grpSpPr>
+      <p:sp>
+        <p:nvSpPr>
+          <p:cNvPr id="2" name="Slide Image Placeholder 1"/>
+          <p:cNvSpPr>
+            <a:spLocks noGrp="1" noRot="1" noChangeAspect="1"/>
+          </p:cNvSpPr>
+          <p:nvPr>
+            <p:ph type="sldImg"/>
+          </p:nvPr>
+        </p:nvSpPr>
+        <p:spPr/>
+      </p:sp>
+      <p:sp>
+        <p:nvSpPr>
+          <p:cNvPr id="3" name="Notes Placeholder 2"/>
+          <p:cNvSpPr>
+            <a:spLocks noGrp="1"/>
+          </p:cNvSpPr>
+          <p:nvPr>
+            <p:ph type="body" idx="1"/>
+          </p:nvPr>
+        </p:nvSpPr>
+        <p:spPr/>
+        <p:txBody>
+          <a:bodyPr/>
+          <a:lstStyle/>
+          <a:p>
+            <a:r>
+              <a:rPr lang="en-US" dirty="0"/>
+              <a:t>A</a:t>
+            </a:r>
+          </a:p>
+          <a:p>
+            <a:r>
+              <a:rPr lang="en-US" dirty="0"/>
+              <a:t>-explain all buttons</a:t>
+            </a:r>
+          </a:p>
+        </p:txBody>
+      </p:sp>
+      <p:sp>
+        <p:nvSpPr>
+          <p:cNvPr id="4" name="Slide Number Placeholder 3"/>
+          <p:cNvSpPr>
+            <a:spLocks noGrp="1"/>
+          </p:cNvSpPr>
+          <p:nvPr>
+            <p:ph type="sldNum" sz="quarter" idx="5"/>
+          </p:nvPr>
+        </p:nvSpPr>
+        <p:spPr/>
+        <p:txBody>
+          <a:bodyPr/>
+          <a:lstStyle/>
+          <a:p>
+            <a:fld id="{71D29193-83F2-4BB5-9097-BC5D2CEDE8F0}" type="slidenum">
+              <a:rPr lang="LID4096" smtClean="0"/>
+              <a:t>7</a:t>
+            </a:fld>
+            <a:endParaRPr lang="LID4096"/>
+          </a:p>
+        </p:txBody>
+      </p:sp>
+    </p:spTree>
+    <p:extLst>
+      <p:ext uri="{BB962C8B-B14F-4D97-AF65-F5344CB8AC3E}">
+        <p14:creationId xmlns:p14="http://schemas.microsoft.com/office/powerpoint/2010/main" val="321180493"/>
+      </p:ext>
+    </p:extLst>
+  </p:cSld>
+  <p:clrMapOvr>
+    <a:masterClrMapping/>
+  </p:clrMapOvr>
+</p:notes>
+</file>
+
+<file path=ppt/notesSlides/notesSlide8.xml><?xml version="1.0" encoding="utf-8"?>
+<p:notes xmlns:a="http://schemas.openxmlformats.org/drawingml/2006/main" xmlns:r="http://schemas.openxmlformats.org/officeDocument/2006/relationships" xmlns:p="http://schemas.openxmlformats.org/presentationml/2006/main">
+  <p:cSld>
+    <p:spTree>
+      <p:nvGrpSpPr>
+        <p:cNvPr id="1" name=""/>
+        <p:cNvGrpSpPr/>
+        <p:nvPr/>
+      </p:nvGrpSpPr>
+      <p:grpSpPr>
+        <a:xfrm>
+          <a:off x="0" y="0"/>
+          <a:ext cx="0" cy="0"/>
+          <a:chOff x="0" y="0"/>
+          <a:chExt cx="0" cy="0"/>
+        </a:xfrm>
+      </p:grpSpPr>
+      <p:sp>
+        <p:nvSpPr>
+          <p:cNvPr id="2" name="Slide Image Placeholder 1"/>
+          <p:cNvSpPr>
+            <a:spLocks noGrp="1" noRot="1" noChangeAspect="1"/>
+          </p:cNvSpPr>
+          <p:nvPr>
+            <p:ph type="sldImg"/>
+          </p:nvPr>
+        </p:nvSpPr>
+        <p:spPr/>
+      </p:sp>
+      <p:sp>
+        <p:nvSpPr>
+          <p:cNvPr id="3" name="Notes Placeholder 2"/>
+          <p:cNvSpPr>
+            <a:spLocks noGrp="1"/>
+          </p:cNvSpPr>
+          <p:nvPr>
+            <p:ph type="body" idx="1"/>
+          </p:nvPr>
+        </p:nvSpPr>
+        <p:spPr/>
+        <p:txBody>
+          <a:bodyPr/>
+          <a:lstStyle/>
+          <a:p>
+            <a:r>
+              <a:rPr lang="en-US" dirty="0"/>
+              <a:t>A</a:t>
+            </a:r>
+          </a:p>
+          <a:p>
+            <a:r>
+              <a:rPr lang="en-US" dirty="0"/>
+              <a:t>Firebase auth (</a:t>
+            </a:r>
+            <a:r>
+              <a:rPr lang="en-US" dirty="0" err="1"/>
+              <a:t>misschien</a:t>
+            </a:r>
+            <a:r>
+              <a:rPr lang="en-US" dirty="0"/>
+              <a:t> via google account)</a:t>
+            </a:r>
+            <a:endParaRPr lang="LID4096" dirty="0"/>
+          </a:p>
+        </p:txBody>
+      </p:sp>
+      <p:sp>
+        <p:nvSpPr>
+          <p:cNvPr id="4" name="Slide Number Placeholder 3"/>
+          <p:cNvSpPr>
+            <a:spLocks noGrp="1"/>
+          </p:cNvSpPr>
+          <p:nvPr>
+            <p:ph type="sldNum" sz="quarter" idx="5"/>
+          </p:nvPr>
+        </p:nvSpPr>
+        <p:spPr/>
+        <p:txBody>
+          <a:bodyPr/>
+          <a:lstStyle/>
+          <a:p>
+            <a:fld id="{71D29193-83F2-4BB5-9097-BC5D2CEDE8F0}" type="slidenum">
+              <a:rPr lang="LID4096" smtClean="0"/>
+              <a:t>8</a:t>
+            </a:fld>
+            <a:endParaRPr lang="LID4096"/>
+          </a:p>
+        </p:txBody>
+      </p:sp>
+    </p:spTree>
+    <p:extLst>
+      <p:ext uri="{BB962C8B-B14F-4D97-AF65-F5344CB8AC3E}">
+        <p14:creationId xmlns:p14="http://schemas.microsoft.com/office/powerpoint/2010/main" val="1593444839"/>
+      </p:ext>
+    </p:extLst>
+  </p:cSld>
+  <p:clrMapOvr>
+    <a:masterClrMapping/>
+  </p:clrMapOvr>
+</p:notes>
+</file>
+
+<file path=ppt/notesSlides/notesSlide9.xml><?xml version="1.0" encoding="utf-8"?>
+<p:notes xmlns:a="http://schemas.openxmlformats.org/drawingml/2006/main" xmlns:r="http://schemas.openxmlformats.org/officeDocument/2006/relationships" xmlns:p="http://schemas.openxmlformats.org/presentationml/2006/main">
+  <p:cSld>
+    <p:spTree>
+      <p:nvGrpSpPr>
+        <p:cNvPr id="1" name=""/>
+        <p:cNvGrpSpPr/>
+        <p:nvPr/>
+      </p:nvGrpSpPr>
+      <p:grpSpPr>
+        <a:xfrm>
+          <a:off x="0" y="0"/>
+          <a:ext cx="0" cy="0"/>
+          <a:chOff x="0" y="0"/>
+          <a:chExt cx="0" cy="0"/>
+        </a:xfrm>
+      </p:grpSpPr>
+      <p:sp>
+        <p:nvSpPr>
+          <p:cNvPr id="2" name="Slide Image Placeholder 1"/>
+          <p:cNvSpPr>
+            <a:spLocks noGrp="1" noRot="1" noChangeAspect="1"/>
+          </p:cNvSpPr>
+          <p:nvPr>
+            <p:ph type="sldImg"/>
+          </p:nvPr>
+        </p:nvSpPr>
+        <p:spPr/>
+      </p:sp>
+      <p:sp>
+        <p:nvSpPr>
+          <p:cNvPr id="3" name="Notes Placeholder 2"/>
+          <p:cNvSpPr>
+            <a:spLocks noGrp="1"/>
+          </p:cNvSpPr>
+          <p:nvPr>
+            <p:ph type="body" idx="1"/>
+          </p:nvPr>
+        </p:nvSpPr>
+        <p:spPr/>
+        <p:txBody>
+          <a:bodyPr/>
+          <a:lstStyle/>
+          <a:p>
+            <a:r>
+              <a:rPr lang="en-US" dirty="0"/>
+              <a:t>A</a:t>
+            </a:r>
+            <a:endParaRPr lang="LID4096" dirty="0"/>
+          </a:p>
+        </p:txBody>
+      </p:sp>
+      <p:sp>
+        <p:nvSpPr>
+          <p:cNvPr id="4" name="Slide Number Placeholder 3"/>
+          <p:cNvSpPr>
+            <a:spLocks noGrp="1"/>
+          </p:cNvSpPr>
+          <p:nvPr>
+            <p:ph type="sldNum" sz="quarter" idx="5"/>
+          </p:nvPr>
+        </p:nvSpPr>
+        <p:spPr/>
+        <p:txBody>
+          <a:bodyPr/>
+          <a:lstStyle/>
+          <a:p>
+            <a:fld id="{71D29193-83F2-4BB5-9097-BC5D2CEDE8F0}" type="slidenum">
+              <a:rPr lang="LID4096" smtClean="0"/>
+              <a:t>9</a:t>
+            </a:fld>
+            <a:endParaRPr lang="LID4096"/>
+          </a:p>
+        </p:txBody>
+      </p:sp>
+    </p:spTree>
+    <p:extLst>
+      <p:ext uri="{BB962C8B-B14F-4D97-AF65-F5344CB8AC3E}">
+        <p14:creationId xmlns:p14="http://schemas.microsoft.com/office/powerpoint/2010/main" val="1369861028"/>
+      </p:ext>
+    </p:extLst>
+  </p:cSld>
+  <p:clrMapOvr>
+    <a:masterClrMapping/>
+  </p:clrMapOvr>
+</p:notes>
 </file>
 
 <file path=ppt/slideLayouts/slideLayout1.xml><?xml version="1.0" encoding="utf-8"?>
@@ -132,13 +2397,7 @@
       </p:grpSpPr>
       <p:sp>
         <p:nvSpPr>
-          <p:cNvPr id="2" name="Title 1">
-            <a:extLst>
-              <a:ext uri="{FF2B5EF4-FFF2-40B4-BE49-F238E27FC236}">
-                <a16:creationId xmlns:a16="http://schemas.microsoft.com/office/drawing/2014/main" id="{2B59968D-727E-4A3E-96E9-2D7814D3F2A8}"/>
-              </a:ext>
-            </a:extLst>
-          </p:cNvPr>
+          <p:cNvPr id="2" name="Title 1"/>
           <p:cNvSpPr>
             <a:spLocks noGrp="1"/>
           </p:cNvSpPr>
@@ -164,19 +2423,13 @@
               <a:rPr lang="en-US"/>
               <a:t>Click to edit Master title style</a:t>
             </a:r>
-            <a:endParaRPr lang="en-FI"/>
-          </a:p>
-        </p:txBody>
-      </p:sp>
-      <p:sp>
-        <p:nvSpPr>
-          <p:cNvPr id="3" name="Subtitle 2">
-            <a:extLst>
-              <a:ext uri="{FF2B5EF4-FFF2-40B4-BE49-F238E27FC236}">
-                <a16:creationId xmlns:a16="http://schemas.microsoft.com/office/drawing/2014/main" id="{F5B86E6B-1560-4171-8718-8F58EAB18B6A}"/>
-              </a:ext>
-            </a:extLst>
-          </p:cNvPr>
+            <a:endParaRPr lang="en-US" dirty="0"/>
+          </a:p>
+        </p:txBody>
+      </p:sp>
+      <p:sp>
+        <p:nvSpPr>
+          <p:cNvPr id="3" name="Subtitle 2"/>
           <p:cNvSpPr>
             <a:spLocks noGrp="1"/>
           </p:cNvSpPr>
@@ -235,19 +2488,13 @@
               <a:rPr lang="en-US"/>
               <a:t>Click to edit Master subtitle style</a:t>
             </a:r>
-            <a:endParaRPr lang="en-FI"/>
-          </a:p>
-        </p:txBody>
-      </p:sp>
-      <p:sp>
-        <p:nvSpPr>
-          <p:cNvPr id="4" name="Date Placeholder 3">
-            <a:extLst>
-              <a:ext uri="{FF2B5EF4-FFF2-40B4-BE49-F238E27FC236}">
-                <a16:creationId xmlns:a16="http://schemas.microsoft.com/office/drawing/2014/main" id="{6DB8B9B6-03E4-4455-85A0-64114144CB43}"/>
-              </a:ext>
-            </a:extLst>
-          </p:cNvPr>
+            <a:endParaRPr lang="en-US" dirty="0"/>
+          </a:p>
+        </p:txBody>
+      </p:sp>
+      <p:sp>
+        <p:nvSpPr>
+          <p:cNvPr id="4" name="Date Placeholder 3"/>
           <p:cNvSpPr>
             <a:spLocks noGrp="1"/>
           </p:cNvSpPr>
@@ -262,7 +2509,7 @@
           <a:p>
             <a:fld id="{6BD3802E-D220-411C-AB05-5A208595C126}" type="datetimeFigureOut">
               <a:rPr lang="en-FI" smtClean="0"/>
-              <a:t>05/02/2020</a:t>
+              <a:t>02/05/2020</a:t>
             </a:fld>
             <a:endParaRPr lang="en-FI"/>
           </a:p>
@@ -270,13 +2517,7 @@
       </p:sp>
       <p:sp>
         <p:nvSpPr>
-          <p:cNvPr id="5" name="Footer Placeholder 4">
-            <a:extLst>
-              <a:ext uri="{FF2B5EF4-FFF2-40B4-BE49-F238E27FC236}">
-                <a16:creationId xmlns:a16="http://schemas.microsoft.com/office/drawing/2014/main" id="{66F7D1F8-BACC-43D0-8AD1-8ED135BD99F1}"/>
-              </a:ext>
-            </a:extLst>
-          </p:cNvPr>
+          <p:cNvPr id="5" name="Footer Placeholder 4"/>
           <p:cNvSpPr>
             <a:spLocks noGrp="1"/>
           </p:cNvSpPr>
@@ -295,13 +2536,7 @@
       </p:sp>
       <p:sp>
         <p:nvSpPr>
-          <p:cNvPr id="6" name="Slide Number Placeholder 5">
-            <a:extLst>
-              <a:ext uri="{FF2B5EF4-FFF2-40B4-BE49-F238E27FC236}">
-                <a16:creationId xmlns:a16="http://schemas.microsoft.com/office/drawing/2014/main" id="{B93FAB36-8BAD-465A-A905-927C0BD646D6}"/>
-              </a:ext>
-            </a:extLst>
-          </p:cNvPr>
+          <p:cNvPr id="6" name="Slide Number Placeholder 5"/>
           <p:cNvSpPr>
             <a:spLocks noGrp="1"/>
           </p:cNvSpPr>
@@ -325,7 +2560,7 @@
     </p:spTree>
     <p:extLst>
       <p:ext uri="{BB962C8B-B14F-4D97-AF65-F5344CB8AC3E}">
-        <p14:creationId xmlns:p14="http://schemas.microsoft.com/office/powerpoint/2010/main" val="2975588765"/>
+        <p14:creationId xmlns:p14="http://schemas.microsoft.com/office/powerpoint/2010/main" val="3500199841"/>
       </p:ext>
     </p:extLst>
   </p:cSld>
@@ -354,13 +2589,7 @@
       </p:grpSpPr>
       <p:sp>
         <p:nvSpPr>
-          <p:cNvPr id="2" name="Title 1">
-            <a:extLst>
-              <a:ext uri="{FF2B5EF4-FFF2-40B4-BE49-F238E27FC236}">
-                <a16:creationId xmlns:a16="http://schemas.microsoft.com/office/drawing/2014/main" id="{485175C0-C761-42E6-969E-400994433ECE}"/>
-              </a:ext>
-            </a:extLst>
-          </p:cNvPr>
+          <p:cNvPr id="2" name="Title 1"/>
           <p:cNvSpPr>
             <a:spLocks noGrp="1"/>
           </p:cNvSpPr>
@@ -377,19 +2606,13 @@
               <a:rPr lang="en-US"/>
               <a:t>Click to edit Master title style</a:t>
             </a:r>
-            <a:endParaRPr lang="en-FI"/>
-          </a:p>
-        </p:txBody>
-      </p:sp>
-      <p:sp>
-        <p:nvSpPr>
-          <p:cNvPr id="3" name="Vertical Text Placeholder 2">
-            <a:extLst>
-              <a:ext uri="{FF2B5EF4-FFF2-40B4-BE49-F238E27FC236}">
-                <a16:creationId xmlns:a16="http://schemas.microsoft.com/office/drawing/2014/main" id="{901D3574-4087-4417-AA22-1792EF5833CA}"/>
-              </a:ext>
-            </a:extLst>
-          </p:cNvPr>
+            <a:endParaRPr lang="en-US" dirty="0"/>
+          </a:p>
+        </p:txBody>
+      </p:sp>
+      <p:sp>
+        <p:nvSpPr>
+          <p:cNvPr id="3" name="Vertical Text Placeholder 2"/>
           <p:cNvSpPr>
             <a:spLocks noGrp="1"/>
           </p:cNvSpPr>
@@ -435,19 +2658,13 @@
               <a:rPr lang="en-US"/>
               <a:t>Fifth level</a:t>
             </a:r>
-            <a:endParaRPr lang="en-FI"/>
-          </a:p>
-        </p:txBody>
-      </p:sp>
-      <p:sp>
-        <p:nvSpPr>
-          <p:cNvPr id="4" name="Date Placeholder 3">
-            <a:extLst>
-              <a:ext uri="{FF2B5EF4-FFF2-40B4-BE49-F238E27FC236}">
-                <a16:creationId xmlns:a16="http://schemas.microsoft.com/office/drawing/2014/main" id="{16A65F35-9B30-47BD-B59A-0CD30FC4B11D}"/>
-              </a:ext>
-            </a:extLst>
-          </p:cNvPr>
+            <a:endParaRPr lang="en-US" dirty="0"/>
+          </a:p>
+        </p:txBody>
+      </p:sp>
+      <p:sp>
+        <p:nvSpPr>
+          <p:cNvPr id="4" name="Date Placeholder 3"/>
           <p:cNvSpPr>
             <a:spLocks noGrp="1"/>
           </p:cNvSpPr>
@@ -462,7 +2679,7 @@
           <a:p>
             <a:fld id="{6BD3802E-D220-411C-AB05-5A208595C126}" type="datetimeFigureOut">
               <a:rPr lang="en-FI" smtClean="0"/>
-              <a:t>05/02/2020</a:t>
+              <a:t>02/05/2020</a:t>
             </a:fld>
             <a:endParaRPr lang="en-FI"/>
           </a:p>
@@ -470,13 +2687,7 @@
       </p:sp>
       <p:sp>
         <p:nvSpPr>
-          <p:cNvPr id="5" name="Footer Placeholder 4">
-            <a:extLst>
-              <a:ext uri="{FF2B5EF4-FFF2-40B4-BE49-F238E27FC236}">
-                <a16:creationId xmlns:a16="http://schemas.microsoft.com/office/drawing/2014/main" id="{49344E6C-7C5B-4810-8CC9-E168934334F6}"/>
-              </a:ext>
-            </a:extLst>
-          </p:cNvPr>
+          <p:cNvPr id="5" name="Footer Placeholder 4"/>
           <p:cNvSpPr>
             <a:spLocks noGrp="1"/>
           </p:cNvSpPr>
@@ -495,13 +2706,7 @@
       </p:sp>
       <p:sp>
         <p:nvSpPr>
-          <p:cNvPr id="6" name="Slide Number Placeholder 5">
-            <a:extLst>
-              <a:ext uri="{FF2B5EF4-FFF2-40B4-BE49-F238E27FC236}">
-                <a16:creationId xmlns:a16="http://schemas.microsoft.com/office/drawing/2014/main" id="{BD337A36-6561-43DF-B0D5-3C649292B543}"/>
-              </a:ext>
-            </a:extLst>
-          </p:cNvPr>
+          <p:cNvPr id="6" name="Slide Number Placeholder 5"/>
           <p:cNvSpPr>
             <a:spLocks noGrp="1"/>
           </p:cNvSpPr>
@@ -525,7 +2730,7 @@
     </p:spTree>
     <p:extLst>
       <p:ext uri="{BB962C8B-B14F-4D97-AF65-F5344CB8AC3E}">
-        <p14:creationId xmlns:p14="http://schemas.microsoft.com/office/powerpoint/2010/main" val="4097211103"/>
+        <p14:creationId xmlns:p14="http://schemas.microsoft.com/office/powerpoint/2010/main" val="3067263517"/>
       </p:ext>
     </p:extLst>
   </p:cSld>
@@ -554,13 +2759,7 @@
       </p:grpSpPr>
       <p:sp>
         <p:nvSpPr>
-          <p:cNvPr id="2" name="Vertical Title 1">
-            <a:extLst>
-              <a:ext uri="{FF2B5EF4-FFF2-40B4-BE49-F238E27FC236}">
-                <a16:creationId xmlns:a16="http://schemas.microsoft.com/office/drawing/2014/main" id="{C69DFEF0-1683-493D-93CE-107C7715BB5A}"/>
-              </a:ext>
-            </a:extLst>
-          </p:cNvPr>
+          <p:cNvPr id="2" name="Vertical Title 1"/>
           <p:cNvSpPr>
             <a:spLocks noGrp="1"/>
           </p:cNvSpPr>
@@ -582,19 +2781,13 @@
               <a:rPr lang="en-US"/>
               <a:t>Click to edit Master title style</a:t>
             </a:r>
-            <a:endParaRPr lang="en-FI"/>
-          </a:p>
-        </p:txBody>
-      </p:sp>
-      <p:sp>
-        <p:nvSpPr>
-          <p:cNvPr id="3" name="Vertical Text Placeholder 2">
-            <a:extLst>
-              <a:ext uri="{FF2B5EF4-FFF2-40B4-BE49-F238E27FC236}">
-                <a16:creationId xmlns:a16="http://schemas.microsoft.com/office/drawing/2014/main" id="{C45CEB03-367F-417F-A6EE-0D92E5ABA2E4}"/>
-              </a:ext>
-            </a:extLst>
-          </p:cNvPr>
+            <a:endParaRPr lang="en-US" dirty="0"/>
+          </a:p>
+        </p:txBody>
+      </p:sp>
+      <p:sp>
+        <p:nvSpPr>
+          <p:cNvPr id="3" name="Vertical Text Placeholder 2"/>
           <p:cNvSpPr>
             <a:spLocks noGrp="1"/>
           </p:cNvSpPr>
@@ -645,19 +2838,13 @@
               <a:rPr lang="en-US"/>
               <a:t>Fifth level</a:t>
             </a:r>
-            <a:endParaRPr lang="en-FI"/>
-          </a:p>
-        </p:txBody>
-      </p:sp>
-      <p:sp>
-        <p:nvSpPr>
-          <p:cNvPr id="4" name="Date Placeholder 3">
-            <a:extLst>
-              <a:ext uri="{FF2B5EF4-FFF2-40B4-BE49-F238E27FC236}">
-                <a16:creationId xmlns:a16="http://schemas.microsoft.com/office/drawing/2014/main" id="{8A123ED9-06B5-4E88-AFF0-3DF3A5A768E0}"/>
-              </a:ext>
-            </a:extLst>
-          </p:cNvPr>
+            <a:endParaRPr lang="en-US" dirty="0"/>
+          </a:p>
+        </p:txBody>
+      </p:sp>
+      <p:sp>
+        <p:nvSpPr>
+          <p:cNvPr id="4" name="Date Placeholder 3"/>
           <p:cNvSpPr>
             <a:spLocks noGrp="1"/>
           </p:cNvSpPr>
@@ -672,7 +2859,7 @@
           <a:p>
             <a:fld id="{6BD3802E-D220-411C-AB05-5A208595C126}" type="datetimeFigureOut">
               <a:rPr lang="en-FI" smtClean="0"/>
-              <a:t>05/02/2020</a:t>
+              <a:t>02/05/2020</a:t>
             </a:fld>
             <a:endParaRPr lang="en-FI"/>
           </a:p>
@@ -680,13 +2867,7 @@
       </p:sp>
       <p:sp>
         <p:nvSpPr>
-          <p:cNvPr id="5" name="Footer Placeholder 4">
-            <a:extLst>
-              <a:ext uri="{FF2B5EF4-FFF2-40B4-BE49-F238E27FC236}">
-                <a16:creationId xmlns:a16="http://schemas.microsoft.com/office/drawing/2014/main" id="{99D91188-7A46-4CBD-BD1D-9380590D972D}"/>
-              </a:ext>
-            </a:extLst>
-          </p:cNvPr>
+          <p:cNvPr id="5" name="Footer Placeholder 4"/>
           <p:cNvSpPr>
             <a:spLocks noGrp="1"/>
           </p:cNvSpPr>
@@ -705,13 +2886,7 @@
       </p:sp>
       <p:sp>
         <p:nvSpPr>
-          <p:cNvPr id="6" name="Slide Number Placeholder 5">
-            <a:extLst>
-              <a:ext uri="{FF2B5EF4-FFF2-40B4-BE49-F238E27FC236}">
-                <a16:creationId xmlns:a16="http://schemas.microsoft.com/office/drawing/2014/main" id="{EFE1FD0E-D3AB-46D0-B299-26183A82C83C}"/>
-              </a:ext>
-            </a:extLst>
-          </p:cNvPr>
+          <p:cNvPr id="6" name="Slide Number Placeholder 5"/>
           <p:cNvSpPr>
             <a:spLocks noGrp="1"/>
           </p:cNvSpPr>
@@ -735,7 +2910,7 @@
     </p:spTree>
     <p:extLst>
       <p:ext uri="{BB962C8B-B14F-4D97-AF65-F5344CB8AC3E}">
-        <p14:creationId xmlns:p14="http://schemas.microsoft.com/office/powerpoint/2010/main" val="3732339988"/>
+        <p14:creationId xmlns:p14="http://schemas.microsoft.com/office/powerpoint/2010/main" val="2866371211"/>
       </p:ext>
     </p:extLst>
   </p:cSld>
@@ -764,13 +2939,7 @@
       </p:grpSpPr>
       <p:sp>
         <p:nvSpPr>
-          <p:cNvPr id="2" name="Title 1">
-            <a:extLst>
-              <a:ext uri="{FF2B5EF4-FFF2-40B4-BE49-F238E27FC236}">
-                <a16:creationId xmlns:a16="http://schemas.microsoft.com/office/drawing/2014/main" id="{374AD5FA-D3ED-4B61-BACC-DB71D45BE8D2}"/>
-              </a:ext>
-            </a:extLst>
-          </p:cNvPr>
+          <p:cNvPr id="2" name="Title 1"/>
           <p:cNvSpPr>
             <a:spLocks noGrp="1"/>
           </p:cNvSpPr>
@@ -787,19 +2956,13 @@
               <a:rPr lang="en-US"/>
               <a:t>Click to edit Master title style</a:t>
             </a:r>
-            <a:endParaRPr lang="en-FI"/>
-          </a:p>
-        </p:txBody>
-      </p:sp>
-      <p:sp>
-        <p:nvSpPr>
-          <p:cNvPr id="3" name="Content Placeholder 2">
-            <a:extLst>
-              <a:ext uri="{FF2B5EF4-FFF2-40B4-BE49-F238E27FC236}">
-                <a16:creationId xmlns:a16="http://schemas.microsoft.com/office/drawing/2014/main" id="{3D7FF732-9E7D-4CED-810F-F1594A2F6958}"/>
-              </a:ext>
-            </a:extLst>
-          </p:cNvPr>
+            <a:endParaRPr lang="en-US" dirty="0"/>
+          </a:p>
+        </p:txBody>
+      </p:sp>
+      <p:sp>
+        <p:nvSpPr>
+          <p:cNvPr id="3" name="Content Placeholder 2"/>
           <p:cNvSpPr>
             <a:spLocks noGrp="1"/>
           </p:cNvSpPr>
@@ -845,19 +3008,13 @@
               <a:rPr lang="en-US"/>
               <a:t>Fifth level</a:t>
             </a:r>
-            <a:endParaRPr lang="en-FI"/>
-          </a:p>
-        </p:txBody>
-      </p:sp>
-      <p:sp>
-        <p:nvSpPr>
-          <p:cNvPr id="4" name="Date Placeholder 3">
-            <a:extLst>
-              <a:ext uri="{FF2B5EF4-FFF2-40B4-BE49-F238E27FC236}">
-                <a16:creationId xmlns:a16="http://schemas.microsoft.com/office/drawing/2014/main" id="{AA9E7F5E-0830-4C2D-BE10-2B5F8F108F1A}"/>
-              </a:ext>
-            </a:extLst>
-          </p:cNvPr>
+            <a:endParaRPr lang="en-US" dirty="0"/>
+          </a:p>
+        </p:txBody>
+      </p:sp>
+      <p:sp>
+        <p:nvSpPr>
+          <p:cNvPr id="4" name="Date Placeholder 3"/>
           <p:cNvSpPr>
             <a:spLocks noGrp="1"/>
           </p:cNvSpPr>
@@ -872,7 +3029,7 @@
           <a:p>
             <a:fld id="{6BD3802E-D220-411C-AB05-5A208595C126}" type="datetimeFigureOut">
               <a:rPr lang="en-FI" smtClean="0"/>
-              <a:t>05/02/2020</a:t>
+              <a:t>02/05/2020</a:t>
             </a:fld>
             <a:endParaRPr lang="en-FI"/>
           </a:p>
@@ -880,13 +3037,7 @@
       </p:sp>
       <p:sp>
         <p:nvSpPr>
-          <p:cNvPr id="5" name="Footer Placeholder 4">
-            <a:extLst>
-              <a:ext uri="{FF2B5EF4-FFF2-40B4-BE49-F238E27FC236}">
-                <a16:creationId xmlns:a16="http://schemas.microsoft.com/office/drawing/2014/main" id="{3A84A8B9-72CB-43F8-94B5-C57E310C6945}"/>
-              </a:ext>
-            </a:extLst>
-          </p:cNvPr>
+          <p:cNvPr id="5" name="Footer Placeholder 4"/>
           <p:cNvSpPr>
             <a:spLocks noGrp="1"/>
           </p:cNvSpPr>
@@ -905,13 +3056,7 @@
       </p:sp>
       <p:sp>
         <p:nvSpPr>
-          <p:cNvPr id="6" name="Slide Number Placeholder 5">
-            <a:extLst>
-              <a:ext uri="{FF2B5EF4-FFF2-40B4-BE49-F238E27FC236}">
-                <a16:creationId xmlns:a16="http://schemas.microsoft.com/office/drawing/2014/main" id="{232D3718-6F23-44EB-A0B5-278D0841A647}"/>
-              </a:ext>
-            </a:extLst>
-          </p:cNvPr>
+          <p:cNvPr id="6" name="Slide Number Placeholder 5"/>
           <p:cNvSpPr>
             <a:spLocks noGrp="1"/>
           </p:cNvSpPr>
@@ -935,7 +3080,7 @@
     </p:spTree>
     <p:extLst>
       <p:ext uri="{BB962C8B-B14F-4D97-AF65-F5344CB8AC3E}">
-        <p14:creationId xmlns:p14="http://schemas.microsoft.com/office/powerpoint/2010/main" val="2480191762"/>
+        <p14:creationId xmlns:p14="http://schemas.microsoft.com/office/powerpoint/2010/main" val="1671386916"/>
       </p:ext>
     </p:extLst>
   </p:cSld>
@@ -964,13 +3109,7 @@
       </p:grpSpPr>
       <p:sp>
         <p:nvSpPr>
-          <p:cNvPr id="2" name="Title 1">
-            <a:extLst>
-              <a:ext uri="{FF2B5EF4-FFF2-40B4-BE49-F238E27FC236}">
-                <a16:creationId xmlns:a16="http://schemas.microsoft.com/office/drawing/2014/main" id="{CF6F3D37-EC61-4885-ABE3-38DF705D187E}"/>
-              </a:ext>
-            </a:extLst>
-          </p:cNvPr>
+          <p:cNvPr id="2" name="Title 1"/>
           <p:cNvSpPr>
             <a:spLocks noGrp="1"/>
           </p:cNvSpPr>
@@ -996,19 +3135,13 @@
               <a:rPr lang="en-US"/>
               <a:t>Click to edit Master title style</a:t>
             </a:r>
-            <a:endParaRPr lang="en-FI"/>
-          </a:p>
-        </p:txBody>
-      </p:sp>
-      <p:sp>
-        <p:nvSpPr>
-          <p:cNvPr id="3" name="Text Placeholder 2">
-            <a:extLst>
-              <a:ext uri="{FF2B5EF4-FFF2-40B4-BE49-F238E27FC236}">
-                <a16:creationId xmlns:a16="http://schemas.microsoft.com/office/drawing/2014/main" id="{7E7AFFD7-F768-4AB7-B8E0-7B0899CB452C}"/>
-              </a:ext>
-            </a:extLst>
-          </p:cNvPr>
+            <a:endParaRPr lang="en-US" dirty="0"/>
+          </a:p>
+        </p:txBody>
+      </p:sp>
+      <p:sp>
+        <p:nvSpPr>
+          <p:cNvPr id="3" name="Text Placeholder 2"/>
           <p:cNvSpPr>
             <a:spLocks noGrp="1"/>
           </p:cNvSpPr>
@@ -1127,13 +3260,7 @@
       </p:sp>
       <p:sp>
         <p:nvSpPr>
-          <p:cNvPr id="4" name="Date Placeholder 3">
-            <a:extLst>
-              <a:ext uri="{FF2B5EF4-FFF2-40B4-BE49-F238E27FC236}">
-                <a16:creationId xmlns:a16="http://schemas.microsoft.com/office/drawing/2014/main" id="{F48C1E20-25E8-4116-B1EC-6655E71D36C8}"/>
-              </a:ext>
-            </a:extLst>
-          </p:cNvPr>
+          <p:cNvPr id="4" name="Date Placeholder 3"/>
           <p:cNvSpPr>
             <a:spLocks noGrp="1"/>
           </p:cNvSpPr>
@@ -1148,7 +3275,7 @@
           <a:p>
             <a:fld id="{6BD3802E-D220-411C-AB05-5A208595C126}" type="datetimeFigureOut">
               <a:rPr lang="en-FI" smtClean="0"/>
-              <a:t>05/02/2020</a:t>
+              <a:t>02/05/2020</a:t>
             </a:fld>
             <a:endParaRPr lang="en-FI"/>
           </a:p>
@@ -1156,13 +3283,7 @@
       </p:sp>
       <p:sp>
         <p:nvSpPr>
-          <p:cNvPr id="5" name="Footer Placeholder 4">
-            <a:extLst>
-              <a:ext uri="{FF2B5EF4-FFF2-40B4-BE49-F238E27FC236}">
-                <a16:creationId xmlns:a16="http://schemas.microsoft.com/office/drawing/2014/main" id="{D79308E2-A11F-4E70-8EA1-C62D4B77E912}"/>
-              </a:ext>
-            </a:extLst>
-          </p:cNvPr>
+          <p:cNvPr id="5" name="Footer Placeholder 4"/>
           <p:cNvSpPr>
             <a:spLocks noGrp="1"/>
           </p:cNvSpPr>
@@ -1181,13 +3302,7 @@
       </p:sp>
       <p:sp>
         <p:nvSpPr>
-          <p:cNvPr id="6" name="Slide Number Placeholder 5">
-            <a:extLst>
-              <a:ext uri="{FF2B5EF4-FFF2-40B4-BE49-F238E27FC236}">
-                <a16:creationId xmlns:a16="http://schemas.microsoft.com/office/drawing/2014/main" id="{78DCA9D4-0481-4612-98FC-4955057B1D50}"/>
-              </a:ext>
-            </a:extLst>
-          </p:cNvPr>
+          <p:cNvPr id="6" name="Slide Number Placeholder 5"/>
           <p:cNvSpPr>
             <a:spLocks noGrp="1"/>
           </p:cNvSpPr>
@@ -1211,7 +3326,7 @@
     </p:spTree>
     <p:extLst>
       <p:ext uri="{BB962C8B-B14F-4D97-AF65-F5344CB8AC3E}">
-        <p14:creationId xmlns:p14="http://schemas.microsoft.com/office/powerpoint/2010/main" val="500608191"/>
+        <p14:creationId xmlns:p14="http://schemas.microsoft.com/office/powerpoint/2010/main" val="3216203187"/>
       </p:ext>
     </p:extLst>
   </p:cSld>
@@ -1240,13 +3355,7 @@
       </p:grpSpPr>
       <p:sp>
         <p:nvSpPr>
-          <p:cNvPr id="2" name="Title 1">
-            <a:extLst>
-              <a:ext uri="{FF2B5EF4-FFF2-40B4-BE49-F238E27FC236}">
-                <a16:creationId xmlns:a16="http://schemas.microsoft.com/office/drawing/2014/main" id="{5F28C8E1-8950-4BA5-80C9-784469884609}"/>
-              </a:ext>
-            </a:extLst>
-          </p:cNvPr>
+          <p:cNvPr id="2" name="Title 1"/>
           <p:cNvSpPr>
             <a:spLocks noGrp="1"/>
           </p:cNvSpPr>
@@ -1263,19 +3372,13 @@
               <a:rPr lang="en-US"/>
               <a:t>Click to edit Master title style</a:t>
             </a:r>
-            <a:endParaRPr lang="en-FI"/>
-          </a:p>
-        </p:txBody>
-      </p:sp>
-      <p:sp>
-        <p:nvSpPr>
-          <p:cNvPr id="3" name="Content Placeholder 2">
-            <a:extLst>
-              <a:ext uri="{FF2B5EF4-FFF2-40B4-BE49-F238E27FC236}">
-                <a16:creationId xmlns:a16="http://schemas.microsoft.com/office/drawing/2014/main" id="{D1DA72AE-1B80-46FA-BA7D-D3F460BFCB73}"/>
-              </a:ext>
-            </a:extLst>
-          </p:cNvPr>
+            <a:endParaRPr lang="en-US" dirty="0"/>
+          </a:p>
+        </p:txBody>
+      </p:sp>
+      <p:sp>
+        <p:nvSpPr>
+          <p:cNvPr id="3" name="Content Placeholder 2"/>
           <p:cNvSpPr>
             <a:spLocks noGrp="1"/>
           </p:cNvSpPr>
@@ -1326,19 +3429,13 @@
               <a:rPr lang="en-US"/>
               <a:t>Fifth level</a:t>
             </a:r>
-            <a:endParaRPr lang="en-FI"/>
-          </a:p>
-        </p:txBody>
-      </p:sp>
-      <p:sp>
-        <p:nvSpPr>
-          <p:cNvPr id="4" name="Content Placeholder 3">
-            <a:extLst>
-              <a:ext uri="{FF2B5EF4-FFF2-40B4-BE49-F238E27FC236}">
-                <a16:creationId xmlns:a16="http://schemas.microsoft.com/office/drawing/2014/main" id="{FF217987-999B-4F37-9230-69C078147BDF}"/>
-              </a:ext>
-            </a:extLst>
-          </p:cNvPr>
+            <a:endParaRPr lang="en-US" dirty="0"/>
+          </a:p>
+        </p:txBody>
+      </p:sp>
+      <p:sp>
+        <p:nvSpPr>
+          <p:cNvPr id="4" name="Content Placeholder 3"/>
           <p:cNvSpPr>
             <a:spLocks noGrp="1"/>
           </p:cNvSpPr>
@@ -1389,19 +3486,13 @@
               <a:rPr lang="en-US"/>
               <a:t>Fifth level</a:t>
             </a:r>
-            <a:endParaRPr lang="en-FI"/>
-          </a:p>
-        </p:txBody>
-      </p:sp>
-      <p:sp>
-        <p:nvSpPr>
-          <p:cNvPr id="5" name="Date Placeholder 4">
-            <a:extLst>
-              <a:ext uri="{FF2B5EF4-FFF2-40B4-BE49-F238E27FC236}">
-                <a16:creationId xmlns:a16="http://schemas.microsoft.com/office/drawing/2014/main" id="{70C74123-369B-41B6-9E62-E9F690872B0A}"/>
-              </a:ext>
-            </a:extLst>
-          </p:cNvPr>
+            <a:endParaRPr lang="en-US" dirty="0"/>
+          </a:p>
+        </p:txBody>
+      </p:sp>
+      <p:sp>
+        <p:nvSpPr>
+          <p:cNvPr id="5" name="Date Placeholder 4"/>
           <p:cNvSpPr>
             <a:spLocks noGrp="1"/>
           </p:cNvSpPr>
@@ -1416,7 +3507,7 @@
           <a:p>
             <a:fld id="{6BD3802E-D220-411C-AB05-5A208595C126}" type="datetimeFigureOut">
               <a:rPr lang="en-FI" smtClean="0"/>
-              <a:t>05/02/2020</a:t>
+              <a:t>02/05/2020</a:t>
             </a:fld>
             <a:endParaRPr lang="en-FI"/>
           </a:p>
@@ -1424,13 +3515,7 @@
       </p:sp>
       <p:sp>
         <p:nvSpPr>
-          <p:cNvPr id="6" name="Footer Placeholder 5">
-            <a:extLst>
-              <a:ext uri="{FF2B5EF4-FFF2-40B4-BE49-F238E27FC236}">
-                <a16:creationId xmlns:a16="http://schemas.microsoft.com/office/drawing/2014/main" id="{C61DE8FA-6489-40C4-B043-07934CCAD223}"/>
-              </a:ext>
-            </a:extLst>
-          </p:cNvPr>
+          <p:cNvPr id="6" name="Footer Placeholder 5"/>
           <p:cNvSpPr>
             <a:spLocks noGrp="1"/>
           </p:cNvSpPr>
@@ -1449,13 +3534,7 @@
       </p:sp>
       <p:sp>
         <p:nvSpPr>
-          <p:cNvPr id="7" name="Slide Number Placeholder 6">
-            <a:extLst>
-              <a:ext uri="{FF2B5EF4-FFF2-40B4-BE49-F238E27FC236}">
-                <a16:creationId xmlns:a16="http://schemas.microsoft.com/office/drawing/2014/main" id="{7D8422A7-1C9D-4E10-AB1A-5FF6022D0801}"/>
-              </a:ext>
-            </a:extLst>
-          </p:cNvPr>
+          <p:cNvPr id="7" name="Slide Number Placeholder 6"/>
           <p:cNvSpPr>
             <a:spLocks noGrp="1"/>
           </p:cNvSpPr>
@@ -1479,7 +3558,7 @@
     </p:spTree>
     <p:extLst>
       <p:ext uri="{BB962C8B-B14F-4D97-AF65-F5344CB8AC3E}">
-        <p14:creationId xmlns:p14="http://schemas.microsoft.com/office/powerpoint/2010/main" val="360480629"/>
+        <p14:creationId xmlns:p14="http://schemas.microsoft.com/office/powerpoint/2010/main" val="298361282"/>
       </p:ext>
     </p:extLst>
   </p:cSld>
@@ -1508,13 +3587,7 @@
       </p:grpSpPr>
       <p:sp>
         <p:nvSpPr>
-          <p:cNvPr id="2" name="Title 1">
-            <a:extLst>
-              <a:ext uri="{FF2B5EF4-FFF2-40B4-BE49-F238E27FC236}">
-                <a16:creationId xmlns:a16="http://schemas.microsoft.com/office/drawing/2014/main" id="{5035D931-4320-4E36-A3B4-AD429C11C913}"/>
-              </a:ext>
-            </a:extLst>
-          </p:cNvPr>
+          <p:cNvPr id="2" name="Title 1"/>
           <p:cNvSpPr>
             <a:spLocks noGrp="1"/>
           </p:cNvSpPr>
@@ -1536,19 +3609,13 @@
               <a:rPr lang="en-US"/>
               <a:t>Click to edit Master title style</a:t>
             </a:r>
-            <a:endParaRPr lang="en-FI"/>
-          </a:p>
-        </p:txBody>
-      </p:sp>
-      <p:sp>
-        <p:nvSpPr>
-          <p:cNvPr id="3" name="Text Placeholder 2">
-            <a:extLst>
-              <a:ext uri="{FF2B5EF4-FFF2-40B4-BE49-F238E27FC236}">
-                <a16:creationId xmlns:a16="http://schemas.microsoft.com/office/drawing/2014/main" id="{37A92920-981F-4470-B797-5CA29B463D8D}"/>
-              </a:ext>
-            </a:extLst>
-          </p:cNvPr>
+            <a:endParaRPr lang="en-US" dirty="0"/>
+          </a:p>
+        </p:txBody>
+      </p:sp>
+      <p:sp>
+        <p:nvSpPr>
+          <p:cNvPr id="3" name="Text Placeholder 2"/>
           <p:cNvSpPr>
             <a:spLocks noGrp="1"/>
           </p:cNvSpPr>
@@ -1613,13 +3680,7 @@
       </p:sp>
       <p:sp>
         <p:nvSpPr>
-          <p:cNvPr id="4" name="Content Placeholder 3">
-            <a:extLst>
-              <a:ext uri="{FF2B5EF4-FFF2-40B4-BE49-F238E27FC236}">
-                <a16:creationId xmlns:a16="http://schemas.microsoft.com/office/drawing/2014/main" id="{C7BA7A18-F6D4-4F04-B64B-FE52547422B6}"/>
-              </a:ext>
-            </a:extLst>
-          </p:cNvPr>
+          <p:cNvPr id="4" name="Content Placeholder 3"/>
           <p:cNvSpPr>
             <a:spLocks noGrp="1"/>
           </p:cNvSpPr>
@@ -1670,19 +3731,13 @@
               <a:rPr lang="en-US"/>
               <a:t>Fifth level</a:t>
             </a:r>
-            <a:endParaRPr lang="en-FI"/>
-          </a:p>
-        </p:txBody>
-      </p:sp>
-      <p:sp>
-        <p:nvSpPr>
-          <p:cNvPr id="5" name="Text Placeholder 4">
-            <a:extLst>
-              <a:ext uri="{FF2B5EF4-FFF2-40B4-BE49-F238E27FC236}">
-                <a16:creationId xmlns:a16="http://schemas.microsoft.com/office/drawing/2014/main" id="{16B7136C-3EC9-4AE8-930D-DF0E93EE99F8}"/>
-              </a:ext>
-            </a:extLst>
-          </p:cNvPr>
+            <a:endParaRPr lang="en-US" dirty="0"/>
+          </a:p>
+        </p:txBody>
+      </p:sp>
+      <p:sp>
+        <p:nvSpPr>
+          <p:cNvPr id="5" name="Text Placeholder 4"/>
           <p:cNvSpPr>
             <a:spLocks noGrp="1"/>
           </p:cNvSpPr>
@@ -1747,13 +3802,7 @@
       </p:sp>
       <p:sp>
         <p:nvSpPr>
-          <p:cNvPr id="6" name="Content Placeholder 5">
-            <a:extLst>
-              <a:ext uri="{FF2B5EF4-FFF2-40B4-BE49-F238E27FC236}">
-                <a16:creationId xmlns:a16="http://schemas.microsoft.com/office/drawing/2014/main" id="{FFFE0C20-2E9B-4D30-9D97-58BC82185AF0}"/>
-              </a:ext>
-            </a:extLst>
-          </p:cNvPr>
+          <p:cNvPr id="6" name="Content Placeholder 5"/>
           <p:cNvSpPr>
             <a:spLocks noGrp="1"/>
           </p:cNvSpPr>
@@ -1804,19 +3853,13 @@
               <a:rPr lang="en-US"/>
               <a:t>Fifth level</a:t>
             </a:r>
-            <a:endParaRPr lang="en-FI"/>
-          </a:p>
-        </p:txBody>
-      </p:sp>
-      <p:sp>
-        <p:nvSpPr>
-          <p:cNvPr id="7" name="Date Placeholder 6">
-            <a:extLst>
-              <a:ext uri="{FF2B5EF4-FFF2-40B4-BE49-F238E27FC236}">
-                <a16:creationId xmlns:a16="http://schemas.microsoft.com/office/drawing/2014/main" id="{C04B6463-205B-4E2A-A577-B448D8623EDF}"/>
-              </a:ext>
-            </a:extLst>
-          </p:cNvPr>
+            <a:endParaRPr lang="en-US" dirty="0"/>
+          </a:p>
+        </p:txBody>
+      </p:sp>
+      <p:sp>
+        <p:nvSpPr>
+          <p:cNvPr id="7" name="Date Placeholder 6"/>
           <p:cNvSpPr>
             <a:spLocks noGrp="1"/>
           </p:cNvSpPr>
@@ -1831,7 +3874,7 @@
           <a:p>
             <a:fld id="{6BD3802E-D220-411C-AB05-5A208595C126}" type="datetimeFigureOut">
               <a:rPr lang="en-FI" smtClean="0"/>
-              <a:t>05/02/2020</a:t>
+              <a:t>02/05/2020</a:t>
             </a:fld>
             <a:endParaRPr lang="en-FI"/>
           </a:p>
@@ -1839,13 +3882,7 @@
       </p:sp>
       <p:sp>
         <p:nvSpPr>
-          <p:cNvPr id="8" name="Footer Placeholder 7">
-            <a:extLst>
-              <a:ext uri="{FF2B5EF4-FFF2-40B4-BE49-F238E27FC236}">
-                <a16:creationId xmlns:a16="http://schemas.microsoft.com/office/drawing/2014/main" id="{9FD34D7C-C4D5-46DA-9BD0-8A25E5A189C3}"/>
-              </a:ext>
-            </a:extLst>
-          </p:cNvPr>
+          <p:cNvPr id="8" name="Footer Placeholder 7"/>
           <p:cNvSpPr>
             <a:spLocks noGrp="1"/>
           </p:cNvSpPr>
@@ -1864,13 +3901,7 @@
       </p:sp>
       <p:sp>
         <p:nvSpPr>
-          <p:cNvPr id="9" name="Slide Number Placeholder 8">
-            <a:extLst>
-              <a:ext uri="{FF2B5EF4-FFF2-40B4-BE49-F238E27FC236}">
-                <a16:creationId xmlns:a16="http://schemas.microsoft.com/office/drawing/2014/main" id="{D3A8E519-7F08-4F24-BBCA-5F94805B26A9}"/>
-              </a:ext>
-            </a:extLst>
-          </p:cNvPr>
+          <p:cNvPr id="9" name="Slide Number Placeholder 8"/>
           <p:cNvSpPr>
             <a:spLocks noGrp="1"/>
           </p:cNvSpPr>
@@ -1894,7 +3925,7 @@
     </p:spTree>
     <p:extLst>
       <p:ext uri="{BB962C8B-B14F-4D97-AF65-F5344CB8AC3E}">
-        <p14:creationId xmlns:p14="http://schemas.microsoft.com/office/powerpoint/2010/main" val="4151423357"/>
+        <p14:creationId xmlns:p14="http://schemas.microsoft.com/office/powerpoint/2010/main" val="548619902"/>
       </p:ext>
     </p:extLst>
   </p:cSld>
@@ -1923,13 +3954,7 @@
       </p:grpSpPr>
       <p:sp>
         <p:nvSpPr>
-          <p:cNvPr id="2" name="Title 1">
-            <a:extLst>
-              <a:ext uri="{FF2B5EF4-FFF2-40B4-BE49-F238E27FC236}">
-                <a16:creationId xmlns:a16="http://schemas.microsoft.com/office/drawing/2014/main" id="{766EEE7A-C695-4182-B363-AC652334DB11}"/>
-              </a:ext>
-            </a:extLst>
-          </p:cNvPr>
+          <p:cNvPr id="2" name="Title 1"/>
           <p:cNvSpPr>
             <a:spLocks noGrp="1"/>
           </p:cNvSpPr>
@@ -1946,19 +3971,13 @@
               <a:rPr lang="en-US"/>
               <a:t>Click to edit Master title style</a:t>
             </a:r>
-            <a:endParaRPr lang="en-FI"/>
-          </a:p>
-        </p:txBody>
-      </p:sp>
-      <p:sp>
-        <p:nvSpPr>
-          <p:cNvPr id="3" name="Date Placeholder 2">
-            <a:extLst>
-              <a:ext uri="{FF2B5EF4-FFF2-40B4-BE49-F238E27FC236}">
-                <a16:creationId xmlns:a16="http://schemas.microsoft.com/office/drawing/2014/main" id="{B35642A2-A219-44EE-958E-DEAEBAA028B0}"/>
-              </a:ext>
-            </a:extLst>
-          </p:cNvPr>
+            <a:endParaRPr lang="en-US" dirty="0"/>
+          </a:p>
+        </p:txBody>
+      </p:sp>
+      <p:sp>
+        <p:nvSpPr>
+          <p:cNvPr id="3" name="Date Placeholder 2"/>
           <p:cNvSpPr>
             <a:spLocks noGrp="1"/>
           </p:cNvSpPr>
@@ -1973,7 +3992,7 @@
           <a:p>
             <a:fld id="{6BD3802E-D220-411C-AB05-5A208595C126}" type="datetimeFigureOut">
               <a:rPr lang="en-FI" smtClean="0"/>
-              <a:t>05/02/2020</a:t>
+              <a:t>02/05/2020</a:t>
             </a:fld>
             <a:endParaRPr lang="en-FI"/>
           </a:p>
@@ -1981,13 +4000,7 @@
       </p:sp>
       <p:sp>
         <p:nvSpPr>
-          <p:cNvPr id="4" name="Footer Placeholder 3">
-            <a:extLst>
-              <a:ext uri="{FF2B5EF4-FFF2-40B4-BE49-F238E27FC236}">
-                <a16:creationId xmlns:a16="http://schemas.microsoft.com/office/drawing/2014/main" id="{E9DFF165-18A3-43B1-8FD1-2987AF564527}"/>
-              </a:ext>
-            </a:extLst>
-          </p:cNvPr>
+          <p:cNvPr id="4" name="Footer Placeholder 3"/>
           <p:cNvSpPr>
             <a:spLocks noGrp="1"/>
           </p:cNvSpPr>
@@ -2006,13 +4019,7 @@
       </p:sp>
       <p:sp>
         <p:nvSpPr>
-          <p:cNvPr id="5" name="Slide Number Placeholder 4">
-            <a:extLst>
-              <a:ext uri="{FF2B5EF4-FFF2-40B4-BE49-F238E27FC236}">
-                <a16:creationId xmlns:a16="http://schemas.microsoft.com/office/drawing/2014/main" id="{75A85898-9FB8-41A6-ACAB-524E3B7E0A67}"/>
-              </a:ext>
-            </a:extLst>
-          </p:cNvPr>
+          <p:cNvPr id="5" name="Slide Number Placeholder 4"/>
           <p:cNvSpPr>
             <a:spLocks noGrp="1"/>
           </p:cNvSpPr>
@@ -2036,7 +4043,7 @@
     </p:spTree>
     <p:extLst>
       <p:ext uri="{BB962C8B-B14F-4D97-AF65-F5344CB8AC3E}">
-        <p14:creationId xmlns:p14="http://schemas.microsoft.com/office/powerpoint/2010/main" val="2390824344"/>
+        <p14:creationId xmlns:p14="http://schemas.microsoft.com/office/powerpoint/2010/main" val="718970998"/>
       </p:ext>
     </p:extLst>
   </p:cSld>
@@ -2065,13 +4072,7 @@
       </p:grpSpPr>
       <p:sp>
         <p:nvSpPr>
-          <p:cNvPr id="2" name="Date Placeholder 1">
-            <a:extLst>
-              <a:ext uri="{FF2B5EF4-FFF2-40B4-BE49-F238E27FC236}">
-                <a16:creationId xmlns:a16="http://schemas.microsoft.com/office/drawing/2014/main" id="{86B29571-D29C-4F64-A287-A5A242B5C759}"/>
-              </a:ext>
-            </a:extLst>
-          </p:cNvPr>
+          <p:cNvPr id="2" name="Date Placeholder 1"/>
           <p:cNvSpPr>
             <a:spLocks noGrp="1"/>
           </p:cNvSpPr>
@@ -2086,7 +4087,7 @@
           <a:p>
             <a:fld id="{6BD3802E-D220-411C-AB05-5A208595C126}" type="datetimeFigureOut">
               <a:rPr lang="en-FI" smtClean="0"/>
-              <a:t>05/02/2020</a:t>
+              <a:t>02/05/2020</a:t>
             </a:fld>
             <a:endParaRPr lang="en-FI"/>
           </a:p>
@@ -2094,13 +4095,7 @@
       </p:sp>
       <p:sp>
         <p:nvSpPr>
-          <p:cNvPr id="3" name="Footer Placeholder 2">
-            <a:extLst>
-              <a:ext uri="{FF2B5EF4-FFF2-40B4-BE49-F238E27FC236}">
-                <a16:creationId xmlns:a16="http://schemas.microsoft.com/office/drawing/2014/main" id="{DE3D6512-5CAB-4236-9C70-5CBA786A5628}"/>
-              </a:ext>
-            </a:extLst>
-          </p:cNvPr>
+          <p:cNvPr id="3" name="Footer Placeholder 2"/>
           <p:cNvSpPr>
             <a:spLocks noGrp="1"/>
           </p:cNvSpPr>
@@ -2119,13 +4114,7 @@
       </p:sp>
       <p:sp>
         <p:nvSpPr>
-          <p:cNvPr id="4" name="Slide Number Placeholder 3">
-            <a:extLst>
-              <a:ext uri="{FF2B5EF4-FFF2-40B4-BE49-F238E27FC236}">
-                <a16:creationId xmlns:a16="http://schemas.microsoft.com/office/drawing/2014/main" id="{C9A86B1A-A7EB-4A26-B0BC-3D5886E3D777}"/>
-              </a:ext>
-            </a:extLst>
-          </p:cNvPr>
+          <p:cNvPr id="4" name="Slide Number Placeholder 3"/>
           <p:cNvSpPr>
             <a:spLocks noGrp="1"/>
           </p:cNvSpPr>
@@ -2149,7 +4138,7 @@
     </p:spTree>
     <p:extLst>
       <p:ext uri="{BB962C8B-B14F-4D97-AF65-F5344CB8AC3E}">
-        <p14:creationId xmlns:p14="http://schemas.microsoft.com/office/powerpoint/2010/main" val="3670847002"/>
+        <p14:creationId xmlns:p14="http://schemas.microsoft.com/office/powerpoint/2010/main" val="241421092"/>
       </p:ext>
     </p:extLst>
   </p:cSld>
@@ -2178,13 +4167,7 @@
       </p:grpSpPr>
       <p:sp>
         <p:nvSpPr>
-          <p:cNvPr id="2" name="Title 1">
-            <a:extLst>
-              <a:ext uri="{FF2B5EF4-FFF2-40B4-BE49-F238E27FC236}">
-                <a16:creationId xmlns:a16="http://schemas.microsoft.com/office/drawing/2014/main" id="{1AEB7980-DB4C-4F14-A33A-E876E436BF34}"/>
-              </a:ext>
-            </a:extLst>
-          </p:cNvPr>
+          <p:cNvPr id="2" name="Title 1"/>
           <p:cNvSpPr>
             <a:spLocks noGrp="1"/>
           </p:cNvSpPr>
@@ -2210,19 +4193,13 @@
               <a:rPr lang="en-US"/>
               <a:t>Click to edit Master title style</a:t>
             </a:r>
-            <a:endParaRPr lang="en-FI"/>
-          </a:p>
-        </p:txBody>
-      </p:sp>
-      <p:sp>
-        <p:nvSpPr>
-          <p:cNvPr id="3" name="Content Placeholder 2">
-            <a:extLst>
-              <a:ext uri="{FF2B5EF4-FFF2-40B4-BE49-F238E27FC236}">
-                <a16:creationId xmlns:a16="http://schemas.microsoft.com/office/drawing/2014/main" id="{B47FEB24-0458-48D1-ACD0-6256F3DDBDD9}"/>
-              </a:ext>
-            </a:extLst>
-          </p:cNvPr>
+            <a:endParaRPr lang="en-US" dirty="0"/>
+          </a:p>
+        </p:txBody>
+      </p:sp>
+      <p:sp>
+        <p:nvSpPr>
+          <p:cNvPr id="3" name="Content Placeholder 2"/>
           <p:cNvSpPr>
             <a:spLocks noGrp="1"/>
           </p:cNvSpPr>
@@ -2301,19 +4278,13 @@
               <a:rPr lang="en-US"/>
               <a:t>Fifth level</a:t>
             </a:r>
-            <a:endParaRPr lang="en-FI"/>
-          </a:p>
-        </p:txBody>
-      </p:sp>
-      <p:sp>
-        <p:nvSpPr>
-          <p:cNvPr id="4" name="Text Placeholder 3">
-            <a:extLst>
-              <a:ext uri="{FF2B5EF4-FFF2-40B4-BE49-F238E27FC236}">
-                <a16:creationId xmlns:a16="http://schemas.microsoft.com/office/drawing/2014/main" id="{AB6190FA-8012-48E9-A817-BDE6C3571DE9}"/>
-              </a:ext>
-            </a:extLst>
-          </p:cNvPr>
+            <a:endParaRPr lang="en-US" dirty="0"/>
+          </a:p>
+        </p:txBody>
+      </p:sp>
+      <p:sp>
+        <p:nvSpPr>
+          <p:cNvPr id="4" name="Text Placeholder 3"/>
           <p:cNvSpPr>
             <a:spLocks noGrp="1"/>
           </p:cNvSpPr>
@@ -2378,13 +4349,7 @@
       </p:sp>
       <p:sp>
         <p:nvSpPr>
-          <p:cNvPr id="5" name="Date Placeholder 4">
-            <a:extLst>
-              <a:ext uri="{FF2B5EF4-FFF2-40B4-BE49-F238E27FC236}">
-                <a16:creationId xmlns:a16="http://schemas.microsoft.com/office/drawing/2014/main" id="{CA98A5B1-4B0D-400F-B387-E715639E1F50}"/>
-              </a:ext>
-            </a:extLst>
-          </p:cNvPr>
+          <p:cNvPr id="5" name="Date Placeholder 4"/>
           <p:cNvSpPr>
             <a:spLocks noGrp="1"/>
           </p:cNvSpPr>
@@ -2399,7 +4364,7 @@
           <a:p>
             <a:fld id="{6BD3802E-D220-411C-AB05-5A208595C126}" type="datetimeFigureOut">
               <a:rPr lang="en-FI" smtClean="0"/>
-              <a:t>05/02/2020</a:t>
+              <a:t>02/05/2020</a:t>
             </a:fld>
             <a:endParaRPr lang="en-FI"/>
           </a:p>
@@ -2407,13 +4372,7 @@
       </p:sp>
       <p:sp>
         <p:nvSpPr>
-          <p:cNvPr id="6" name="Footer Placeholder 5">
-            <a:extLst>
-              <a:ext uri="{FF2B5EF4-FFF2-40B4-BE49-F238E27FC236}">
-                <a16:creationId xmlns:a16="http://schemas.microsoft.com/office/drawing/2014/main" id="{769D1E81-6ACE-48F0-B1EC-349CED138D08}"/>
-              </a:ext>
-            </a:extLst>
-          </p:cNvPr>
+          <p:cNvPr id="6" name="Footer Placeholder 5"/>
           <p:cNvSpPr>
             <a:spLocks noGrp="1"/>
           </p:cNvSpPr>
@@ -2432,13 +4391,7 @@
       </p:sp>
       <p:sp>
         <p:nvSpPr>
-          <p:cNvPr id="7" name="Slide Number Placeholder 6">
-            <a:extLst>
-              <a:ext uri="{FF2B5EF4-FFF2-40B4-BE49-F238E27FC236}">
-                <a16:creationId xmlns:a16="http://schemas.microsoft.com/office/drawing/2014/main" id="{83DBB2CA-6C6E-4382-B718-1977BE370E0B}"/>
-              </a:ext>
-            </a:extLst>
-          </p:cNvPr>
+          <p:cNvPr id="7" name="Slide Number Placeholder 6"/>
           <p:cNvSpPr>
             <a:spLocks noGrp="1"/>
           </p:cNvSpPr>
@@ -2462,7 +4415,7 @@
     </p:spTree>
     <p:extLst>
       <p:ext uri="{BB962C8B-B14F-4D97-AF65-F5344CB8AC3E}">
-        <p14:creationId xmlns:p14="http://schemas.microsoft.com/office/powerpoint/2010/main" val="2840336077"/>
+        <p14:creationId xmlns:p14="http://schemas.microsoft.com/office/powerpoint/2010/main" val="2602978996"/>
       </p:ext>
     </p:extLst>
   </p:cSld>
@@ -2491,13 +4444,7 @@
       </p:grpSpPr>
       <p:sp>
         <p:nvSpPr>
-          <p:cNvPr id="2" name="Title 1">
-            <a:extLst>
-              <a:ext uri="{FF2B5EF4-FFF2-40B4-BE49-F238E27FC236}">
-                <a16:creationId xmlns:a16="http://schemas.microsoft.com/office/drawing/2014/main" id="{97250069-F31A-4C74-8F6C-4A57DE038664}"/>
-              </a:ext>
-            </a:extLst>
-          </p:cNvPr>
+          <p:cNvPr id="2" name="Title 1"/>
           <p:cNvSpPr>
             <a:spLocks noGrp="1"/>
           </p:cNvSpPr>
@@ -2523,21 +4470,15 @@
               <a:rPr lang="en-US"/>
               <a:t>Click to edit Master title style</a:t>
             </a:r>
-            <a:endParaRPr lang="en-FI"/>
-          </a:p>
-        </p:txBody>
-      </p:sp>
-      <p:sp>
-        <p:nvSpPr>
-          <p:cNvPr id="3" name="Picture Placeholder 2">
-            <a:extLst>
-              <a:ext uri="{FF2B5EF4-FFF2-40B4-BE49-F238E27FC236}">
-                <a16:creationId xmlns:a16="http://schemas.microsoft.com/office/drawing/2014/main" id="{71AB7560-734E-485F-B9D0-CD633DC3C5BA}"/>
-              </a:ext>
-            </a:extLst>
-          </p:cNvPr>
-          <p:cNvSpPr>
-            <a:spLocks noGrp="1"/>
+            <a:endParaRPr lang="en-US" dirty="0"/>
+          </a:p>
+        </p:txBody>
+      </p:sp>
+      <p:sp>
+        <p:nvSpPr>
+          <p:cNvPr id="3" name="Picture Placeholder 2"/>
+          <p:cNvSpPr>
+            <a:spLocks noGrp="1" noChangeAspect="1"/>
           </p:cNvSpPr>
           <p:nvPr>
             <p:ph type="pic" idx="1"/>
@@ -2550,7 +4491,7 @@
           </a:xfrm>
         </p:spPr>
         <p:txBody>
-          <a:bodyPr/>
+          <a:bodyPr anchor="t"/>
           <a:lstStyle>
             <a:lvl1pPr marL="0" indent="0">
               <a:buNone/>
@@ -2590,19 +4531,17 @@
             </a:lvl9pPr>
           </a:lstStyle>
           <a:p>
-            <a:endParaRPr lang="en-FI"/>
-          </a:p>
-        </p:txBody>
-      </p:sp>
-      <p:sp>
-        <p:nvSpPr>
-          <p:cNvPr id="4" name="Text Placeholder 3">
-            <a:extLst>
-              <a:ext uri="{FF2B5EF4-FFF2-40B4-BE49-F238E27FC236}">
-                <a16:creationId xmlns:a16="http://schemas.microsoft.com/office/drawing/2014/main" id="{3E4FD527-32EB-4072-90CD-F0D9B2A31AA9}"/>
-              </a:ext>
-            </a:extLst>
-          </p:cNvPr>
+            <a:r>
+              <a:rPr lang="en-US"/>
+              <a:t>Click icon to add picture</a:t>
+            </a:r>
+            <a:endParaRPr lang="en-US" dirty="0"/>
+          </a:p>
+        </p:txBody>
+      </p:sp>
+      <p:sp>
+        <p:nvSpPr>
+          <p:cNvPr id="4" name="Text Placeholder 3"/>
           <p:cNvSpPr>
             <a:spLocks noGrp="1"/>
           </p:cNvSpPr>
@@ -2667,13 +4606,7 @@
       </p:sp>
       <p:sp>
         <p:nvSpPr>
-          <p:cNvPr id="5" name="Date Placeholder 4">
-            <a:extLst>
-              <a:ext uri="{FF2B5EF4-FFF2-40B4-BE49-F238E27FC236}">
-                <a16:creationId xmlns:a16="http://schemas.microsoft.com/office/drawing/2014/main" id="{240FAECA-42C1-4DDB-BD25-8BBB2FFE9C13}"/>
-              </a:ext>
-            </a:extLst>
-          </p:cNvPr>
+          <p:cNvPr id="5" name="Date Placeholder 4"/>
           <p:cNvSpPr>
             <a:spLocks noGrp="1"/>
           </p:cNvSpPr>
@@ -2688,7 +4621,7 @@
           <a:p>
             <a:fld id="{6BD3802E-D220-411C-AB05-5A208595C126}" type="datetimeFigureOut">
               <a:rPr lang="en-FI" smtClean="0"/>
-              <a:t>05/02/2020</a:t>
+              <a:t>02/05/2020</a:t>
             </a:fld>
             <a:endParaRPr lang="en-FI"/>
           </a:p>
@@ -2696,13 +4629,7 @@
       </p:sp>
       <p:sp>
         <p:nvSpPr>
-          <p:cNvPr id="6" name="Footer Placeholder 5">
-            <a:extLst>
-              <a:ext uri="{FF2B5EF4-FFF2-40B4-BE49-F238E27FC236}">
-                <a16:creationId xmlns:a16="http://schemas.microsoft.com/office/drawing/2014/main" id="{EFDDA4DA-8F94-488A-9535-6DB24B56C41E}"/>
-              </a:ext>
-            </a:extLst>
-          </p:cNvPr>
+          <p:cNvPr id="6" name="Footer Placeholder 5"/>
           <p:cNvSpPr>
             <a:spLocks noGrp="1"/>
           </p:cNvSpPr>
@@ -2721,13 +4648,7 @@
       </p:sp>
       <p:sp>
         <p:nvSpPr>
-          <p:cNvPr id="7" name="Slide Number Placeholder 6">
-            <a:extLst>
-              <a:ext uri="{FF2B5EF4-FFF2-40B4-BE49-F238E27FC236}">
-                <a16:creationId xmlns:a16="http://schemas.microsoft.com/office/drawing/2014/main" id="{3F609328-82BC-4356-B41E-61E42E515111}"/>
-              </a:ext>
-            </a:extLst>
-          </p:cNvPr>
+          <p:cNvPr id="7" name="Slide Number Placeholder 6"/>
           <p:cNvSpPr>
             <a:spLocks noGrp="1"/>
           </p:cNvSpPr>
@@ -2751,7 +4672,7 @@
     </p:spTree>
     <p:extLst>
       <p:ext uri="{BB962C8B-B14F-4D97-AF65-F5344CB8AC3E}">
-        <p14:creationId xmlns:p14="http://schemas.microsoft.com/office/powerpoint/2010/main" val="4117239675"/>
+        <p14:creationId xmlns:p14="http://schemas.microsoft.com/office/powerpoint/2010/main" val="922254302"/>
       </p:ext>
     </p:extLst>
   </p:cSld>
@@ -2785,13 +4706,7 @@
       </p:grpSpPr>
       <p:sp>
         <p:nvSpPr>
-          <p:cNvPr id="2" name="Title Placeholder 1">
-            <a:extLst>
-              <a:ext uri="{FF2B5EF4-FFF2-40B4-BE49-F238E27FC236}">
-                <a16:creationId xmlns:a16="http://schemas.microsoft.com/office/drawing/2014/main" id="{2DE8A10B-72BE-4C83-87BF-CF706C16F7AF}"/>
-              </a:ext>
-            </a:extLst>
-          </p:cNvPr>
+          <p:cNvPr id="2" name="Title Placeholder 1"/>
           <p:cNvSpPr>
             <a:spLocks noGrp="1"/>
           </p:cNvSpPr>
@@ -2818,19 +4733,13 @@
               <a:rPr lang="en-US"/>
               <a:t>Click to edit Master title style</a:t>
             </a:r>
-            <a:endParaRPr lang="en-FI"/>
-          </a:p>
-        </p:txBody>
-      </p:sp>
-      <p:sp>
-        <p:nvSpPr>
-          <p:cNvPr id="3" name="Text Placeholder 2">
-            <a:extLst>
-              <a:ext uri="{FF2B5EF4-FFF2-40B4-BE49-F238E27FC236}">
-                <a16:creationId xmlns:a16="http://schemas.microsoft.com/office/drawing/2014/main" id="{8C2809E8-6548-4BD8-B3BB-B01718E5174A}"/>
-              </a:ext>
-            </a:extLst>
-          </p:cNvPr>
+            <a:endParaRPr lang="en-US" dirty="0"/>
+          </a:p>
+        </p:txBody>
+      </p:sp>
+      <p:sp>
+        <p:nvSpPr>
+          <p:cNvPr id="3" name="Text Placeholder 2"/>
           <p:cNvSpPr>
             <a:spLocks noGrp="1"/>
           </p:cNvSpPr>
@@ -2886,19 +4795,13 @@
               <a:rPr lang="en-US"/>
               <a:t>Fifth level</a:t>
             </a:r>
-            <a:endParaRPr lang="en-FI"/>
-          </a:p>
-        </p:txBody>
-      </p:sp>
-      <p:sp>
-        <p:nvSpPr>
-          <p:cNvPr id="4" name="Date Placeholder 3">
-            <a:extLst>
-              <a:ext uri="{FF2B5EF4-FFF2-40B4-BE49-F238E27FC236}">
-                <a16:creationId xmlns:a16="http://schemas.microsoft.com/office/drawing/2014/main" id="{591ECAE8-0B17-45AE-AE52-BC9F03A70B79}"/>
-              </a:ext>
-            </a:extLst>
-          </p:cNvPr>
+            <a:endParaRPr lang="en-US" dirty="0"/>
+          </a:p>
+        </p:txBody>
+      </p:sp>
+      <p:sp>
+        <p:nvSpPr>
+          <p:cNvPr id="4" name="Date Placeholder 3"/>
           <p:cNvSpPr>
             <a:spLocks noGrp="1"/>
           </p:cNvSpPr>
@@ -2931,7 +4834,7 @@
           <a:p>
             <a:fld id="{6BD3802E-D220-411C-AB05-5A208595C126}" type="datetimeFigureOut">
               <a:rPr lang="en-FI" smtClean="0"/>
-              <a:t>05/02/2020</a:t>
+              <a:t>02/05/2020</a:t>
             </a:fld>
             <a:endParaRPr lang="en-FI"/>
           </a:p>
@@ -2939,13 +4842,7 @@
       </p:sp>
       <p:sp>
         <p:nvSpPr>
-          <p:cNvPr id="5" name="Footer Placeholder 4">
-            <a:extLst>
-              <a:ext uri="{FF2B5EF4-FFF2-40B4-BE49-F238E27FC236}">
-                <a16:creationId xmlns:a16="http://schemas.microsoft.com/office/drawing/2014/main" id="{09577DD0-E023-4894-999C-58DDE87652E6}"/>
-              </a:ext>
-            </a:extLst>
-          </p:cNvPr>
+          <p:cNvPr id="5" name="Footer Placeholder 4"/>
           <p:cNvSpPr>
             <a:spLocks noGrp="1"/>
           </p:cNvSpPr>
@@ -2982,13 +4879,7 @@
       </p:sp>
       <p:sp>
         <p:nvSpPr>
-          <p:cNvPr id="6" name="Slide Number Placeholder 5">
-            <a:extLst>
-              <a:ext uri="{FF2B5EF4-FFF2-40B4-BE49-F238E27FC236}">
-                <a16:creationId xmlns:a16="http://schemas.microsoft.com/office/drawing/2014/main" id="{C6317760-8142-4A45-A0D4-C9DBF3D18F30}"/>
-              </a:ext>
-            </a:extLst>
-          </p:cNvPr>
+          <p:cNvPr id="6" name="Slide Number Placeholder 5"/>
           <p:cNvSpPr>
             <a:spLocks noGrp="1"/>
           </p:cNvSpPr>
@@ -3030,23 +4921,23 @@
     </p:spTree>
     <p:extLst>
       <p:ext uri="{BB962C8B-B14F-4D97-AF65-F5344CB8AC3E}">
-        <p14:creationId xmlns:p14="http://schemas.microsoft.com/office/powerpoint/2010/main" val="2126955076"/>
+        <p14:creationId xmlns:p14="http://schemas.microsoft.com/office/powerpoint/2010/main" val="2634436667"/>
       </p:ext>
     </p:extLst>
   </p:cSld>
   <p:clrMap bg1="lt1" tx1="dk1" bg2="lt2" tx2="dk2" accent1="accent1" accent2="accent2" accent3="accent3" accent4="accent4" accent5="accent5" accent6="accent6" hlink="hlink" folHlink="folHlink"/>
   <p:sldLayoutIdLst>
-    <p:sldLayoutId id="2147483649" r:id="rId1"/>
-    <p:sldLayoutId id="2147483650" r:id="rId2"/>
-    <p:sldLayoutId id="2147483651" r:id="rId3"/>
-    <p:sldLayoutId id="2147483652" r:id="rId4"/>
-    <p:sldLayoutId id="2147483653" r:id="rId5"/>
-    <p:sldLayoutId id="2147483654" r:id="rId6"/>
-    <p:sldLayoutId id="2147483655" r:id="rId7"/>
-    <p:sldLayoutId id="2147483656" r:id="rId8"/>
-    <p:sldLayoutId id="2147483657" r:id="rId9"/>
-    <p:sldLayoutId id="2147483658" r:id="rId10"/>
-    <p:sldLayoutId id="2147483659" r:id="rId11"/>
+    <p:sldLayoutId id="2147483930" r:id="rId1"/>
+    <p:sldLayoutId id="2147483931" r:id="rId2"/>
+    <p:sldLayoutId id="2147483932" r:id="rId3"/>
+    <p:sldLayoutId id="2147483933" r:id="rId4"/>
+    <p:sldLayoutId id="2147483934" r:id="rId5"/>
+    <p:sldLayoutId id="2147483935" r:id="rId6"/>
+    <p:sldLayoutId id="2147483936" r:id="rId7"/>
+    <p:sldLayoutId id="2147483937" r:id="rId8"/>
+    <p:sldLayoutId id="2147483938" r:id="rId9"/>
+    <p:sldLayoutId id="2147483939" r:id="rId10"/>
+    <p:sldLayoutId id="2147483940" r:id="rId11"/>
   </p:sldLayoutIdLst>
   <p:txStyles>
     <p:titleStyle>
@@ -3234,7 +5125,7 @@
     </p:bodyStyle>
     <p:otherStyle>
       <a:defPPr>
-        <a:defRPr lang="en-FI"/>
+        <a:defRPr lang="en-US"/>
       </a:defPPr>
       <a:lvl1pPr marL="0" algn="l" defTabSz="914400" rtl="0" eaLnBrk="1" latinLnBrk="0" hangingPunct="1">
         <a:defRPr sz="1800" kern="1200">
@@ -3364,12 +5255,7 @@
             <p:ph type="title"/>
           </p:nvPr>
         </p:nvSpPr>
-        <p:spPr>
-          <a:xfrm>
-            <a:off x="838200" y="365125"/>
-            <a:ext cx="10515600" cy="1325563"/>
-          </a:xfrm>
-        </p:spPr>
+        <p:spPr/>
         <p:txBody>
           <a:bodyPr/>
           <a:lstStyle/>
@@ -3395,7 +5281,7 @@
           </p:nvPr>
         </p:nvPicPr>
         <p:blipFill>
-          <a:blip r:embed="rId2">
+          <a:blip r:embed="rId3">
             <a:extLst>
               <a:ext uri="{28A0092B-C50C-407E-A947-70E740481C1C}">
                 <a14:useLocalDpi xmlns:a14="http://schemas.microsoft.com/office/drawing/2010/main" val="0"/>
@@ -3442,7 +5328,7 @@
           <p:nvPr/>
         </p:nvPicPr>
         <p:blipFill>
-          <a:blip r:embed="rId3">
+          <a:blip r:embed="rId4">
             <a:extLst>
               <a:ext uri="{28A0092B-C50C-407E-A947-70E740481C1C}">
                 <a14:useLocalDpi xmlns:a14="http://schemas.microsoft.com/office/drawing/2010/main" val="0"/>
@@ -3505,7 +5391,7 @@
                             </p:stCondLst>
                             <p:childTnLst>
                               <p:par>
-                                <p:cTn id="5" presetID="1" presetClass="entr" presetSubtype="0" fill="hold" nodeType="clickEffect">
+                                <p:cTn id="5" presetID="10" presetClass="entr" presetSubtype="0" fill="hold" nodeType="clickEffect">
                                   <p:stCondLst>
                                     <p:cond delay="0"/>
                                   </p:stCondLst>
@@ -3513,6 +5399,59 @@
                                     <p:set>
                                       <p:cBhvr>
                                         <p:cTn id="6" dur="1" fill="hold">
+                                          <p:stCondLst>
+                                            <p:cond delay="0"/>
+                                          </p:stCondLst>
+                                        </p:cTn>
+                                        <p:tgtEl>
+                                          <p:spTgt spid="1026"/>
+                                        </p:tgtEl>
+                                        <p:attrNameLst>
+                                          <p:attrName>style.visibility</p:attrName>
+                                        </p:attrNameLst>
+                                      </p:cBhvr>
+                                      <p:to>
+                                        <p:strVal val="visible"/>
+                                      </p:to>
+                                    </p:set>
+                                    <p:animEffect transition="in" filter="fade">
+                                      <p:cBhvr>
+                                        <p:cTn id="7" dur="500"/>
+                                        <p:tgtEl>
+                                          <p:spTgt spid="1026"/>
+                                        </p:tgtEl>
+                                      </p:cBhvr>
+                                    </p:animEffect>
+                                  </p:childTnLst>
+                                </p:cTn>
+                              </p:par>
+                            </p:childTnLst>
+                          </p:cTn>
+                        </p:par>
+                      </p:childTnLst>
+                    </p:cTn>
+                  </p:par>
+                  <p:par>
+                    <p:cTn id="8" fill="hold">
+                      <p:stCondLst>
+                        <p:cond delay="indefinite"/>
+                      </p:stCondLst>
+                      <p:childTnLst>
+                        <p:par>
+                          <p:cTn id="9" fill="hold">
+                            <p:stCondLst>
+                              <p:cond delay="0"/>
+                            </p:stCondLst>
+                            <p:childTnLst>
+                              <p:par>
+                                <p:cTn id="10" presetID="10" presetClass="entr" presetSubtype="0" fill="hold" nodeType="clickEffect">
+                                  <p:stCondLst>
+                                    <p:cond delay="0"/>
+                                  </p:stCondLst>
+                                  <p:childTnLst>
+                                    <p:set>
+                                      <p:cBhvr>
+                                        <p:cTn id="11" dur="1" fill="hold">
                                           <p:stCondLst>
                                             <p:cond delay="0"/>
                                           </p:stCondLst>
@@ -3528,6 +5467,14 @@
                                         <p:strVal val="visible"/>
                                       </p:to>
                                     </p:set>
+                                    <p:animEffect transition="in" filter="fade">
+                                      <p:cBhvr>
+                                        <p:cTn id="12" dur="500"/>
+                                        <p:tgtEl>
+                                          <p:spTgt spid="1032"/>
+                                        </p:tgtEl>
+                                      </p:cBhvr>
+                                    </p:animEffect>
                                   </p:childTnLst>
                                 </p:cTn>
                               </p:par>
@@ -3562,7 +5509,7 @@
 </p:sld>
 </file>
 
-<file path=ppt/slides/slide2.xml><?xml version="1.0" encoding="utf-8"?>
+<file path=ppt/slides/slide10.xml><?xml version="1.0" encoding="utf-8"?>
 <p:sld xmlns:a="http://schemas.openxmlformats.org/drawingml/2006/main" xmlns:r="http://schemas.openxmlformats.org/officeDocument/2006/relationships" xmlns:p="http://schemas.openxmlformats.org/presentationml/2006/main">
   <p:cSld>
     <p:spTree>
@@ -3584,7 +5531,7 @@
           <p:cNvPr id="2" name="Title 1">
             <a:extLst>
               <a:ext uri="{FF2B5EF4-FFF2-40B4-BE49-F238E27FC236}">
-                <a16:creationId xmlns:a16="http://schemas.microsoft.com/office/drawing/2014/main" id="{8F67D003-AB32-4DCA-9892-79988241CAB5}"/>
+                <a16:creationId xmlns:a16="http://schemas.microsoft.com/office/drawing/2014/main" id="{CE724747-9F56-4418-90B1-3B3E45C2902F}"/>
               </a:ext>
             </a:extLst>
           </p:cNvPr>
@@ -3600,85 +5547,101 @@
           <a:bodyPr/>
           <a:lstStyle/>
           <a:p>
-            <a:endParaRPr lang="en-FI"/>
+            <a:pPr algn="ctr"/>
+            <a:r>
+              <a:rPr lang="en-US" u="sng" dirty="0"/>
+              <a:t>Software : Desktop App</a:t>
+            </a:r>
+            <a:endParaRPr lang="LID4096" u="sng" dirty="0"/>
           </a:p>
         </p:txBody>
       </p:sp>
       <p:pic>
         <p:nvPicPr>
-          <p:cNvPr id="4" name="Picture 6">
+          <p:cNvPr id="9" name="Picture 8" descr="A close up of a piano&#10;&#10;Description automatically generated">
             <a:extLst>
               <a:ext uri="{FF2B5EF4-FFF2-40B4-BE49-F238E27FC236}">
-                <a16:creationId xmlns:a16="http://schemas.microsoft.com/office/drawing/2014/main" id="{EC2B99C0-FC50-470B-87AB-15294C3FAB79}"/>
+                <a16:creationId xmlns:a16="http://schemas.microsoft.com/office/drawing/2014/main" id="{22740F50-C04A-4F85-8082-E6B316D3B4ED}"/>
               </a:ext>
             </a:extLst>
           </p:cNvPr>
           <p:cNvPicPr>
-            <a:picLocks noGrp="1" noChangeAspect="1" noChangeArrowheads="1"/>
+            <a:picLocks noChangeAspect="1"/>
           </p:cNvPicPr>
-          <p:nvPr>
-            <p:ph idx="1"/>
-          </p:nvPr>
+          <p:nvPr/>
         </p:nvPicPr>
         <p:blipFill>
-          <a:blip r:embed="rId2">
+          <a:blip r:embed="rId3">
             <a:extLst>
               <a:ext uri="{28A0092B-C50C-407E-A947-70E740481C1C}">
                 <a14:useLocalDpi xmlns:a14="http://schemas.microsoft.com/office/drawing/2010/main" val="0"/>
               </a:ext>
             </a:extLst>
           </a:blip>
-          <a:srcRect/>
           <a:stretch>
             <a:fillRect/>
           </a:stretch>
         </p:blipFill>
-        <p:spPr bwMode="auto">
+        <p:spPr>
           <a:xfrm>
-            <a:off x="1194703" y="2519950"/>
-            <a:ext cx="9802593" cy="2962688"/>
+            <a:off x="2358204" y="1690688"/>
+            <a:ext cx="7475591" cy="5041887"/>
           </a:xfrm>
           <a:prstGeom prst="rect">
             <a:avLst/>
           </a:prstGeom>
-          <a:noFill/>
-          <a:extLst>
-            <a:ext uri="{909E8E84-426E-40DD-AFC4-6F175D3DCCD1}">
-              <a14:hiddenFill xmlns:a14="http://schemas.microsoft.com/office/drawing/2010/main">
-                <a:solidFill>
-                  <a:srgbClr val="FFFFFF"/>
-                </a:solidFill>
-              </a14:hiddenFill>
-            </a:ext>
-          </a:extLst>
+        </p:spPr>
+      </p:pic>
+      <p:pic>
+        <p:nvPicPr>
+          <p:cNvPr id="15" name="Picture 14" descr="A screenshot of a cell phone&#10;&#10;Description automatically generated">
+            <a:extLst>
+              <a:ext uri="{FF2B5EF4-FFF2-40B4-BE49-F238E27FC236}">
+                <a16:creationId xmlns:a16="http://schemas.microsoft.com/office/drawing/2014/main" id="{8BBFAD27-5DD5-47D0-A892-DDC0A2505E29}"/>
+              </a:ext>
+            </a:extLst>
+          </p:cNvPr>
+          <p:cNvPicPr>
+            <a:picLocks noChangeAspect="1"/>
+          </p:cNvPicPr>
+          <p:nvPr/>
+        </p:nvPicPr>
+        <p:blipFill>
+          <a:blip r:embed="rId4">
+            <a:extLst>
+              <a:ext uri="{28A0092B-C50C-407E-A947-70E740481C1C}">
+                <a14:useLocalDpi xmlns:a14="http://schemas.microsoft.com/office/drawing/2010/main" val="0"/>
+              </a:ext>
+            </a:extLst>
+          </a:blip>
+          <a:stretch>
+            <a:fillRect/>
+          </a:stretch>
+        </p:blipFill>
+        <p:spPr>
+          <a:xfrm>
+            <a:off x="2916521" y="2279008"/>
+            <a:ext cx="6358955" cy="3865247"/>
+          </a:xfrm>
+          <a:prstGeom prst="rect">
+            <a:avLst/>
+          </a:prstGeom>
         </p:spPr>
       </p:pic>
     </p:spTree>
     <p:extLst>
       <p:ext uri="{BB962C8B-B14F-4D97-AF65-F5344CB8AC3E}">
-        <p14:creationId xmlns:p14="http://schemas.microsoft.com/office/powerpoint/2010/main" val="3474219700"/>
+        <p14:creationId xmlns:p14="http://schemas.microsoft.com/office/powerpoint/2010/main" val="3715418725"/>
       </p:ext>
     </p:extLst>
   </p:cSld>
   <p:clrMapOvr>
     <a:masterClrMapping/>
   </p:clrMapOvr>
-  <mc:AlternateContent xmlns:mc="http://schemas.openxmlformats.org/markup-compatibility/2006">
-    <mc:Choice xmlns:p14="http://schemas.microsoft.com/office/powerpoint/2010/main" Requires="p14">
-      <p:transition spd="med" p14:dur="700">
-        <p:fade/>
-      </p:transition>
-    </mc:Choice>
-    <mc:Fallback>
-      <p:transition spd="med">
-        <p:fade/>
-      </p:transition>
-    </mc:Fallback>
-  </mc:AlternateContent>
 </p:sld>
 </file>
 
-<file path=ppt/slides/slide3.xml><?xml version="1.0" encoding="utf-8"?>
+<file path=ppt/slides/slide11.xml><?xml version="1.0" encoding="utf-8"?>
 <p:sld xmlns:a="http://schemas.openxmlformats.org/drawingml/2006/main" xmlns:r="http://schemas.openxmlformats.org/officeDocument/2006/relationships" xmlns:p="http://schemas.openxmlformats.org/presentationml/2006/main">
   <p:cSld>
     <p:spTree>
@@ -3700,7 +5663,7 @@
           <p:cNvPr id="2" name="Title 1">
             <a:extLst>
               <a:ext uri="{FF2B5EF4-FFF2-40B4-BE49-F238E27FC236}">
-                <a16:creationId xmlns:a16="http://schemas.microsoft.com/office/drawing/2014/main" id="{EBF359EE-B6DA-4BE3-8A01-42F85F20D330}"/>
+                <a16:creationId xmlns:a16="http://schemas.microsoft.com/office/drawing/2014/main" id="{CE724747-9F56-4418-90B1-3B3E45C2902F}"/>
               </a:ext>
             </a:extLst>
           </p:cNvPr>
@@ -3716,138 +5679,57 @@
           <a:bodyPr/>
           <a:lstStyle/>
           <a:p>
-            <a:endParaRPr lang="en-FI"/>
-          </a:p>
-        </p:txBody>
-      </p:sp>
-      <p:sp>
-        <p:nvSpPr>
-          <p:cNvPr id="3" name="Content Placeholder 2">
+            <a:pPr algn="ctr"/>
+            <a:r>
+              <a:rPr lang="en-US" u="sng" dirty="0"/>
+              <a:t>Software : Desktop App</a:t>
+            </a:r>
+            <a:endParaRPr lang="LID4096" u="sng" dirty="0"/>
+          </a:p>
+        </p:txBody>
+      </p:sp>
+      <p:pic>
+        <p:nvPicPr>
+          <p:cNvPr id="9" name="Picture 8" descr="A close up of a piano&#10;&#10;Description automatically generated">
             <a:extLst>
               <a:ext uri="{FF2B5EF4-FFF2-40B4-BE49-F238E27FC236}">
-                <a16:creationId xmlns:a16="http://schemas.microsoft.com/office/drawing/2014/main" id="{57EE78E9-648D-4DFB-BA15-BCFD0E1F189F}"/>
-              </a:ext>
-            </a:extLst>
-          </p:cNvPr>
-          <p:cNvSpPr>
-            <a:spLocks noGrp="1"/>
-          </p:cNvSpPr>
-          <p:nvPr>
-            <p:ph idx="1"/>
-          </p:nvPr>
-        </p:nvSpPr>
-        <p:spPr/>
-        <p:txBody>
-          <a:bodyPr/>
-          <a:lstStyle/>
-          <a:p>
-            <a:endParaRPr lang="en-FI"/>
-          </a:p>
-        </p:txBody>
-      </p:sp>
-      <p:pic>
-        <p:nvPicPr>
-          <p:cNvPr id="2050" name="Picture 2">
-            <a:extLst>
-              <a:ext uri="{FF2B5EF4-FFF2-40B4-BE49-F238E27FC236}">
-                <a16:creationId xmlns:a16="http://schemas.microsoft.com/office/drawing/2014/main" id="{170506B9-6BFB-4343-8E66-52F32A3A680E}"/>
+                <a16:creationId xmlns:a16="http://schemas.microsoft.com/office/drawing/2014/main" id="{22740F50-C04A-4F85-8082-E6B316D3B4ED}"/>
               </a:ext>
             </a:extLst>
           </p:cNvPr>
           <p:cNvPicPr>
-            <a:picLocks noChangeAspect="1" noChangeArrowheads="1"/>
+            <a:picLocks noChangeAspect="1"/>
           </p:cNvPicPr>
           <p:nvPr/>
         </p:nvPicPr>
         <p:blipFill>
-          <a:blip r:embed="rId2">
+          <a:blip r:embed="rId3">
             <a:extLst>
               <a:ext uri="{28A0092B-C50C-407E-A947-70E740481C1C}">
                 <a14:useLocalDpi xmlns:a14="http://schemas.microsoft.com/office/drawing/2010/main" val="0"/>
               </a:ext>
             </a:extLst>
           </a:blip>
-          <a:srcRect/>
           <a:stretch>
             <a:fillRect/>
           </a:stretch>
         </p:blipFill>
-        <p:spPr bwMode="auto">
+        <p:spPr>
           <a:xfrm>
-            <a:off x="3881438" y="1857375"/>
-            <a:ext cx="4429125" cy="3143250"/>
+            <a:off x="2358204" y="1690688"/>
+            <a:ext cx="7475591" cy="5041887"/>
           </a:xfrm>
           <a:prstGeom prst="rect">
             <a:avLst/>
           </a:prstGeom>
-          <a:noFill/>
-          <a:extLst>
-            <a:ext uri="{909E8E84-426E-40DD-AFC4-6F175D3DCCD1}">
-              <a14:hiddenFill xmlns:a14="http://schemas.microsoft.com/office/drawing/2010/main">
-                <a:solidFill>
-                  <a:srgbClr val="FFFFFF"/>
-                </a:solidFill>
-              </a14:hiddenFill>
-            </a:ext>
-          </a:extLst>
         </p:spPr>
       </p:pic>
-    </p:spTree>
-    <p:extLst>
-      <p:ext uri="{BB962C8B-B14F-4D97-AF65-F5344CB8AC3E}">
-        <p14:creationId xmlns:p14="http://schemas.microsoft.com/office/powerpoint/2010/main" val="2680733505"/>
-      </p:ext>
-    </p:extLst>
-  </p:cSld>
-  <p:clrMapOvr>
-    <a:masterClrMapping/>
-  </p:clrMapOvr>
-  <mc:AlternateContent xmlns:mc="http://schemas.openxmlformats.org/markup-compatibility/2006">
-    <mc:Choice xmlns:p14="http://schemas.microsoft.com/office/powerpoint/2010/main" Requires="p14">
-      <p:transition spd="med" p14:dur="700">
-        <p:fade/>
-      </p:transition>
-    </mc:Choice>
-    <mc:Fallback>
-      <p:transition spd="med">
-        <p:fade/>
-      </p:transition>
-    </mc:Fallback>
-  </mc:AlternateContent>
-</p:sld>
-</file>
-
-<file path=ppt/slides/slide4.xml><?xml version="1.0" encoding="utf-8"?>
-<p:sld xmlns:a="http://schemas.openxmlformats.org/drawingml/2006/main" xmlns:r="http://schemas.openxmlformats.org/officeDocument/2006/relationships" xmlns:p="http://schemas.openxmlformats.org/presentationml/2006/main">
-  <p:cSld>
-    <p:bg>
-      <p:bgPr>
-        <a:solidFill>
-          <a:schemeClr val="bg1"/>
-        </a:solidFill>
-        <a:effectLst/>
-      </p:bgPr>
-    </p:bg>
-    <p:spTree>
-      <p:nvGrpSpPr>
-        <p:cNvPr id="1" name=""/>
-        <p:cNvGrpSpPr/>
-        <p:nvPr/>
-      </p:nvGrpSpPr>
-      <p:grpSpPr>
-        <a:xfrm>
-          <a:off x="0" y="0"/>
-          <a:ext cx="0" cy="0"/>
-          <a:chOff x="0" y="0"/>
-          <a:chExt cx="0" cy="0"/>
-        </a:xfrm>
-      </p:grpSpPr>
       <p:pic>
         <p:nvPicPr>
-          <p:cNvPr id="4" name="Picture 3" descr="A picture containing drawing&#10;&#10;Description automatically generated">
+          <p:cNvPr id="4" name="Picture 3" descr="A screenshot of a cell phone&#10;&#10;Description automatically generated">
             <a:extLst>
               <a:ext uri="{FF2B5EF4-FFF2-40B4-BE49-F238E27FC236}">
-                <a16:creationId xmlns:a16="http://schemas.microsoft.com/office/drawing/2014/main" id="{CD75FFB2-D8C2-40BD-8225-F76C6D14FFDF}"/>
+                <a16:creationId xmlns:a16="http://schemas.microsoft.com/office/drawing/2014/main" id="{EC66A705-9DBD-44AA-9B0C-813B32958640}"/>
               </a:ext>
             </a:extLst>
           </p:cNvPr>
@@ -3857,252 +5739,40 @@
           <p:nvPr/>
         </p:nvPicPr>
         <p:blipFill rotWithShape="1">
-          <a:blip r:embed="rId2"/>
-          <a:srcRect t="6383" b="449"/>
+          <a:blip r:embed="rId4">
+            <a:extLst>
+              <a:ext uri="{28A0092B-C50C-407E-A947-70E740481C1C}">
+                <a14:useLocalDpi xmlns:a14="http://schemas.microsoft.com/office/drawing/2010/main" val="0"/>
+              </a:ext>
+            </a:extLst>
+          </a:blip>
+          <a:srcRect t="35948" b="10782"/>
           <a:stretch/>
         </p:blipFill>
         <p:spPr>
           <a:xfrm>
-            <a:off x="20" y="10"/>
-            <a:ext cx="12191980" cy="4571990"/>
+            <a:off x="2387600" y="3276599"/>
+            <a:ext cx="7430769" cy="2545081"/>
           </a:xfrm>
           <a:prstGeom prst="rect">
             <a:avLst/>
           </a:prstGeom>
         </p:spPr>
       </p:pic>
-      <p:sp>
-        <p:nvSpPr>
-          <p:cNvPr id="9" name="Rectangle 8">
-            <a:extLst>
-              <a:ext uri="{FF2B5EF4-FFF2-40B4-BE49-F238E27FC236}">
-                <a16:creationId xmlns:a16="http://schemas.microsoft.com/office/drawing/2014/main" id="{F40CA114-B78B-4E3B-A785-96745276B6FB}"/>
-              </a:ext>
-              <a:ext uri="{C183D7F6-B498-43B3-948B-1728B52AA6E4}">
-                <adec:decorative xmlns:adec="http://schemas.microsoft.com/office/drawing/2017/decorative" val="1"/>
-              </a:ext>
-            </a:extLst>
-          </p:cNvPr>
-          <p:cNvSpPr>
-            <a:spLocks noGrp="1" noRot="1" noChangeAspect="1" noMove="1" noResize="1" noEditPoints="1" noAdjustHandles="1" noChangeArrowheads="1" noChangeShapeType="1" noTextEdit="1"/>
-          </p:cNvSpPr>
-          <p:nvPr>
-            <p:extLst>
-              <p:ext uri="{386F3935-93C4-4BCD-93E2-E3B085C9AB24}">
-                <p16:designElem xmlns:p16="http://schemas.microsoft.com/office/powerpoint/2015/main" val="1"/>
-              </p:ext>
-            </p:extLst>
-          </p:nvPr>
-        </p:nvSpPr>
-        <p:spPr>
-          <a:xfrm>
-            <a:off x="0" y="4572457"/>
-            <a:ext cx="12192000" cy="2285543"/>
-          </a:xfrm>
-          <a:prstGeom prst="rect">
-            <a:avLst/>
-          </a:prstGeom>
-          <a:solidFill>
-            <a:schemeClr val="bg1">
-              <a:lumMod val="75000"/>
-              <a:lumOff val="25000"/>
-            </a:schemeClr>
-          </a:solidFill>
-          <a:ln>
-            <a:noFill/>
-          </a:ln>
-        </p:spPr>
-        <p:style>
-          <a:lnRef idx="2">
-            <a:schemeClr val="accent1">
-              <a:shade val="50000"/>
-            </a:schemeClr>
-          </a:lnRef>
-          <a:fillRef idx="1">
-            <a:schemeClr val="accent1"/>
-          </a:fillRef>
-          <a:effectRef idx="0">
-            <a:schemeClr val="accent1"/>
-          </a:effectRef>
-          <a:fontRef idx="minor">
-            <a:schemeClr val="lt1"/>
-          </a:fontRef>
-        </p:style>
-        <p:txBody>
-          <a:bodyPr rtlCol="0" anchor="ctr"/>
-          <a:lstStyle/>
-          <a:p>
-            <a:pPr marL="0" marR="0" lvl="0" indent="0" algn="ctr" defTabSz="914400" rtl="0" eaLnBrk="1" fontAlgn="auto" latinLnBrk="0" hangingPunct="1">
-              <a:lnSpc>
-                <a:spcPct val="100000"/>
-              </a:lnSpc>
-              <a:spcBef>
-                <a:spcPts val="0"/>
-              </a:spcBef>
-              <a:spcAft>
-                <a:spcPts val="0"/>
-              </a:spcAft>
-              <a:buClrTx/>
-              <a:buSzTx/>
-              <a:buFontTx/>
-              <a:buNone/>
-              <a:tabLst/>
-              <a:defRPr/>
-            </a:pPr>
-            <a:endParaRPr kumimoji="0" lang="en-US" sz="1800" b="0" i="0" u="none" strike="noStrike" kern="1200" cap="none" spc="0" normalizeH="0" baseline="0" noProof="0">
-              <a:ln>
-                <a:noFill/>
-              </a:ln>
-              <a:solidFill>
-                <a:prstClr val="white"/>
-              </a:solidFill>
-              <a:effectLst/>
-              <a:uLnTx/>
-              <a:uFillTx/>
-              <a:latin typeface="Tw Cen MT" panose="020B0602020104020603"/>
-              <a:ea typeface="+mn-ea"/>
-              <a:cs typeface="+mn-cs"/>
-            </a:endParaRPr>
-          </a:p>
-        </p:txBody>
-      </p:sp>
-      <p:sp>
-        <p:nvSpPr>
-          <p:cNvPr id="2" name="Title 1">
-            <a:extLst>
-              <a:ext uri="{FF2B5EF4-FFF2-40B4-BE49-F238E27FC236}">
-                <a16:creationId xmlns:a16="http://schemas.microsoft.com/office/drawing/2014/main" id="{62FB8720-1EB7-42A5-B06D-A57CC8DF324C}"/>
-              </a:ext>
-            </a:extLst>
-          </p:cNvPr>
-          <p:cNvSpPr>
-            <a:spLocks noGrp="1"/>
-          </p:cNvSpPr>
-          <p:nvPr>
-            <p:ph type="ctrTitle"/>
-          </p:nvPr>
-        </p:nvSpPr>
-        <p:spPr>
-          <a:xfrm>
-            <a:off x="433136" y="5091762"/>
-            <a:ext cx="7834193" cy="1264588"/>
-          </a:xfrm>
-        </p:spPr>
-        <p:txBody>
-          <a:bodyPr anchor="ctr">
-            <a:normAutofit/>
-          </a:bodyPr>
-          <a:lstStyle/>
-          <a:p>
-            <a:pPr algn="r"/>
-            <a:endParaRPr lang="en-FI" dirty="0"/>
-          </a:p>
-        </p:txBody>
-      </p:sp>
-      <p:sp>
-        <p:nvSpPr>
-          <p:cNvPr id="3" name="Subtitle 2">
-            <a:extLst>
-              <a:ext uri="{FF2B5EF4-FFF2-40B4-BE49-F238E27FC236}">
-                <a16:creationId xmlns:a16="http://schemas.microsoft.com/office/drawing/2014/main" id="{4FA5F8A3-33DD-417D-883F-E27DA1853131}"/>
-              </a:ext>
-            </a:extLst>
-          </p:cNvPr>
-          <p:cNvSpPr>
-            <a:spLocks noGrp="1"/>
-          </p:cNvSpPr>
-          <p:nvPr>
-            <p:ph type="subTitle" idx="1"/>
-          </p:nvPr>
-        </p:nvSpPr>
-        <p:spPr>
-          <a:xfrm>
-            <a:off x="8499107" y="5091763"/>
-            <a:ext cx="2974207" cy="1264587"/>
-          </a:xfrm>
-        </p:spPr>
-        <p:txBody>
-          <a:bodyPr anchor="ctr">
-            <a:normAutofit/>
-          </a:bodyPr>
-          <a:lstStyle/>
-          <a:p>
-            <a:pPr algn="l"/>
-            <a:endParaRPr lang="en-FI" sz="2000" dirty="0"/>
-          </a:p>
-        </p:txBody>
-      </p:sp>
-      <p:cxnSp>
-        <p:nvCxnSpPr>
-          <p:cNvPr id="11" name="Straight Connector 10">
-            <a:extLst>
-              <a:ext uri="{FF2B5EF4-FFF2-40B4-BE49-F238E27FC236}">
-                <a16:creationId xmlns:a16="http://schemas.microsoft.com/office/drawing/2014/main" id="{E126E481-B945-4179-BD79-05E96E9B29E1}"/>
-              </a:ext>
-              <a:ext uri="{C183D7F6-B498-43B3-948B-1728B52AA6E4}">
-                <adec:decorative xmlns:adec="http://schemas.microsoft.com/office/drawing/2017/decorative" val="1"/>
-              </a:ext>
-            </a:extLst>
-          </p:cNvPr>
-          <p:cNvCxnSpPr>
-            <a:cxnSpLocks noGrp="1" noRot="1" noChangeAspect="1" noMove="1" noResize="1" noEditPoints="1" noAdjustHandles="1" noChangeArrowheads="1" noChangeShapeType="1"/>
-          </p:cNvCxnSpPr>
-          <p:nvPr>
-            <p:extLst>
-              <p:ext uri="{386F3935-93C4-4BCD-93E2-E3B085C9AB24}">
-                <p16:designElem xmlns:p16="http://schemas.microsoft.com/office/powerpoint/2015/main" val="1"/>
-              </p:ext>
-            </p:extLst>
-          </p:nvPr>
-        </p:nvCxnSpPr>
-        <p:spPr>
-          <a:xfrm flipV="1">
-            <a:off x="8386843" y="5264106"/>
-            <a:ext cx="0" cy="914400"/>
-          </a:xfrm>
-          <a:prstGeom prst="line">
-            <a:avLst/>
-          </a:prstGeom>
-          <a:ln w="19050">
-            <a:solidFill>
-              <a:srgbClr val="FFFFFF">
-                <a:alpha val="80000"/>
-              </a:srgbClr>
-            </a:solidFill>
-          </a:ln>
-        </p:spPr>
-        <p:style>
-          <a:lnRef idx="1">
-            <a:schemeClr val="accent1"/>
-          </a:lnRef>
-          <a:fillRef idx="0">
-            <a:schemeClr val="accent1"/>
-          </a:fillRef>
-          <a:effectRef idx="0">
-            <a:schemeClr val="accent1"/>
-          </a:effectRef>
-          <a:fontRef idx="minor">
-            <a:schemeClr val="tx1"/>
-          </a:fontRef>
-        </p:style>
-      </p:cxnSp>
     </p:spTree>
     <p:extLst>
       <p:ext uri="{BB962C8B-B14F-4D97-AF65-F5344CB8AC3E}">
-        <p14:creationId xmlns:p14="http://schemas.microsoft.com/office/powerpoint/2010/main" val="1688422653"/>
+        <p14:creationId xmlns:p14="http://schemas.microsoft.com/office/powerpoint/2010/main" val="2541473117"/>
       </p:ext>
     </p:extLst>
   </p:cSld>
   <p:clrMapOvr>
-    <a:overrideClrMapping bg1="dk1" tx1="lt1" bg2="dk2" tx2="lt2" accent1="accent1" accent2="accent2" accent3="accent3" accent4="accent4" accent5="accent5" accent6="accent6" hlink="hlink" folHlink="folHlink"/>
+    <a:masterClrMapping/>
   </p:clrMapOvr>
-  <p:transition spd="slow">
-    <p:wipe/>
-  </p:transition>
 </p:sld>
 </file>
 
-<file path=ppt/slides/slide5.xml><?xml version="1.0" encoding="utf-8"?>
+<file path=ppt/slides/slide12.xml><?xml version="1.0" encoding="utf-8"?>
 <p:sld xmlns:a="http://schemas.openxmlformats.org/drawingml/2006/main" xmlns:r="http://schemas.openxmlformats.org/officeDocument/2006/relationships" xmlns:p="http://schemas.openxmlformats.org/presentationml/2006/main">
   <p:cSld>
     <p:spTree>
@@ -4124,6 +5794,616 @@
           <p:cNvPr id="2" name="Title 1">
             <a:extLst>
               <a:ext uri="{FF2B5EF4-FFF2-40B4-BE49-F238E27FC236}">
+                <a16:creationId xmlns:a16="http://schemas.microsoft.com/office/drawing/2014/main" id="{CE724747-9F56-4418-90B1-3B3E45C2902F}"/>
+              </a:ext>
+            </a:extLst>
+          </p:cNvPr>
+          <p:cNvSpPr>
+            <a:spLocks noGrp="1"/>
+          </p:cNvSpPr>
+          <p:nvPr>
+            <p:ph type="title"/>
+          </p:nvPr>
+        </p:nvSpPr>
+        <p:spPr/>
+        <p:txBody>
+          <a:bodyPr/>
+          <a:lstStyle/>
+          <a:p>
+            <a:pPr algn="ctr"/>
+            <a:r>
+              <a:rPr lang="en-US" u="sng" dirty="0"/>
+              <a:t>Software : Desktop App</a:t>
+            </a:r>
+            <a:endParaRPr lang="LID4096" u="sng" dirty="0"/>
+          </a:p>
+        </p:txBody>
+      </p:sp>
+      <p:pic>
+        <p:nvPicPr>
+          <p:cNvPr id="17" name="Picture 16" descr="A close up of a piano&#10;&#10;Description automatically generated">
+            <a:extLst>
+              <a:ext uri="{FF2B5EF4-FFF2-40B4-BE49-F238E27FC236}">
+                <a16:creationId xmlns:a16="http://schemas.microsoft.com/office/drawing/2014/main" id="{62736AD3-5C5D-4921-92CC-AC5B3A8C3DA1}"/>
+              </a:ext>
+            </a:extLst>
+          </p:cNvPr>
+          <p:cNvPicPr>
+            <a:picLocks noChangeAspect="1"/>
+          </p:cNvPicPr>
+          <p:nvPr/>
+        </p:nvPicPr>
+        <p:blipFill>
+          <a:blip r:embed="rId3">
+            <a:extLst>
+              <a:ext uri="{28A0092B-C50C-407E-A947-70E740481C1C}">
+                <a14:useLocalDpi xmlns:a14="http://schemas.microsoft.com/office/drawing/2010/main" val="0"/>
+              </a:ext>
+            </a:extLst>
+          </a:blip>
+          <a:stretch>
+            <a:fillRect/>
+          </a:stretch>
+        </p:blipFill>
+        <p:spPr>
+          <a:xfrm>
+            <a:off x="2358204" y="1690688"/>
+            <a:ext cx="7475591" cy="5045724"/>
+          </a:xfrm>
+          <a:prstGeom prst="rect">
+            <a:avLst/>
+          </a:prstGeom>
+        </p:spPr>
+      </p:pic>
+      <p:pic>
+        <p:nvPicPr>
+          <p:cNvPr id="3" name="Picture 2">
+            <a:extLst>
+              <a:ext uri="{FF2B5EF4-FFF2-40B4-BE49-F238E27FC236}">
+                <a16:creationId xmlns:a16="http://schemas.microsoft.com/office/drawing/2014/main" id="{F0639E6E-74A0-4A47-BA47-AB319ED5881F}"/>
+              </a:ext>
+            </a:extLst>
+          </p:cNvPr>
+          <p:cNvPicPr>
+            <a:picLocks noChangeAspect="1"/>
+          </p:cNvPicPr>
+          <p:nvPr/>
+        </p:nvPicPr>
+        <p:blipFill>
+          <a:blip r:embed="rId4"/>
+          <a:stretch>
+            <a:fillRect/>
+          </a:stretch>
+        </p:blipFill>
+        <p:spPr>
+          <a:xfrm>
+            <a:off x="6095999" y="2513706"/>
+            <a:ext cx="1505284" cy="1582938"/>
+          </a:xfrm>
+          <a:prstGeom prst="rect">
+            <a:avLst/>
+          </a:prstGeom>
+        </p:spPr>
+      </p:pic>
+    </p:spTree>
+    <p:extLst>
+      <p:ext uri="{BB962C8B-B14F-4D97-AF65-F5344CB8AC3E}">
+        <p14:creationId xmlns:p14="http://schemas.microsoft.com/office/powerpoint/2010/main" val="2022076257"/>
+      </p:ext>
+    </p:extLst>
+  </p:cSld>
+  <p:clrMapOvr>
+    <a:masterClrMapping/>
+  </p:clrMapOvr>
+</p:sld>
+</file>
+
+<file path=ppt/slides/slide13.xml><?xml version="1.0" encoding="utf-8"?>
+<p:sld xmlns:a="http://schemas.openxmlformats.org/drawingml/2006/main" xmlns:r="http://schemas.openxmlformats.org/officeDocument/2006/relationships" xmlns:p="http://schemas.openxmlformats.org/presentationml/2006/main">
+  <p:cSld>
+    <p:spTree>
+      <p:nvGrpSpPr>
+        <p:cNvPr id="1" name=""/>
+        <p:cNvGrpSpPr/>
+        <p:nvPr/>
+      </p:nvGrpSpPr>
+      <p:grpSpPr>
+        <a:xfrm>
+          <a:off x="0" y="0"/>
+          <a:ext cx="0" cy="0"/>
+          <a:chOff x="0" y="0"/>
+          <a:chExt cx="0" cy="0"/>
+        </a:xfrm>
+      </p:grpSpPr>
+      <p:sp>
+        <p:nvSpPr>
+          <p:cNvPr id="2" name="Title 1">
+            <a:extLst>
+              <a:ext uri="{FF2B5EF4-FFF2-40B4-BE49-F238E27FC236}">
+                <a16:creationId xmlns:a16="http://schemas.microsoft.com/office/drawing/2014/main" id="{CE724747-9F56-4418-90B1-3B3E45C2902F}"/>
+              </a:ext>
+            </a:extLst>
+          </p:cNvPr>
+          <p:cNvSpPr>
+            <a:spLocks noGrp="1"/>
+          </p:cNvSpPr>
+          <p:nvPr>
+            <p:ph type="title"/>
+          </p:nvPr>
+        </p:nvSpPr>
+        <p:spPr/>
+        <p:txBody>
+          <a:bodyPr/>
+          <a:lstStyle/>
+          <a:p>
+            <a:pPr algn="ctr"/>
+            <a:r>
+              <a:rPr lang="en-US" u="sng" dirty="0"/>
+              <a:t>Software : Android App</a:t>
+            </a:r>
+            <a:endParaRPr lang="LID4096" u="sng" dirty="0"/>
+          </a:p>
+        </p:txBody>
+      </p:sp>
+      <p:pic>
+        <p:nvPicPr>
+          <p:cNvPr id="4" name="Picture 3" descr="A screenshot of a cell phone&#10;&#10;Description automatically generated">
+            <a:extLst>
+              <a:ext uri="{FF2B5EF4-FFF2-40B4-BE49-F238E27FC236}">
+                <a16:creationId xmlns:a16="http://schemas.microsoft.com/office/drawing/2014/main" id="{D58C1534-4EC1-4A93-AE07-22E58FC8152D}"/>
+              </a:ext>
+            </a:extLst>
+          </p:cNvPr>
+          <p:cNvPicPr>
+            <a:picLocks noChangeAspect="1"/>
+          </p:cNvPicPr>
+          <p:nvPr/>
+        </p:nvPicPr>
+        <p:blipFill>
+          <a:blip r:embed="rId3">
+            <a:extLst>
+              <a:ext uri="{28A0092B-C50C-407E-A947-70E740481C1C}">
+                <a14:useLocalDpi xmlns:a14="http://schemas.microsoft.com/office/drawing/2010/main" val="0"/>
+              </a:ext>
+            </a:extLst>
+          </a:blip>
+          <a:stretch>
+            <a:fillRect/>
+          </a:stretch>
+        </p:blipFill>
+        <p:spPr>
+          <a:xfrm>
+            <a:off x="4388438" y="1405569"/>
+            <a:ext cx="3415124" cy="5274630"/>
+          </a:xfrm>
+          <a:prstGeom prst="rect">
+            <a:avLst/>
+          </a:prstGeom>
+        </p:spPr>
+      </p:pic>
+      <p:pic>
+        <p:nvPicPr>
+          <p:cNvPr id="6" name="Picture 5" descr="A screenshot of a cell phone&#10;&#10;Description automatically generated">
+            <a:extLst>
+              <a:ext uri="{FF2B5EF4-FFF2-40B4-BE49-F238E27FC236}">
+                <a16:creationId xmlns:a16="http://schemas.microsoft.com/office/drawing/2014/main" id="{7A7ACFE3-929D-42BA-BA0F-AECF1401F9E5}"/>
+              </a:ext>
+            </a:extLst>
+          </p:cNvPr>
+          <p:cNvPicPr>
+            <a:picLocks noChangeAspect="1"/>
+          </p:cNvPicPr>
+          <p:nvPr/>
+        </p:nvPicPr>
+        <p:blipFill rotWithShape="1">
+          <a:blip r:embed="rId4">
+            <a:extLst>
+              <a:ext uri="{28A0092B-C50C-407E-A947-70E740481C1C}">
+                <a14:useLocalDpi xmlns:a14="http://schemas.microsoft.com/office/drawing/2010/main" val="0"/>
+              </a:ext>
+            </a:extLst>
+          </a:blip>
+          <a:srcRect l="6385" t="9739" r="3861" b="1721"/>
+          <a:stretch/>
+        </p:blipFill>
+        <p:spPr>
+          <a:xfrm>
+            <a:off x="276225" y="2105024"/>
+            <a:ext cx="3882526" cy="4575175"/>
+          </a:xfrm>
+          <a:prstGeom prst="rect">
+            <a:avLst/>
+          </a:prstGeom>
+        </p:spPr>
+      </p:pic>
+      <p:pic>
+        <p:nvPicPr>
+          <p:cNvPr id="8" name="Picture 7" descr="A screenshot of a cell phone&#10;&#10;Description automatically generated">
+            <a:extLst>
+              <a:ext uri="{FF2B5EF4-FFF2-40B4-BE49-F238E27FC236}">
+                <a16:creationId xmlns:a16="http://schemas.microsoft.com/office/drawing/2014/main" id="{62E50AFB-63AA-4FE1-9484-06F28AC9AF31}"/>
+              </a:ext>
+            </a:extLst>
+          </p:cNvPr>
+          <p:cNvPicPr>
+            <a:picLocks noChangeAspect="1"/>
+          </p:cNvPicPr>
+          <p:nvPr/>
+        </p:nvPicPr>
+        <p:blipFill rotWithShape="1">
+          <a:blip r:embed="rId5">
+            <a:extLst>
+              <a:ext uri="{28A0092B-C50C-407E-A947-70E740481C1C}">
+                <a14:useLocalDpi xmlns:a14="http://schemas.microsoft.com/office/drawing/2010/main" val="0"/>
+              </a:ext>
+            </a:extLst>
+          </a:blip>
+          <a:srcRect l="5042" t="10782" r="3667" b="2660"/>
+          <a:stretch/>
+        </p:blipFill>
+        <p:spPr>
+          <a:xfrm>
+            <a:off x="8033249" y="2171700"/>
+            <a:ext cx="4158752" cy="4575175"/>
+          </a:xfrm>
+          <a:prstGeom prst="rect">
+            <a:avLst/>
+          </a:prstGeom>
+        </p:spPr>
+      </p:pic>
+    </p:spTree>
+    <p:extLst>
+      <p:ext uri="{BB962C8B-B14F-4D97-AF65-F5344CB8AC3E}">
+        <p14:creationId xmlns:p14="http://schemas.microsoft.com/office/powerpoint/2010/main" val="3010132014"/>
+      </p:ext>
+    </p:extLst>
+  </p:cSld>
+  <p:clrMapOvr>
+    <a:masterClrMapping/>
+  </p:clrMapOvr>
+</p:sld>
+</file>
+
+<file path=ppt/slides/slide14.xml><?xml version="1.0" encoding="utf-8"?>
+<p:sld xmlns:a="http://schemas.openxmlformats.org/drawingml/2006/main" xmlns:r="http://schemas.openxmlformats.org/officeDocument/2006/relationships" xmlns:p="http://schemas.openxmlformats.org/presentationml/2006/main">
+  <p:cSld>
+    <p:spTree>
+      <p:nvGrpSpPr>
+        <p:cNvPr id="1" name=""/>
+        <p:cNvGrpSpPr/>
+        <p:nvPr/>
+      </p:nvGrpSpPr>
+      <p:grpSpPr>
+        <a:xfrm>
+          <a:off x="0" y="0"/>
+          <a:ext cx="0" cy="0"/>
+          <a:chOff x="0" y="0"/>
+          <a:chExt cx="0" cy="0"/>
+        </a:xfrm>
+      </p:grpSpPr>
+      <p:sp>
+        <p:nvSpPr>
+          <p:cNvPr id="2" name="Title 1">
+            <a:extLst>
+              <a:ext uri="{FF2B5EF4-FFF2-40B4-BE49-F238E27FC236}">
+                <a16:creationId xmlns:a16="http://schemas.microsoft.com/office/drawing/2014/main" id="{CE724747-9F56-4418-90B1-3B3E45C2902F}"/>
+              </a:ext>
+            </a:extLst>
+          </p:cNvPr>
+          <p:cNvSpPr>
+            <a:spLocks noGrp="1"/>
+          </p:cNvSpPr>
+          <p:nvPr>
+            <p:ph type="title"/>
+          </p:nvPr>
+        </p:nvSpPr>
+        <p:spPr/>
+        <p:txBody>
+          <a:bodyPr/>
+          <a:lstStyle/>
+          <a:p>
+            <a:pPr algn="ctr"/>
+            <a:r>
+              <a:rPr lang="en-US" u="sng" dirty="0"/>
+              <a:t>Software : Android App</a:t>
+            </a:r>
+            <a:endParaRPr lang="LID4096" u="sng" dirty="0"/>
+          </a:p>
+        </p:txBody>
+      </p:sp>
+      <p:pic>
+        <p:nvPicPr>
+          <p:cNvPr id="7" name="Picture 6" descr="A close up of a piano&#10;&#10;Description automatically generated">
+            <a:extLst>
+              <a:ext uri="{FF2B5EF4-FFF2-40B4-BE49-F238E27FC236}">
+                <a16:creationId xmlns:a16="http://schemas.microsoft.com/office/drawing/2014/main" id="{E4D328D0-CCA2-4452-B1A8-C49A39F89950}"/>
+              </a:ext>
+            </a:extLst>
+          </p:cNvPr>
+          <p:cNvPicPr>
+            <a:picLocks noChangeAspect="1"/>
+          </p:cNvPicPr>
+          <p:nvPr/>
+        </p:nvPicPr>
+        <p:blipFill>
+          <a:blip r:embed="rId3">
+            <a:extLst>
+              <a:ext uri="{28A0092B-C50C-407E-A947-70E740481C1C}">
+                <a14:useLocalDpi xmlns:a14="http://schemas.microsoft.com/office/drawing/2010/main" val="0"/>
+              </a:ext>
+            </a:extLst>
+          </a:blip>
+          <a:stretch>
+            <a:fillRect/>
+          </a:stretch>
+        </p:blipFill>
+        <p:spPr>
+          <a:xfrm>
+            <a:off x="2285229" y="1690688"/>
+            <a:ext cx="7621541" cy="4853654"/>
+          </a:xfrm>
+          <a:prstGeom prst="rect">
+            <a:avLst/>
+          </a:prstGeom>
+        </p:spPr>
+      </p:pic>
+    </p:spTree>
+    <p:extLst>
+      <p:ext uri="{BB962C8B-B14F-4D97-AF65-F5344CB8AC3E}">
+        <p14:creationId xmlns:p14="http://schemas.microsoft.com/office/powerpoint/2010/main" val="3999368402"/>
+      </p:ext>
+    </p:extLst>
+  </p:cSld>
+  <p:clrMapOvr>
+    <a:masterClrMapping/>
+  </p:clrMapOvr>
+</p:sld>
+</file>
+
+<file path=ppt/slides/slide15.xml><?xml version="1.0" encoding="utf-8"?>
+<p:sld xmlns:a="http://schemas.openxmlformats.org/drawingml/2006/main" xmlns:r="http://schemas.openxmlformats.org/officeDocument/2006/relationships" xmlns:p="http://schemas.openxmlformats.org/presentationml/2006/main">
+  <p:cSld>
+    <p:spTree>
+      <p:nvGrpSpPr>
+        <p:cNvPr id="1" name=""/>
+        <p:cNvGrpSpPr/>
+        <p:nvPr/>
+      </p:nvGrpSpPr>
+      <p:grpSpPr>
+        <a:xfrm>
+          <a:off x="0" y="0"/>
+          <a:ext cx="0" cy="0"/>
+          <a:chOff x="0" y="0"/>
+          <a:chExt cx="0" cy="0"/>
+        </a:xfrm>
+      </p:grpSpPr>
+      <p:sp>
+        <p:nvSpPr>
+          <p:cNvPr id="2" name="Title 1">
+            <a:extLst>
+              <a:ext uri="{FF2B5EF4-FFF2-40B4-BE49-F238E27FC236}">
+                <a16:creationId xmlns:a16="http://schemas.microsoft.com/office/drawing/2014/main" id="{CE724747-9F56-4418-90B1-3B3E45C2902F}"/>
+              </a:ext>
+            </a:extLst>
+          </p:cNvPr>
+          <p:cNvSpPr>
+            <a:spLocks noGrp="1"/>
+          </p:cNvSpPr>
+          <p:nvPr>
+            <p:ph type="title"/>
+          </p:nvPr>
+        </p:nvSpPr>
+        <p:spPr/>
+        <p:txBody>
+          <a:bodyPr/>
+          <a:lstStyle/>
+          <a:p>
+            <a:pPr algn="ctr"/>
+            <a:r>
+              <a:rPr lang="en-US" u="sng" dirty="0"/>
+              <a:t>Software : Android App</a:t>
+            </a:r>
+            <a:endParaRPr lang="LID4096" u="sng" dirty="0"/>
+          </a:p>
+        </p:txBody>
+      </p:sp>
+      <p:pic>
+        <p:nvPicPr>
+          <p:cNvPr id="4" name="Picture 3" descr="A screenshot of a cell phone&#10;&#10;Description automatically generated">
+            <a:extLst>
+              <a:ext uri="{FF2B5EF4-FFF2-40B4-BE49-F238E27FC236}">
+                <a16:creationId xmlns:a16="http://schemas.microsoft.com/office/drawing/2014/main" id="{5A0A01FB-160C-46EF-948E-8F4309734831}"/>
+              </a:ext>
+            </a:extLst>
+          </p:cNvPr>
+          <p:cNvPicPr>
+            <a:picLocks noChangeAspect="1"/>
+          </p:cNvPicPr>
+          <p:nvPr/>
+        </p:nvPicPr>
+        <p:blipFill>
+          <a:blip r:embed="rId3">
+            <a:extLst>
+              <a:ext uri="{28A0092B-C50C-407E-A947-70E740481C1C}">
+                <a14:useLocalDpi xmlns:a14="http://schemas.microsoft.com/office/drawing/2010/main" val="0"/>
+              </a:ext>
+            </a:extLst>
+          </a:blip>
+          <a:stretch>
+            <a:fillRect/>
+          </a:stretch>
+        </p:blipFill>
+        <p:spPr>
+          <a:xfrm>
+            <a:off x="2614126" y="1690688"/>
+            <a:ext cx="6963747" cy="4477375"/>
+          </a:xfrm>
+          <a:prstGeom prst="rect">
+            <a:avLst/>
+          </a:prstGeom>
+        </p:spPr>
+      </p:pic>
+    </p:spTree>
+    <p:extLst>
+      <p:ext uri="{BB962C8B-B14F-4D97-AF65-F5344CB8AC3E}">
+        <p14:creationId xmlns:p14="http://schemas.microsoft.com/office/powerpoint/2010/main" val="3943942816"/>
+      </p:ext>
+    </p:extLst>
+  </p:cSld>
+  <p:clrMapOvr>
+    <a:masterClrMapping/>
+  </p:clrMapOvr>
+</p:sld>
+</file>
+
+<file path=ppt/slides/slide16.xml><?xml version="1.0" encoding="utf-8"?>
+<p:sld xmlns:a="http://schemas.openxmlformats.org/drawingml/2006/main" xmlns:r="http://schemas.openxmlformats.org/officeDocument/2006/relationships" xmlns:p="http://schemas.openxmlformats.org/presentationml/2006/main">
+  <p:cSld>
+    <p:spTree>
+      <p:nvGrpSpPr>
+        <p:cNvPr id="1" name=""/>
+        <p:cNvGrpSpPr/>
+        <p:nvPr/>
+      </p:nvGrpSpPr>
+      <p:grpSpPr>
+        <a:xfrm>
+          <a:off x="0" y="0"/>
+          <a:ext cx="0" cy="0"/>
+          <a:chOff x="0" y="0"/>
+          <a:chExt cx="0" cy="0"/>
+        </a:xfrm>
+      </p:grpSpPr>
+      <p:sp>
+        <p:nvSpPr>
+          <p:cNvPr id="2" name="Title 1">
+            <a:extLst>
+              <a:ext uri="{FF2B5EF4-FFF2-40B4-BE49-F238E27FC236}">
+                <a16:creationId xmlns:a16="http://schemas.microsoft.com/office/drawing/2014/main" id="{CE724747-9F56-4418-90B1-3B3E45C2902F}"/>
+              </a:ext>
+            </a:extLst>
+          </p:cNvPr>
+          <p:cNvSpPr>
+            <a:spLocks noGrp="1"/>
+          </p:cNvSpPr>
+          <p:nvPr>
+            <p:ph type="title"/>
+          </p:nvPr>
+        </p:nvSpPr>
+        <p:spPr/>
+        <p:txBody>
+          <a:bodyPr/>
+          <a:lstStyle/>
+          <a:p>
+            <a:pPr algn="ctr"/>
+            <a:r>
+              <a:rPr lang="en-US" u="sng" dirty="0"/>
+              <a:t>Software : Android App</a:t>
+            </a:r>
+            <a:endParaRPr lang="LID4096" u="sng" dirty="0"/>
+          </a:p>
+        </p:txBody>
+      </p:sp>
+      <p:pic>
+        <p:nvPicPr>
+          <p:cNvPr id="7" name="Picture 6" descr="A close up of a piano&#10;&#10;Description automatically generated">
+            <a:extLst>
+              <a:ext uri="{FF2B5EF4-FFF2-40B4-BE49-F238E27FC236}">
+                <a16:creationId xmlns:a16="http://schemas.microsoft.com/office/drawing/2014/main" id="{E4D328D0-CCA2-4452-B1A8-C49A39F89950}"/>
+              </a:ext>
+            </a:extLst>
+          </p:cNvPr>
+          <p:cNvPicPr>
+            <a:picLocks noChangeAspect="1"/>
+          </p:cNvPicPr>
+          <p:nvPr/>
+        </p:nvPicPr>
+        <p:blipFill>
+          <a:blip r:embed="rId3">
+            <a:extLst>
+              <a:ext uri="{28A0092B-C50C-407E-A947-70E740481C1C}">
+                <a14:useLocalDpi xmlns:a14="http://schemas.microsoft.com/office/drawing/2010/main" val="0"/>
+              </a:ext>
+            </a:extLst>
+          </a:blip>
+          <a:stretch>
+            <a:fillRect/>
+          </a:stretch>
+        </p:blipFill>
+        <p:spPr>
+          <a:xfrm>
+            <a:off x="2285229" y="1690688"/>
+            <a:ext cx="7621541" cy="4853654"/>
+          </a:xfrm>
+          <a:prstGeom prst="rect">
+            <a:avLst/>
+          </a:prstGeom>
+        </p:spPr>
+      </p:pic>
+      <p:pic>
+        <p:nvPicPr>
+          <p:cNvPr id="3" name="Picture 2">
+            <a:extLst>
+              <a:ext uri="{FF2B5EF4-FFF2-40B4-BE49-F238E27FC236}">
+                <a16:creationId xmlns:a16="http://schemas.microsoft.com/office/drawing/2014/main" id="{4F2F3524-90DD-4500-915B-B83414AD1BAA}"/>
+              </a:ext>
+            </a:extLst>
+          </p:cNvPr>
+          <p:cNvPicPr>
+            <a:picLocks noChangeAspect="1"/>
+          </p:cNvPicPr>
+          <p:nvPr/>
+        </p:nvPicPr>
+        <p:blipFill>
+          <a:blip r:embed="rId4"/>
+          <a:stretch>
+            <a:fillRect/>
+          </a:stretch>
+        </p:blipFill>
+        <p:spPr>
+          <a:xfrm>
+            <a:off x="5600365" y="1683702"/>
+            <a:ext cx="2482154" cy="2610202"/>
+          </a:xfrm>
+          <a:prstGeom prst="rect">
+            <a:avLst/>
+          </a:prstGeom>
+        </p:spPr>
+      </p:pic>
+    </p:spTree>
+    <p:extLst>
+      <p:ext uri="{BB962C8B-B14F-4D97-AF65-F5344CB8AC3E}">
+        <p14:creationId xmlns:p14="http://schemas.microsoft.com/office/powerpoint/2010/main" val="1699049893"/>
+      </p:ext>
+    </p:extLst>
+  </p:cSld>
+  <p:clrMapOvr>
+    <a:masterClrMapping/>
+  </p:clrMapOvr>
+</p:sld>
+</file>
+
+<file path=ppt/slides/slide17.xml><?xml version="1.0" encoding="utf-8"?>
+<p:sld xmlns:a="http://schemas.openxmlformats.org/drawingml/2006/main" xmlns:r="http://schemas.openxmlformats.org/officeDocument/2006/relationships" xmlns:p="http://schemas.openxmlformats.org/presentationml/2006/main">
+  <p:cSld>
+    <p:spTree>
+      <p:nvGrpSpPr>
+        <p:cNvPr id="1" name=""/>
+        <p:cNvGrpSpPr/>
+        <p:nvPr/>
+      </p:nvGrpSpPr>
+      <p:grpSpPr>
+        <a:xfrm>
+          <a:off x="0" y="0"/>
+          <a:ext cx="0" cy="0"/>
+          <a:chOff x="0" y="0"/>
+          <a:chExt cx="0" cy="0"/>
+        </a:xfrm>
+      </p:grpSpPr>
+      <p:sp>
+        <p:nvSpPr>
+          <p:cNvPr id="2" name="Title 1">
+            <a:extLst>
+              <a:ext uri="{FF2B5EF4-FFF2-40B4-BE49-F238E27FC236}">
                 <a16:creationId xmlns:a16="http://schemas.microsoft.com/office/drawing/2014/main" id="{2C86D2F3-F5BE-4239-B92C-CBEE326D28F0}"/>
               </a:ext>
             </a:extLst>
@@ -4135,51 +6415,17 @@
             <p:ph type="title"/>
           </p:nvPr>
         </p:nvSpPr>
-        <p:spPr>
-          <a:xfrm>
-            <a:off x="838200" y="365125"/>
-            <a:ext cx="10515600" cy="1325563"/>
-          </a:xfrm>
-        </p:spPr>
-        <p:txBody>
-          <a:bodyPr/>
-          <a:lstStyle/>
-          <a:p>
-            <a:r>
-              <a:rPr lang="fi-FI" dirty="0"/>
+        <p:spPr/>
+        <p:txBody>
+          <a:bodyPr/>
+          <a:lstStyle/>
+          <a:p>
+            <a:pPr algn="ctr"/>
+            <a:r>
+              <a:rPr lang="fi-FI" u="sng" dirty="0"/>
               <a:t>Hardware</a:t>
             </a:r>
-            <a:endParaRPr lang="en-FI" dirty="0"/>
-          </a:p>
-        </p:txBody>
-      </p:sp>
-      <p:sp>
-        <p:nvSpPr>
-          <p:cNvPr id="3" name="Content Placeholder 2">
-            <a:extLst>
-              <a:ext uri="{FF2B5EF4-FFF2-40B4-BE49-F238E27FC236}">
-                <a16:creationId xmlns:a16="http://schemas.microsoft.com/office/drawing/2014/main" id="{8144D2D5-C68D-4916-B69D-2B207352C8B3}"/>
-              </a:ext>
-            </a:extLst>
-          </p:cNvPr>
-          <p:cNvSpPr>
-            <a:spLocks noGrp="1"/>
-          </p:cNvSpPr>
-          <p:nvPr>
-            <p:ph idx="1"/>
-          </p:nvPr>
-        </p:nvSpPr>
-        <p:spPr>
-          <a:xfrm>
-            <a:off x="838200" y="1825625"/>
-            <a:ext cx="10515600" cy="4351338"/>
-          </a:xfrm>
-        </p:spPr>
-        <p:txBody>
-          <a:bodyPr/>
-          <a:lstStyle/>
-          <a:p>
-            <a:endParaRPr lang="en-FI"/>
+            <a:endParaRPr lang="en-FI" u="sng" dirty="0"/>
           </a:p>
         </p:txBody>
       </p:sp>
@@ -4198,7 +6444,7 @@
           <p:nvPr/>
         </p:nvPicPr>
         <p:blipFill>
-          <a:blip r:embed="rId2">
+          <a:blip r:embed="rId3">
             <a:extLst>
               <a:ext uri="{28A0092B-C50C-407E-A947-70E740481C1C}">
                 <a14:useLocalDpi xmlns:a14="http://schemas.microsoft.com/office/drawing/2010/main" val="0"/>
@@ -4212,7 +6458,7 @@
         </p:blipFill>
         <p:spPr bwMode="auto">
           <a:xfrm>
-            <a:off x="2389094" y="1907522"/>
+            <a:off x="2514600" y="1690688"/>
             <a:ext cx="7162800" cy="4029075"/>
           </a:xfrm>
           <a:prstGeom prst="rect">
@@ -4243,7 +6489,7 @@
 </p:sld>
 </file>
 
-<file path=ppt/slides/slide6.xml><?xml version="1.0" encoding="utf-8"?>
+<file path=ppt/slides/slide18.xml><?xml version="1.0" encoding="utf-8"?>
 <p:sld xmlns:a="http://schemas.openxmlformats.org/drawingml/2006/main" xmlns:r="http://schemas.openxmlformats.org/officeDocument/2006/relationships" xmlns:p="http://schemas.openxmlformats.org/presentationml/2006/main">
   <p:cSld>
     <p:spTree>
@@ -4260,31 +6506,6 @@
           <a:chExt cx="0" cy="0"/>
         </a:xfrm>
       </p:grpSpPr>
-      <p:sp>
-        <p:nvSpPr>
-          <p:cNvPr id="2" name="Title 1">
-            <a:extLst>
-              <a:ext uri="{FF2B5EF4-FFF2-40B4-BE49-F238E27FC236}">
-                <a16:creationId xmlns:a16="http://schemas.microsoft.com/office/drawing/2014/main" id="{2F5093B5-88EF-4506-9AC2-1FA16AB5DAF8}"/>
-              </a:ext>
-            </a:extLst>
-          </p:cNvPr>
-          <p:cNvSpPr>
-            <a:spLocks noGrp="1"/>
-          </p:cNvSpPr>
-          <p:nvPr>
-            <p:ph type="title"/>
-          </p:nvPr>
-        </p:nvSpPr>
-        <p:spPr/>
-        <p:txBody>
-          <a:bodyPr/>
-          <a:lstStyle/>
-          <a:p>
-            <a:endParaRPr lang="en-FI"/>
-          </a:p>
-        </p:txBody>
-      </p:sp>
       <p:pic>
         <p:nvPicPr>
           <p:cNvPr id="5122" name="Picture 2">
@@ -4302,7 +6523,7 @@
           </p:nvPr>
         </p:nvPicPr>
         <p:blipFill>
-          <a:blip r:embed="rId2">
+          <a:blip r:embed="rId3">
             <a:extLst>
               <a:ext uri="{28A0092B-C50C-407E-A947-70E740481C1C}">
                 <a14:useLocalDpi xmlns:a14="http://schemas.microsoft.com/office/drawing/2010/main" val="0"/>
@@ -4347,6 +6568,1005 @@
 </p:sld>
 </file>
 
+<file path=ppt/slides/slide19.xml><?xml version="1.0" encoding="utf-8"?>
+<p:sld xmlns:a="http://schemas.openxmlformats.org/drawingml/2006/main" xmlns:r="http://schemas.openxmlformats.org/officeDocument/2006/relationships" xmlns:p="http://schemas.openxmlformats.org/presentationml/2006/main">
+  <p:cSld>
+    <p:spTree>
+      <p:nvGrpSpPr>
+        <p:cNvPr id="1" name=""/>
+        <p:cNvGrpSpPr/>
+        <p:nvPr/>
+      </p:nvGrpSpPr>
+      <p:grpSpPr>
+        <a:xfrm>
+          <a:off x="0" y="0"/>
+          <a:ext cx="0" cy="0"/>
+          <a:chOff x="0" y="0"/>
+          <a:chExt cx="0" cy="0"/>
+        </a:xfrm>
+      </p:grpSpPr>
+      <p:sp>
+        <p:nvSpPr>
+          <p:cNvPr id="2" name="Title 1">
+            <a:extLst>
+              <a:ext uri="{FF2B5EF4-FFF2-40B4-BE49-F238E27FC236}">
+                <a16:creationId xmlns:a16="http://schemas.microsoft.com/office/drawing/2014/main" id="{2B60A7B9-EAC0-45F8-8C3D-DC5BFE88C30E}"/>
+              </a:ext>
+            </a:extLst>
+          </p:cNvPr>
+          <p:cNvSpPr>
+            <a:spLocks noGrp="1"/>
+          </p:cNvSpPr>
+          <p:nvPr>
+            <p:ph type="title"/>
+          </p:nvPr>
+        </p:nvSpPr>
+        <p:spPr/>
+        <p:txBody>
+          <a:bodyPr/>
+          <a:lstStyle/>
+          <a:p>
+            <a:pPr algn="ctr"/>
+            <a:r>
+              <a:rPr lang="en-US" u="sng" dirty="0"/>
+              <a:t>Why our product?</a:t>
+            </a:r>
+            <a:endParaRPr lang="LID4096" u="sng" dirty="0"/>
+          </a:p>
+        </p:txBody>
+      </p:sp>
+      <p:sp>
+        <p:nvSpPr>
+          <p:cNvPr id="3" name="Content Placeholder 2">
+            <a:extLst>
+              <a:ext uri="{FF2B5EF4-FFF2-40B4-BE49-F238E27FC236}">
+                <a16:creationId xmlns:a16="http://schemas.microsoft.com/office/drawing/2014/main" id="{02A094C4-0968-442F-9E32-C9E07E668E8E}"/>
+              </a:ext>
+            </a:extLst>
+          </p:cNvPr>
+          <p:cNvSpPr>
+            <a:spLocks noGrp="1"/>
+          </p:cNvSpPr>
+          <p:nvPr>
+            <p:ph idx="1"/>
+          </p:nvPr>
+        </p:nvSpPr>
+        <p:spPr>
+          <a:xfrm>
+            <a:off x="3290887" y="1685926"/>
+            <a:ext cx="5610225" cy="3670300"/>
+          </a:xfrm>
+        </p:spPr>
+        <p:txBody>
+          <a:bodyPr/>
+          <a:lstStyle/>
+          <a:p>
+            <a:r>
+              <a:rPr lang="en-US" dirty="0"/>
+              <a:t>Cheap</a:t>
+            </a:r>
+          </a:p>
+          <a:p>
+            <a:r>
+              <a:rPr lang="en-US" dirty="0"/>
+              <a:t>Portable</a:t>
+            </a:r>
+          </a:p>
+          <a:p>
+            <a:r>
+              <a:rPr lang="en-US" dirty="0"/>
+              <a:t>Versatile</a:t>
+            </a:r>
+          </a:p>
+          <a:p>
+            <a:r>
+              <a:rPr lang="en-US" dirty="0"/>
+              <a:t>Durable</a:t>
+            </a:r>
+          </a:p>
+          <a:p>
+            <a:r>
+              <a:rPr lang="en-US" dirty="0"/>
+              <a:t>Sound quality</a:t>
+            </a:r>
+          </a:p>
+          <a:p>
+            <a:r>
+              <a:rPr lang="en-US" dirty="0"/>
+              <a:t>Ease of use</a:t>
+            </a:r>
+          </a:p>
+          <a:p>
+            <a:endParaRPr lang="LID4096" dirty="0"/>
+          </a:p>
+        </p:txBody>
+      </p:sp>
+    </p:spTree>
+    <p:extLst>
+      <p:ext uri="{BB962C8B-B14F-4D97-AF65-F5344CB8AC3E}">
+        <p14:creationId xmlns:p14="http://schemas.microsoft.com/office/powerpoint/2010/main" val="1957921857"/>
+      </p:ext>
+    </p:extLst>
+  </p:cSld>
+  <p:clrMapOvr>
+    <a:masterClrMapping/>
+  </p:clrMapOvr>
+</p:sld>
+</file>
+
+<file path=ppt/slides/slide2.xml><?xml version="1.0" encoding="utf-8"?>
+<p:sld xmlns:a="http://schemas.openxmlformats.org/drawingml/2006/main" xmlns:r="http://schemas.openxmlformats.org/officeDocument/2006/relationships" xmlns:p="http://schemas.openxmlformats.org/presentationml/2006/main">
+  <p:cSld>
+    <p:spTree>
+      <p:nvGrpSpPr>
+        <p:cNvPr id="1" name=""/>
+        <p:cNvGrpSpPr/>
+        <p:nvPr/>
+      </p:nvGrpSpPr>
+      <p:grpSpPr>
+        <a:xfrm>
+          <a:off x="0" y="0"/>
+          <a:ext cx="0" cy="0"/>
+          <a:chOff x="0" y="0"/>
+          <a:chExt cx="0" cy="0"/>
+        </a:xfrm>
+      </p:grpSpPr>
+      <p:sp>
+        <p:nvSpPr>
+          <p:cNvPr id="2" name="Title 1">
+            <a:extLst>
+              <a:ext uri="{FF2B5EF4-FFF2-40B4-BE49-F238E27FC236}">
+                <a16:creationId xmlns:a16="http://schemas.microsoft.com/office/drawing/2014/main" id="{8F67D003-AB32-4DCA-9892-79988241CAB5}"/>
+              </a:ext>
+            </a:extLst>
+          </p:cNvPr>
+          <p:cNvSpPr>
+            <a:spLocks noGrp="1"/>
+          </p:cNvSpPr>
+          <p:nvPr>
+            <p:ph type="title"/>
+          </p:nvPr>
+        </p:nvSpPr>
+        <p:spPr/>
+        <p:txBody>
+          <a:bodyPr/>
+          <a:lstStyle/>
+          <a:p>
+            <a:endParaRPr lang="en-FI"/>
+          </a:p>
+        </p:txBody>
+      </p:sp>
+      <p:pic>
+        <p:nvPicPr>
+          <p:cNvPr id="4" name="Picture 6">
+            <a:extLst>
+              <a:ext uri="{FF2B5EF4-FFF2-40B4-BE49-F238E27FC236}">
+                <a16:creationId xmlns:a16="http://schemas.microsoft.com/office/drawing/2014/main" id="{EC2B99C0-FC50-470B-87AB-15294C3FAB79}"/>
+              </a:ext>
+            </a:extLst>
+          </p:cNvPr>
+          <p:cNvPicPr>
+            <a:picLocks noGrp="1" noChangeAspect="1" noChangeArrowheads="1"/>
+          </p:cNvPicPr>
+          <p:nvPr>
+            <p:ph idx="1"/>
+          </p:nvPr>
+        </p:nvPicPr>
+        <p:blipFill>
+          <a:blip r:embed="rId3">
+            <a:extLst>
+              <a:ext uri="{28A0092B-C50C-407E-A947-70E740481C1C}">
+                <a14:useLocalDpi xmlns:a14="http://schemas.microsoft.com/office/drawing/2010/main" val="0"/>
+              </a:ext>
+            </a:extLst>
+          </a:blip>
+          <a:stretch>
+            <a:fillRect/>
+          </a:stretch>
+        </p:blipFill>
+        <p:spPr bwMode="auto">
+          <a:xfrm>
+            <a:off x="1194703" y="2519950"/>
+            <a:ext cx="9802593" cy="2962688"/>
+          </a:xfrm>
+          <a:prstGeom prst="rect">
+            <a:avLst/>
+          </a:prstGeom>
+          <a:noFill/>
+          <a:extLst>
+            <a:ext uri="{909E8E84-426E-40DD-AFC4-6F175D3DCCD1}">
+              <a14:hiddenFill xmlns:a14="http://schemas.microsoft.com/office/drawing/2010/main">
+                <a:solidFill>
+                  <a:srgbClr val="FFFFFF"/>
+                </a:solidFill>
+              </a14:hiddenFill>
+            </a:ext>
+          </a:extLst>
+        </p:spPr>
+      </p:pic>
+    </p:spTree>
+    <p:extLst>
+      <p:ext uri="{BB962C8B-B14F-4D97-AF65-F5344CB8AC3E}">
+        <p14:creationId xmlns:p14="http://schemas.microsoft.com/office/powerpoint/2010/main" val="3474219700"/>
+      </p:ext>
+    </p:extLst>
+  </p:cSld>
+  <p:clrMapOvr>
+    <a:masterClrMapping/>
+  </p:clrMapOvr>
+  <mc:AlternateContent xmlns:mc="http://schemas.openxmlformats.org/markup-compatibility/2006" xmlns:p14="http://schemas.microsoft.com/office/powerpoint/2010/main">
+    <mc:Choice Requires="p14">
+      <p:transition spd="med" p14:dur="700">
+        <p:fade/>
+      </p:transition>
+    </mc:Choice>
+    <mc:Fallback xmlns="">
+      <p:transition spd="med">
+        <p:fade/>
+      </p:transition>
+    </mc:Fallback>
+  </mc:AlternateContent>
+</p:sld>
+</file>
+
+<file path=ppt/slides/slide20.xml><?xml version="1.0" encoding="utf-8"?>
+<p:sld xmlns:a="http://schemas.openxmlformats.org/drawingml/2006/main" xmlns:r="http://schemas.openxmlformats.org/officeDocument/2006/relationships" xmlns:p="http://schemas.openxmlformats.org/presentationml/2006/main">
+  <p:cSld>
+    <p:spTree>
+      <p:nvGrpSpPr>
+        <p:cNvPr id="1" name=""/>
+        <p:cNvGrpSpPr/>
+        <p:nvPr/>
+      </p:nvGrpSpPr>
+      <p:grpSpPr>
+        <a:xfrm>
+          <a:off x="0" y="0"/>
+          <a:ext cx="0" cy="0"/>
+          <a:chOff x="0" y="0"/>
+          <a:chExt cx="0" cy="0"/>
+        </a:xfrm>
+      </p:grpSpPr>
+      <p:sp>
+        <p:nvSpPr>
+          <p:cNvPr id="2" name="Title 1">
+            <a:extLst>
+              <a:ext uri="{FF2B5EF4-FFF2-40B4-BE49-F238E27FC236}">
+                <a16:creationId xmlns:a16="http://schemas.microsoft.com/office/drawing/2014/main" id="{8A254C14-FF6F-4972-94B6-D82DFBA05C43}"/>
+              </a:ext>
+            </a:extLst>
+          </p:cNvPr>
+          <p:cNvSpPr>
+            <a:spLocks noGrp="1"/>
+          </p:cNvSpPr>
+          <p:nvPr>
+            <p:ph type="title"/>
+          </p:nvPr>
+        </p:nvSpPr>
+        <p:spPr/>
+        <p:txBody>
+          <a:bodyPr/>
+          <a:lstStyle/>
+          <a:p>
+            <a:pPr algn="ctr"/>
+            <a:r>
+              <a:rPr lang="en-US" u="sng" dirty="0"/>
+              <a:t>What’s next?</a:t>
+            </a:r>
+            <a:endParaRPr lang="LID4096" u="sng" dirty="0"/>
+          </a:p>
+        </p:txBody>
+      </p:sp>
+      <p:sp>
+        <p:nvSpPr>
+          <p:cNvPr id="3" name="Content Placeholder 2">
+            <a:extLst>
+              <a:ext uri="{FF2B5EF4-FFF2-40B4-BE49-F238E27FC236}">
+                <a16:creationId xmlns:a16="http://schemas.microsoft.com/office/drawing/2014/main" id="{A5458345-2DB5-4A9F-AA56-67B100360A53}"/>
+              </a:ext>
+            </a:extLst>
+          </p:cNvPr>
+          <p:cNvSpPr>
+            <a:spLocks noGrp="1"/>
+          </p:cNvSpPr>
+          <p:nvPr>
+            <p:ph idx="1"/>
+          </p:nvPr>
+        </p:nvSpPr>
+        <p:spPr>
+          <a:xfrm>
+            <a:off x="2528887" y="1690688"/>
+            <a:ext cx="7134225" cy="4351338"/>
+          </a:xfrm>
+        </p:spPr>
+        <p:txBody>
+          <a:bodyPr/>
+          <a:lstStyle/>
+          <a:p>
+            <a:r>
+              <a:rPr lang="en-US" dirty="0"/>
+              <a:t>Interchangeable overlays</a:t>
+            </a:r>
+          </a:p>
+          <a:p>
+            <a:r>
+              <a:rPr lang="en-US" dirty="0"/>
+              <a:t>Daisy changing</a:t>
+            </a:r>
+          </a:p>
+          <a:p>
+            <a:r>
+              <a:rPr lang="en-US" dirty="0"/>
+              <a:t>Expandable song database</a:t>
+            </a:r>
+          </a:p>
+          <a:p>
+            <a:r>
+              <a:rPr lang="en-US" dirty="0"/>
+              <a:t>Expandable instrument database</a:t>
+            </a:r>
+          </a:p>
+          <a:p>
+            <a:endParaRPr lang="en-US" dirty="0"/>
+          </a:p>
+          <a:p>
+            <a:endParaRPr lang="LID4096" dirty="0"/>
+          </a:p>
+        </p:txBody>
+      </p:sp>
+    </p:spTree>
+    <p:extLst>
+      <p:ext uri="{BB962C8B-B14F-4D97-AF65-F5344CB8AC3E}">
+        <p14:creationId xmlns:p14="http://schemas.microsoft.com/office/powerpoint/2010/main" val="1503251573"/>
+      </p:ext>
+    </p:extLst>
+  </p:cSld>
+  <p:clrMapOvr>
+    <a:masterClrMapping/>
+  </p:clrMapOvr>
+</p:sld>
+</file>
+
+<file path=ppt/slides/slide3.xml><?xml version="1.0" encoding="utf-8"?>
+<p:sld xmlns:a="http://schemas.openxmlformats.org/drawingml/2006/main" xmlns:r="http://schemas.openxmlformats.org/officeDocument/2006/relationships" xmlns:p="http://schemas.openxmlformats.org/presentationml/2006/main">
+  <p:cSld>
+    <p:spTree>
+      <p:nvGrpSpPr>
+        <p:cNvPr id="1" name=""/>
+        <p:cNvGrpSpPr/>
+        <p:nvPr/>
+      </p:nvGrpSpPr>
+      <p:grpSpPr>
+        <a:xfrm>
+          <a:off x="0" y="0"/>
+          <a:ext cx="0" cy="0"/>
+          <a:chOff x="0" y="0"/>
+          <a:chExt cx="0" cy="0"/>
+        </a:xfrm>
+      </p:grpSpPr>
+      <p:sp>
+        <p:nvSpPr>
+          <p:cNvPr id="2" name="Title 1">
+            <a:extLst>
+              <a:ext uri="{FF2B5EF4-FFF2-40B4-BE49-F238E27FC236}">
+                <a16:creationId xmlns:a16="http://schemas.microsoft.com/office/drawing/2014/main" id="{EBF359EE-B6DA-4BE3-8A01-42F85F20D330}"/>
+              </a:ext>
+            </a:extLst>
+          </p:cNvPr>
+          <p:cNvSpPr>
+            <a:spLocks noGrp="1"/>
+          </p:cNvSpPr>
+          <p:nvPr>
+            <p:ph type="title"/>
+          </p:nvPr>
+        </p:nvSpPr>
+        <p:spPr/>
+        <p:txBody>
+          <a:bodyPr/>
+          <a:lstStyle/>
+          <a:p>
+            <a:endParaRPr lang="en-FI"/>
+          </a:p>
+        </p:txBody>
+      </p:sp>
+      <p:sp>
+        <p:nvSpPr>
+          <p:cNvPr id="3" name="Content Placeholder 2">
+            <a:extLst>
+              <a:ext uri="{FF2B5EF4-FFF2-40B4-BE49-F238E27FC236}">
+                <a16:creationId xmlns:a16="http://schemas.microsoft.com/office/drawing/2014/main" id="{57EE78E9-648D-4DFB-BA15-BCFD0E1F189F}"/>
+              </a:ext>
+            </a:extLst>
+          </p:cNvPr>
+          <p:cNvSpPr>
+            <a:spLocks noGrp="1"/>
+          </p:cNvSpPr>
+          <p:nvPr>
+            <p:ph idx="1"/>
+          </p:nvPr>
+        </p:nvSpPr>
+        <p:spPr/>
+        <p:txBody>
+          <a:bodyPr/>
+          <a:lstStyle/>
+          <a:p>
+            <a:endParaRPr lang="en-FI"/>
+          </a:p>
+        </p:txBody>
+      </p:sp>
+      <p:pic>
+        <p:nvPicPr>
+          <p:cNvPr id="2050" name="Picture 2">
+            <a:extLst>
+              <a:ext uri="{FF2B5EF4-FFF2-40B4-BE49-F238E27FC236}">
+                <a16:creationId xmlns:a16="http://schemas.microsoft.com/office/drawing/2014/main" id="{170506B9-6BFB-4343-8E66-52F32A3A680E}"/>
+              </a:ext>
+            </a:extLst>
+          </p:cNvPr>
+          <p:cNvPicPr>
+            <a:picLocks noChangeAspect="1" noChangeArrowheads="1"/>
+          </p:cNvPicPr>
+          <p:nvPr/>
+        </p:nvPicPr>
+        <p:blipFill>
+          <a:blip r:embed="rId3">
+            <a:extLst>
+              <a:ext uri="{28A0092B-C50C-407E-A947-70E740481C1C}">
+                <a14:useLocalDpi xmlns:a14="http://schemas.microsoft.com/office/drawing/2010/main" val="0"/>
+              </a:ext>
+            </a:extLst>
+          </a:blip>
+          <a:srcRect/>
+          <a:stretch>
+            <a:fillRect/>
+          </a:stretch>
+        </p:blipFill>
+        <p:spPr bwMode="auto">
+          <a:xfrm>
+            <a:off x="3881438" y="1857375"/>
+            <a:ext cx="4429125" cy="3143250"/>
+          </a:xfrm>
+          <a:prstGeom prst="rect">
+            <a:avLst/>
+          </a:prstGeom>
+          <a:noFill/>
+          <a:extLst>
+            <a:ext uri="{909E8E84-426E-40DD-AFC4-6F175D3DCCD1}">
+              <a14:hiddenFill xmlns:a14="http://schemas.microsoft.com/office/drawing/2010/main">
+                <a:solidFill>
+                  <a:srgbClr val="FFFFFF"/>
+                </a:solidFill>
+              </a14:hiddenFill>
+            </a:ext>
+          </a:extLst>
+        </p:spPr>
+      </p:pic>
+    </p:spTree>
+    <p:extLst>
+      <p:ext uri="{BB962C8B-B14F-4D97-AF65-F5344CB8AC3E}">
+        <p14:creationId xmlns:p14="http://schemas.microsoft.com/office/powerpoint/2010/main" val="2680733505"/>
+      </p:ext>
+    </p:extLst>
+  </p:cSld>
+  <p:clrMapOvr>
+    <a:masterClrMapping/>
+  </p:clrMapOvr>
+  <mc:AlternateContent xmlns:mc="http://schemas.openxmlformats.org/markup-compatibility/2006" xmlns:p14="http://schemas.microsoft.com/office/powerpoint/2010/main">
+    <mc:Choice Requires="p14">
+      <p:transition spd="med" p14:dur="700">
+        <p:fade/>
+      </p:transition>
+    </mc:Choice>
+    <mc:Fallback xmlns="">
+      <p:transition spd="med">
+        <p:fade/>
+      </p:transition>
+    </mc:Fallback>
+  </mc:AlternateContent>
+</p:sld>
+</file>
+
+<file path=ppt/slides/slide4.xml><?xml version="1.0" encoding="utf-8"?>
+<p:sld xmlns:a="http://schemas.openxmlformats.org/drawingml/2006/main" xmlns:r="http://schemas.openxmlformats.org/officeDocument/2006/relationships" xmlns:p="http://schemas.openxmlformats.org/presentationml/2006/main">
+  <p:cSld>
+    <p:bg>
+      <p:bgPr>
+        <a:solidFill>
+          <a:schemeClr val="bg1"/>
+        </a:solidFill>
+        <a:effectLst/>
+      </p:bgPr>
+    </p:bg>
+    <p:spTree>
+      <p:nvGrpSpPr>
+        <p:cNvPr id="1" name=""/>
+        <p:cNvGrpSpPr/>
+        <p:nvPr/>
+      </p:nvGrpSpPr>
+      <p:grpSpPr>
+        <a:xfrm>
+          <a:off x="0" y="0"/>
+          <a:ext cx="0" cy="0"/>
+          <a:chOff x="0" y="0"/>
+          <a:chExt cx="0" cy="0"/>
+        </a:xfrm>
+      </p:grpSpPr>
+      <p:sp>
+        <p:nvSpPr>
+          <p:cNvPr id="10" name="Rectangle 9">
+            <a:extLst>
+              <a:ext uri="{FF2B5EF4-FFF2-40B4-BE49-F238E27FC236}">
+                <a16:creationId xmlns:a16="http://schemas.microsoft.com/office/drawing/2014/main" id="{6753252F-4873-4F63-801D-CC719279A7D5}"/>
+              </a:ext>
+              <a:ext uri="{C183D7F6-B498-43B3-948B-1728B52AA6E4}">
+                <adec:decorative xmlns:adec="http://schemas.microsoft.com/office/drawing/2017/decorative" val="1"/>
+              </a:ext>
+            </a:extLst>
+          </p:cNvPr>
+          <p:cNvSpPr>
+            <a:spLocks noGrp="1" noRot="1" noChangeAspect="1" noMove="1" noResize="1" noEditPoints="1" noAdjustHandles="1" noChangeArrowheads="1" noChangeShapeType="1" noTextEdit="1"/>
+          </p:cNvSpPr>
+          <p:nvPr>
+            <p:extLst>
+              <p:ext uri="{386F3935-93C4-4BCD-93E2-E3B085C9AB24}">
+                <p16:designElem xmlns:p16="http://schemas.microsoft.com/office/powerpoint/2015/main" val="1"/>
+              </p:ext>
+            </p:extLst>
+          </p:nvPr>
+        </p:nvSpPr>
+        <p:spPr>
+          <a:xfrm>
+            <a:off x="0" y="0"/>
+            <a:ext cx="12192000" cy="6858000"/>
+          </a:xfrm>
+          <a:prstGeom prst="rect">
+            <a:avLst/>
+          </a:prstGeom>
+          <a:solidFill>
+            <a:srgbClr val="FFFFFF"/>
+          </a:solidFill>
+          <a:ln>
+            <a:noFill/>
+          </a:ln>
+        </p:spPr>
+        <p:style>
+          <a:lnRef idx="2">
+            <a:schemeClr val="accent1">
+              <a:shade val="50000"/>
+            </a:schemeClr>
+          </a:lnRef>
+          <a:fillRef idx="1">
+            <a:schemeClr val="accent1"/>
+          </a:fillRef>
+          <a:effectRef idx="0">
+            <a:schemeClr val="accent1"/>
+          </a:effectRef>
+          <a:fontRef idx="minor">
+            <a:schemeClr val="lt1"/>
+          </a:fontRef>
+        </p:style>
+        <p:txBody>
+          <a:bodyPr rtlCol="0" anchor="ctr"/>
+          <a:lstStyle/>
+          <a:p>
+            <a:pPr algn="ctr"/>
+            <a:endParaRPr lang="en-US"/>
+          </a:p>
+        </p:txBody>
+      </p:sp>
+      <p:sp>
+        <p:nvSpPr>
+          <p:cNvPr id="14" name="Rectangle 11">
+            <a:extLst>
+              <a:ext uri="{FF2B5EF4-FFF2-40B4-BE49-F238E27FC236}">
+                <a16:creationId xmlns:a16="http://schemas.microsoft.com/office/drawing/2014/main" id="{047C8CCB-F95D-4249-92DD-651249D3535A}"/>
+              </a:ext>
+              <a:ext uri="{C183D7F6-B498-43B3-948B-1728B52AA6E4}">
+                <adec:decorative xmlns:adec="http://schemas.microsoft.com/office/drawing/2017/decorative" val="1"/>
+              </a:ext>
+            </a:extLst>
+          </p:cNvPr>
+          <p:cNvSpPr>
+            <a:spLocks noGrp="1" noRot="1" noChangeAspect="1" noMove="1" noResize="1" noEditPoints="1" noAdjustHandles="1" noChangeArrowheads="1" noChangeShapeType="1" noTextEdit="1"/>
+          </p:cNvSpPr>
+          <p:nvPr>
+            <p:extLst>
+              <p:ext uri="{386F3935-93C4-4BCD-93E2-E3B085C9AB24}">
+                <p16:designElem xmlns:p16="http://schemas.microsoft.com/office/powerpoint/2015/main" val="1"/>
+              </p:ext>
+            </p:extLst>
+          </p:nvPr>
+        </p:nvSpPr>
+        <p:spPr>
+          <a:xfrm>
+            <a:off x="0" y="0"/>
+            <a:ext cx="2013557" cy="6858000"/>
+          </a:xfrm>
+          <a:prstGeom prst="rect">
+            <a:avLst/>
+          </a:prstGeom>
+          <a:solidFill>
+            <a:srgbClr val="7F7F7F"/>
+          </a:solidFill>
+          <a:ln>
+            <a:noFill/>
+          </a:ln>
+        </p:spPr>
+        <p:style>
+          <a:lnRef idx="2">
+            <a:schemeClr val="accent1">
+              <a:shade val="50000"/>
+            </a:schemeClr>
+          </a:lnRef>
+          <a:fillRef idx="1">
+            <a:schemeClr val="accent1"/>
+          </a:fillRef>
+          <a:effectRef idx="0">
+            <a:schemeClr val="accent1"/>
+          </a:effectRef>
+          <a:fontRef idx="minor">
+            <a:schemeClr val="lt1"/>
+          </a:fontRef>
+        </p:style>
+        <p:txBody>
+          <a:bodyPr rtlCol="0" anchor="ctr"/>
+          <a:lstStyle/>
+          <a:p>
+            <a:pPr algn="ctr"/>
+            <a:endParaRPr lang="en-US"/>
+          </a:p>
+        </p:txBody>
+      </p:sp>
+      <p:sp>
+        <p:nvSpPr>
+          <p:cNvPr id="5" name="TextBox 4">
+            <a:extLst>
+              <a:ext uri="{FF2B5EF4-FFF2-40B4-BE49-F238E27FC236}">
+                <a16:creationId xmlns:a16="http://schemas.microsoft.com/office/drawing/2014/main" id="{43C328F9-8819-437A-959E-B238FEF27D38}"/>
+              </a:ext>
+            </a:extLst>
+          </p:cNvPr>
+          <p:cNvSpPr txBox="1"/>
+          <p:nvPr/>
+        </p:nvSpPr>
+        <p:spPr>
+          <a:xfrm>
+            <a:off x="640080" y="2074363"/>
+            <a:ext cx="2752354" cy="2709275"/>
+          </a:xfrm>
+          <a:prstGeom prst="ellipse">
+            <a:avLst/>
+          </a:prstGeom>
+          <a:solidFill>
+            <a:srgbClr val="262626"/>
+          </a:solidFill>
+          <a:ln w="174625" cmpd="thinThick">
+            <a:solidFill>
+              <a:srgbClr val="262626"/>
+            </a:solidFill>
+          </a:ln>
+        </p:spPr>
+        <p:txBody>
+          <a:bodyPr vert="horz" lIns="91440" tIns="45720" rIns="91440" bIns="45720" rtlCol="0" anchor="ctr">
+            <a:normAutofit/>
+          </a:bodyPr>
+          <a:lstStyle/>
+          <a:p>
+            <a:pPr algn="ctr" defTabSz="914400">
+              <a:lnSpc>
+                <a:spcPct val="90000"/>
+              </a:lnSpc>
+              <a:spcBef>
+                <a:spcPct val="0"/>
+              </a:spcBef>
+              <a:spcAft>
+                <a:spcPts val="600"/>
+              </a:spcAft>
+            </a:pPr>
+            <a:r>
+              <a:rPr lang="en-US" sz="2600" kern="1200">
+                <a:solidFill>
+                  <a:srgbClr val="FFFFFF"/>
+                </a:solidFill>
+                <a:latin typeface="+mj-lt"/>
+                <a:ea typeface="+mj-ea"/>
+                <a:cs typeface="+mj-cs"/>
+              </a:rPr>
+              <a:t>Group 1</a:t>
+            </a:r>
+          </a:p>
+        </p:txBody>
+      </p:sp>
+      <p:pic>
+        <p:nvPicPr>
+          <p:cNvPr id="4" name="Picture 3" descr="A picture containing drawing&#10;&#10;Description automatically generated">
+            <a:extLst>
+              <a:ext uri="{FF2B5EF4-FFF2-40B4-BE49-F238E27FC236}">
+                <a16:creationId xmlns:a16="http://schemas.microsoft.com/office/drawing/2014/main" id="{CD75FFB2-D8C2-40BD-8225-F76C6D14FFDF}"/>
+              </a:ext>
+            </a:extLst>
+          </p:cNvPr>
+          <p:cNvPicPr>
+            <a:picLocks noChangeAspect="1"/>
+          </p:cNvPicPr>
+          <p:nvPr/>
+        </p:nvPicPr>
+        <p:blipFill rotWithShape="1">
+          <a:blip r:embed="rId3"/>
+          <a:srcRect t="6383" b="449"/>
+          <a:stretch/>
+        </p:blipFill>
+        <p:spPr>
+          <a:xfrm>
+            <a:off x="4038600" y="2079514"/>
+            <a:ext cx="7188199" cy="2695583"/>
+          </a:xfrm>
+          <a:prstGeom prst="rect">
+            <a:avLst/>
+          </a:prstGeom>
+        </p:spPr>
+      </p:pic>
+    </p:spTree>
+    <p:extLst>
+      <p:ext uri="{BB962C8B-B14F-4D97-AF65-F5344CB8AC3E}">
+        <p14:creationId xmlns:p14="http://schemas.microsoft.com/office/powerpoint/2010/main" val="1688422653"/>
+      </p:ext>
+    </p:extLst>
+  </p:cSld>
+  <p:clrMapOvr>
+    <a:masterClrMapping/>
+  </p:clrMapOvr>
+  <p:transition spd="slow">
+    <p:wipe/>
+  </p:transition>
+</p:sld>
+</file>
+
+<file path=ppt/slides/slide5.xml><?xml version="1.0" encoding="utf-8"?>
+<p:sld xmlns:a="http://schemas.openxmlformats.org/drawingml/2006/main" xmlns:r="http://schemas.openxmlformats.org/officeDocument/2006/relationships" xmlns:p="http://schemas.openxmlformats.org/presentationml/2006/main">
+  <p:cSld>
+    <p:spTree>
+      <p:nvGrpSpPr>
+        <p:cNvPr id="1" name=""/>
+        <p:cNvGrpSpPr/>
+        <p:nvPr/>
+      </p:nvGrpSpPr>
+      <p:grpSpPr>
+        <a:xfrm>
+          <a:off x="0" y="0"/>
+          <a:ext cx="0" cy="0"/>
+          <a:chOff x="0" y="0"/>
+          <a:chExt cx="0" cy="0"/>
+        </a:xfrm>
+      </p:grpSpPr>
+      <p:sp>
+        <p:nvSpPr>
+          <p:cNvPr id="2" name="Title 1">
+            <a:extLst>
+              <a:ext uri="{FF2B5EF4-FFF2-40B4-BE49-F238E27FC236}">
+                <a16:creationId xmlns:a16="http://schemas.microsoft.com/office/drawing/2014/main" id="{6262A4D4-E9B1-428B-A4CA-85301BFA300A}"/>
+              </a:ext>
+            </a:extLst>
+          </p:cNvPr>
+          <p:cNvSpPr>
+            <a:spLocks noGrp="1"/>
+          </p:cNvSpPr>
+          <p:nvPr>
+            <p:ph type="title"/>
+          </p:nvPr>
+        </p:nvSpPr>
+        <p:spPr/>
+        <p:txBody>
+          <a:bodyPr/>
+          <a:lstStyle/>
+          <a:p>
+            <a:endParaRPr lang="LID4096" dirty="0"/>
+          </a:p>
+        </p:txBody>
+      </p:sp>
+      <p:pic>
+        <p:nvPicPr>
+          <p:cNvPr id="5" name="Content Placeholder 4" descr="A close up of a piano&#10;&#10;Description automatically generated">
+            <a:extLst>
+              <a:ext uri="{FF2B5EF4-FFF2-40B4-BE49-F238E27FC236}">
+                <a16:creationId xmlns:a16="http://schemas.microsoft.com/office/drawing/2014/main" id="{17F093F9-ACF1-4E39-90EF-05C8E6308EFE}"/>
+              </a:ext>
+            </a:extLst>
+          </p:cNvPr>
+          <p:cNvPicPr>
+            <a:picLocks noGrp="1" noChangeAspect="1"/>
+          </p:cNvPicPr>
+          <p:nvPr>
+            <p:ph idx="1"/>
+          </p:nvPr>
+        </p:nvPicPr>
+        <p:blipFill>
+          <a:blip r:embed="rId3">
+            <a:extLst>
+              <a:ext uri="{28A0092B-C50C-407E-A947-70E740481C1C}">
+                <a14:useLocalDpi xmlns:a14="http://schemas.microsoft.com/office/drawing/2010/main" val="0"/>
+              </a:ext>
+            </a:extLst>
+          </a:blip>
+          <a:stretch>
+            <a:fillRect/>
+          </a:stretch>
+        </p:blipFill>
+        <p:spPr>
+          <a:xfrm>
+            <a:off x="1" y="2288907"/>
+            <a:ext cx="6096000" cy="3842017"/>
+          </a:xfrm>
+        </p:spPr>
+      </p:pic>
+      <p:pic>
+        <p:nvPicPr>
+          <p:cNvPr id="7" name="Picture 6" descr="A close up of a piano&#10;&#10;Description automatically generated">
+            <a:extLst>
+              <a:ext uri="{FF2B5EF4-FFF2-40B4-BE49-F238E27FC236}">
+                <a16:creationId xmlns:a16="http://schemas.microsoft.com/office/drawing/2014/main" id="{8611D902-AACD-4E37-B5A8-C91781867189}"/>
+              </a:ext>
+            </a:extLst>
+          </p:cNvPr>
+          <p:cNvPicPr>
+            <a:picLocks noChangeAspect="1"/>
+          </p:cNvPicPr>
+          <p:nvPr/>
+        </p:nvPicPr>
+        <p:blipFill>
+          <a:blip r:embed="rId4">
+            <a:extLst>
+              <a:ext uri="{28A0092B-C50C-407E-A947-70E740481C1C}">
+                <a14:useLocalDpi xmlns:a14="http://schemas.microsoft.com/office/drawing/2010/main" val="0"/>
+              </a:ext>
+            </a:extLst>
+          </a:blip>
+          <a:stretch>
+            <a:fillRect/>
+          </a:stretch>
+        </p:blipFill>
+        <p:spPr>
+          <a:xfrm>
+            <a:off x="6095999" y="2288907"/>
+            <a:ext cx="6096000" cy="3842017"/>
+          </a:xfrm>
+          <a:prstGeom prst="rect">
+            <a:avLst/>
+          </a:prstGeom>
+        </p:spPr>
+      </p:pic>
+    </p:spTree>
+    <p:extLst>
+      <p:ext uri="{BB962C8B-B14F-4D97-AF65-F5344CB8AC3E}">
+        <p14:creationId xmlns:p14="http://schemas.microsoft.com/office/powerpoint/2010/main" val="2907096719"/>
+      </p:ext>
+    </p:extLst>
+  </p:cSld>
+  <p:clrMapOvr>
+    <a:masterClrMapping/>
+  </p:clrMapOvr>
+</p:sld>
+</file>
+
+<file path=ppt/slides/slide6.xml><?xml version="1.0" encoding="utf-8"?>
+<p:sld xmlns:a="http://schemas.openxmlformats.org/drawingml/2006/main" xmlns:r="http://schemas.openxmlformats.org/officeDocument/2006/relationships" xmlns:p="http://schemas.openxmlformats.org/presentationml/2006/main">
+  <p:cSld>
+    <p:spTree>
+      <p:nvGrpSpPr>
+        <p:cNvPr id="1" name=""/>
+        <p:cNvGrpSpPr/>
+        <p:nvPr/>
+      </p:nvGrpSpPr>
+      <p:grpSpPr>
+        <a:xfrm>
+          <a:off x="0" y="0"/>
+          <a:ext cx="0" cy="0"/>
+          <a:chOff x="0" y="0"/>
+          <a:chExt cx="0" cy="0"/>
+        </a:xfrm>
+      </p:grpSpPr>
+      <p:sp>
+        <p:nvSpPr>
+          <p:cNvPr id="2" name="Title 1">
+            <a:extLst>
+              <a:ext uri="{FF2B5EF4-FFF2-40B4-BE49-F238E27FC236}">
+                <a16:creationId xmlns:a16="http://schemas.microsoft.com/office/drawing/2014/main" id="{BE54C2F3-28A2-4263-87CA-C5EC548C0D71}"/>
+              </a:ext>
+            </a:extLst>
+          </p:cNvPr>
+          <p:cNvSpPr>
+            <a:spLocks noGrp="1"/>
+          </p:cNvSpPr>
+          <p:nvPr>
+            <p:ph type="title"/>
+          </p:nvPr>
+        </p:nvSpPr>
+        <p:spPr/>
+        <p:txBody>
+          <a:bodyPr/>
+          <a:lstStyle/>
+          <a:p>
+            <a:pPr algn="ctr"/>
+            <a:r>
+              <a:rPr lang="en-US" u="sng" dirty="0"/>
+              <a:t>Target Market</a:t>
+            </a:r>
+            <a:endParaRPr lang="LID4096" u="sng" dirty="0"/>
+          </a:p>
+        </p:txBody>
+      </p:sp>
+      <p:sp>
+        <p:nvSpPr>
+          <p:cNvPr id="3" name="Content Placeholder 2">
+            <a:extLst>
+              <a:ext uri="{FF2B5EF4-FFF2-40B4-BE49-F238E27FC236}">
+                <a16:creationId xmlns:a16="http://schemas.microsoft.com/office/drawing/2014/main" id="{3B12ABEF-48BD-4627-9735-9ECCC149877B}"/>
+              </a:ext>
+            </a:extLst>
+          </p:cNvPr>
+          <p:cNvSpPr>
+            <a:spLocks noGrp="1"/>
+          </p:cNvSpPr>
+          <p:nvPr>
+            <p:ph idx="1"/>
+          </p:nvPr>
+        </p:nvSpPr>
+        <p:spPr>
+          <a:xfrm>
+            <a:off x="2757487" y="1825625"/>
+            <a:ext cx="6677025" cy="2413000"/>
+          </a:xfrm>
+        </p:spPr>
+        <p:txBody>
+          <a:bodyPr/>
+          <a:lstStyle/>
+          <a:p>
+            <a:r>
+              <a:rPr lang="en-US" dirty="0"/>
+              <a:t>Musicians</a:t>
+            </a:r>
+          </a:p>
+          <a:p>
+            <a:r>
+              <a:rPr lang="en-US" dirty="0"/>
+              <a:t>Beginners</a:t>
+            </a:r>
+          </a:p>
+          <a:p>
+            <a:r>
+              <a:rPr lang="en-US" dirty="0"/>
+              <a:t>Travelers</a:t>
+            </a:r>
+          </a:p>
+          <a:p>
+            <a:r>
+              <a:rPr lang="en-US" dirty="0"/>
+              <a:t>Children</a:t>
+            </a:r>
+          </a:p>
+          <a:p>
+            <a:pPr marL="0" indent="0">
+              <a:buNone/>
+            </a:pPr>
+            <a:endParaRPr lang="en-US" dirty="0"/>
+          </a:p>
+          <a:p>
+            <a:endParaRPr lang="LID4096" dirty="0"/>
+          </a:p>
+        </p:txBody>
+      </p:sp>
+    </p:spTree>
+    <p:extLst>
+      <p:ext uri="{BB962C8B-B14F-4D97-AF65-F5344CB8AC3E}">
+        <p14:creationId xmlns:p14="http://schemas.microsoft.com/office/powerpoint/2010/main" val="43489574"/>
+      </p:ext>
+    </p:extLst>
+  </p:cSld>
+  <p:clrMapOvr>
+    <a:masterClrMapping/>
+  </p:clrMapOvr>
+</p:sld>
+</file>
+
 <file path=ppt/slides/slide7.xml><?xml version="1.0" encoding="utf-8"?>
 <p:sld xmlns:a="http://schemas.openxmlformats.org/drawingml/2006/main" xmlns:r="http://schemas.openxmlformats.org/officeDocument/2006/relationships" xmlns:p="http://schemas.openxmlformats.org/presentationml/2006/main">
   <p:cSld>
@@ -4369,7 +7589,7 @@
           <p:cNvPr id="2" name="Title 1">
             <a:extLst>
               <a:ext uri="{FF2B5EF4-FFF2-40B4-BE49-F238E27FC236}">
-                <a16:creationId xmlns:a16="http://schemas.microsoft.com/office/drawing/2014/main" id="{BABDEA4D-A39E-4577-A7A8-3232A9D28943}"/>
+                <a16:creationId xmlns:a16="http://schemas.microsoft.com/office/drawing/2014/main" id="{CE724747-9F56-4418-90B1-3B3E45C2902F}"/>
               </a:ext>
             </a:extLst>
           </p:cNvPr>
@@ -4385,43 +7605,319 @@
           <a:bodyPr/>
           <a:lstStyle/>
           <a:p>
-            <a:r>
-              <a:rPr lang="fi-FI" dirty="0"/>
-              <a:t>Who</a:t>
-            </a:r>
-            <a:endParaRPr lang="en-FI" dirty="0"/>
-          </a:p>
-        </p:txBody>
-      </p:sp>
-      <p:sp>
-        <p:nvSpPr>
-          <p:cNvPr id="3" name="Content Placeholder 2">
+            <a:pPr algn="ctr"/>
+            <a:r>
+              <a:rPr lang="en-US" u="sng" dirty="0"/>
+              <a:t>Software : Desktop App</a:t>
+            </a:r>
+            <a:endParaRPr lang="LID4096" u="sng" dirty="0"/>
+          </a:p>
+        </p:txBody>
+      </p:sp>
+      <p:pic>
+        <p:nvPicPr>
+          <p:cNvPr id="17" name="Picture 16" descr="A close up of a piano&#10;&#10;Description automatically generated">
             <a:extLst>
               <a:ext uri="{FF2B5EF4-FFF2-40B4-BE49-F238E27FC236}">
-                <a16:creationId xmlns:a16="http://schemas.microsoft.com/office/drawing/2014/main" id="{92B64BEA-5721-4364-BE58-70F4C144FA71}"/>
+                <a16:creationId xmlns:a16="http://schemas.microsoft.com/office/drawing/2014/main" id="{62736AD3-5C5D-4921-92CC-AC5B3A8C3DA1}"/>
               </a:ext>
             </a:extLst>
           </p:cNvPr>
-          <p:cNvSpPr>
-            <a:spLocks noGrp="1"/>
-          </p:cNvSpPr>
-          <p:nvPr>
-            <p:ph idx="1"/>
-          </p:nvPr>
-        </p:nvSpPr>
-        <p:spPr/>
-        <p:txBody>
-          <a:bodyPr/>
-          <a:lstStyle/>
-          <a:p>
-            <a:endParaRPr lang="en-FI" dirty="0"/>
-          </a:p>
-        </p:txBody>
-      </p:sp>
+          <p:cNvPicPr>
+            <a:picLocks noChangeAspect="1"/>
+          </p:cNvPicPr>
+          <p:nvPr/>
+        </p:nvPicPr>
+        <p:blipFill>
+          <a:blip r:embed="rId3">
+            <a:extLst>
+              <a:ext uri="{28A0092B-C50C-407E-A947-70E740481C1C}">
+                <a14:useLocalDpi xmlns:a14="http://schemas.microsoft.com/office/drawing/2010/main" val="0"/>
+              </a:ext>
+            </a:extLst>
+          </a:blip>
+          <a:stretch>
+            <a:fillRect/>
+          </a:stretch>
+        </p:blipFill>
+        <p:spPr>
+          <a:xfrm>
+            <a:off x="2358204" y="1690688"/>
+            <a:ext cx="7475591" cy="5045724"/>
+          </a:xfrm>
+          <a:prstGeom prst="rect">
+            <a:avLst/>
+          </a:prstGeom>
+        </p:spPr>
+      </p:pic>
     </p:spTree>
     <p:extLst>
       <p:ext uri="{BB962C8B-B14F-4D97-AF65-F5344CB8AC3E}">
-        <p14:creationId xmlns:p14="http://schemas.microsoft.com/office/powerpoint/2010/main" val="631080915"/>
+        <p14:creationId xmlns:p14="http://schemas.microsoft.com/office/powerpoint/2010/main" val="3039074158"/>
+      </p:ext>
+    </p:extLst>
+  </p:cSld>
+  <p:clrMapOvr>
+    <a:masterClrMapping/>
+  </p:clrMapOvr>
+</p:sld>
+</file>
+
+<file path=ppt/slides/slide8.xml><?xml version="1.0" encoding="utf-8"?>
+<p:sld xmlns:a="http://schemas.openxmlformats.org/drawingml/2006/main" xmlns:r="http://schemas.openxmlformats.org/officeDocument/2006/relationships" xmlns:p="http://schemas.openxmlformats.org/presentationml/2006/main">
+  <p:cSld>
+    <p:spTree>
+      <p:nvGrpSpPr>
+        <p:cNvPr id="1" name=""/>
+        <p:cNvGrpSpPr/>
+        <p:nvPr/>
+      </p:nvGrpSpPr>
+      <p:grpSpPr>
+        <a:xfrm>
+          <a:off x="0" y="0"/>
+          <a:ext cx="0" cy="0"/>
+          <a:chOff x="0" y="0"/>
+          <a:chExt cx="0" cy="0"/>
+        </a:xfrm>
+      </p:grpSpPr>
+      <p:sp>
+        <p:nvSpPr>
+          <p:cNvPr id="2" name="Title 1">
+            <a:extLst>
+              <a:ext uri="{FF2B5EF4-FFF2-40B4-BE49-F238E27FC236}">
+                <a16:creationId xmlns:a16="http://schemas.microsoft.com/office/drawing/2014/main" id="{CE724747-9F56-4418-90B1-3B3E45C2902F}"/>
+              </a:ext>
+            </a:extLst>
+          </p:cNvPr>
+          <p:cNvSpPr>
+            <a:spLocks noGrp="1"/>
+          </p:cNvSpPr>
+          <p:nvPr>
+            <p:ph type="title"/>
+          </p:nvPr>
+        </p:nvSpPr>
+        <p:spPr/>
+        <p:txBody>
+          <a:bodyPr/>
+          <a:lstStyle/>
+          <a:p>
+            <a:pPr algn="ctr"/>
+            <a:r>
+              <a:rPr lang="en-US" u="sng" dirty="0"/>
+              <a:t>Software : Desktop App</a:t>
+            </a:r>
+            <a:endParaRPr lang="LID4096" u="sng" dirty="0"/>
+          </a:p>
+        </p:txBody>
+      </p:sp>
+      <p:pic>
+        <p:nvPicPr>
+          <p:cNvPr id="9" name="Picture 8" descr="A close up of a piano&#10;&#10;Description automatically generated">
+            <a:extLst>
+              <a:ext uri="{FF2B5EF4-FFF2-40B4-BE49-F238E27FC236}">
+                <a16:creationId xmlns:a16="http://schemas.microsoft.com/office/drawing/2014/main" id="{22740F50-C04A-4F85-8082-E6B316D3B4ED}"/>
+              </a:ext>
+            </a:extLst>
+          </p:cNvPr>
+          <p:cNvPicPr>
+            <a:picLocks noChangeAspect="1"/>
+          </p:cNvPicPr>
+          <p:nvPr/>
+        </p:nvPicPr>
+        <p:blipFill>
+          <a:blip r:embed="rId3">
+            <a:extLst>
+              <a:ext uri="{28A0092B-C50C-407E-A947-70E740481C1C}">
+                <a14:useLocalDpi xmlns:a14="http://schemas.microsoft.com/office/drawing/2010/main" val="0"/>
+              </a:ext>
+            </a:extLst>
+          </a:blip>
+          <a:stretch>
+            <a:fillRect/>
+          </a:stretch>
+        </p:blipFill>
+        <p:spPr>
+          <a:xfrm>
+            <a:off x="2358204" y="1690688"/>
+            <a:ext cx="7475591" cy="5041887"/>
+          </a:xfrm>
+          <a:prstGeom prst="rect">
+            <a:avLst/>
+          </a:prstGeom>
+        </p:spPr>
+      </p:pic>
+      <p:pic>
+        <p:nvPicPr>
+          <p:cNvPr id="11" name="Picture 10" descr="A screenshot of a cell phone&#10;&#10;Description automatically generated">
+            <a:extLst>
+              <a:ext uri="{FF2B5EF4-FFF2-40B4-BE49-F238E27FC236}">
+                <a16:creationId xmlns:a16="http://schemas.microsoft.com/office/drawing/2014/main" id="{2944B99F-3FA9-4F94-997B-80286403169A}"/>
+              </a:ext>
+            </a:extLst>
+          </p:cNvPr>
+          <p:cNvPicPr>
+            <a:picLocks noChangeAspect="1"/>
+          </p:cNvPicPr>
+          <p:nvPr/>
+        </p:nvPicPr>
+        <p:blipFill>
+          <a:blip r:embed="rId4">
+            <a:extLst>
+              <a:ext uri="{28A0092B-C50C-407E-A947-70E740481C1C}">
+                <a14:useLocalDpi xmlns:a14="http://schemas.microsoft.com/office/drawing/2010/main" val="0"/>
+              </a:ext>
+            </a:extLst>
+          </a:blip>
+          <a:stretch>
+            <a:fillRect/>
+          </a:stretch>
+        </p:blipFill>
+        <p:spPr>
+          <a:xfrm>
+            <a:off x="3987317" y="1690688"/>
+            <a:ext cx="4217363" cy="5037790"/>
+          </a:xfrm>
+          <a:prstGeom prst="rect">
+            <a:avLst/>
+          </a:prstGeom>
+        </p:spPr>
+      </p:pic>
+    </p:spTree>
+    <p:extLst>
+      <p:ext uri="{BB962C8B-B14F-4D97-AF65-F5344CB8AC3E}">
+        <p14:creationId xmlns:p14="http://schemas.microsoft.com/office/powerpoint/2010/main" val="1781519242"/>
+      </p:ext>
+    </p:extLst>
+  </p:cSld>
+  <p:clrMapOvr>
+    <a:masterClrMapping/>
+  </p:clrMapOvr>
+</p:sld>
+</file>
+
+<file path=ppt/slides/slide9.xml><?xml version="1.0" encoding="utf-8"?>
+<p:sld xmlns:a="http://schemas.openxmlformats.org/drawingml/2006/main" xmlns:r="http://schemas.openxmlformats.org/officeDocument/2006/relationships" xmlns:p="http://schemas.openxmlformats.org/presentationml/2006/main">
+  <p:cSld>
+    <p:spTree>
+      <p:nvGrpSpPr>
+        <p:cNvPr id="1" name=""/>
+        <p:cNvGrpSpPr/>
+        <p:nvPr/>
+      </p:nvGrpSpPr>
+      <p:grpSpPr>
+        <a:xfrm>
+          <a:off x="0" y="0"/>
+          <a:ext cx="0" cy="0"/>
+          <a:chOff x="0" y="0"/>
+          <a:chExt cx="0" cy="0"/>
+        </a:xfrm>
+      </p:grpSpPr>
+      <p:sp>
+        <p:nvSpPr>
+          <p:cNvPr id="2" name="Title 1">
+            <a:extLst>
+              <a:ext uri="{FF2B5EF4-FFF2-40B4-BE49-F238E27FC236}">
+                <a16:creationId xmlns:a16="http://schemas.microsoft.com/office/drawing/2014/main" id="{CE724747-9F56-4418-90B1-3B3E45C2902F}"/>
+              </a:ext>
+            </a:extLst>
+          </p:cNvPr>
+          <p:cNvSpPr>
+            <a:spLocks noGrp="1"/>
+          </p:cNvSpPr>
+          <p:nvPr>
+            <p:ph type="title"/>
+          </p:nvPr>
+        </p:nvSpPr>
+        <p:spPr/>
+        <p:txBody>
+          <a:bodyPr/>
+          <a:lstStyle/>
+          <a:p>
+            <a:pPr algn="ctr"/>
+            <a:r>
+              <a:rPr lang="en-US" u="sng" dirty="0"/>
+              <a:t>Software : Desktop App</a:t>
+            </a:r>
+            <a:endParaRPr lang="LID4096" u="sng" dirty="0"/>
+          </a:p>
+        </p:txBody>
+      </p:sp>
+      <p:pic>
+        <p:nvPicPr>
+          <p:cNvPr id="9" name="Picture 8" descr="A close up of a piano&#10;&#10;Description automatically generated">
+            <a:extLst>
+              <a:ext uri="{FF2B5EF4-FFF2-40B4-BE49-F238E27FC236}">
+                <a16:creationId xmlns:a16="http://schemas.microsoft.com/office/drawing/2014/main" id="{22740F50-C04A-4F85-8082-E6B316D3B4ED}"/>
+              </a:ext>
+            </a:extLst>
+          </p:cNvPr>
+          <p:cNvPicPr>
+            <a:picLocks noChangeAspect="1"/>
+          </p:cNvPicPr>
+          <p:nvPr/>
+        </p:nvPicPr>
+        <p:blipFill>
+          <a:blip r:embed="rId3">
+            <a:extLst>
+              <a:ext uri="{28A0092B-C50C-407E-A947-70E740481C1C}">
+                <a14:useLocalDpi xmlns:a14="http://schemas.microsoft.com/office/drawing/2010/main" val="0"/>
+              </a:ext>
+            </a:extLst>
+          </a:blip>
+          <a:stretch>
+            <a:fillRect/>
+          </a:stretch>
+        </p:blipFill>
+        <p:spPr>
+          <a:xfrm>
+            <a:off x="2358204" y="1690688"/>
+            <a:ext cx="7475591" cy="5041887"/>
+          </a:xfrm>
+          <a:prstGeom prst="rect">
+            <a:avLst/>
+          </a:prstGeom>
+        </p:spPr>
+      </p:pic>
+      <p:pic>
+        <p:nvPicPr>
+          <p:cNvPr id="13" name="Picture 12" descr="A screenshot of a cell phone&#10;&#10;Description automatically generated">
+            <a:extLst>
+              <a:ext uri="{FF2B5EF4-FFF2-40B4-BE49-F238E27FC236}">
+                <a16:creationId xmlns:a16="http://schemas.microsoft.com/office/drawing/2014/main" id="{F936482B-409A-445C-82FE-59D28A1995A9}"/>
+              </a:ext>
+            </a:extLst>
+          </p:cNvPr>
+          <p:cNvPicPr>
+            <a:picLocks noChangeAspect="1"/>
+          </p:cNvPicPr>
+          <p:nvPr/>
+        </p:nvPicPr>
+        <p:blipFill>
+          <a:blip r:embed="rId4">
+            <a:extLst>
+              <a:ext uri="{28A0092B-C50C-407E-A947-70E740481C1C}">
+                <a14:useLocalDpi xmlns:a14="http://schemas.microsoft.com/office/drawing/2010/main" val="0"/>
+              </a:ext>
+            </a:extLst>
+          </a:blip>
+          <a:stretch>
+            <a:fillRect/>
+          </a:stretch>
+        </p:blipFill>
+        <p:spPr>
+          <a:xfrm>
+            <a:off x="3923329" y="1690688"/>
+            <a:ext cx="4345340" cy="5041887"/>
+          </a:xfrm>
+          <a:prstGeom prst="rect">
+            <a:avLst/>
+          </a:prstGeom>
+        </p:spPr>
+      </p:pic>
+    </p:spTree>
+    <p:extLst>
+      <p:ext uri="{BB962C8B-B14F-4D97-AF65-F5344CB8AC3E}">
+        <p14:creationId xmlns:p14="http://schemas.microsoft.com/office/powerpoint/2010/main" val="2761759617"/>
       </p:ext>
     </p:extLst>
   </p:cSld>
@@ -4432,6 +7928,267 @@
 </file>
 
 <file path=ppt/theme/theme1.xml><?xml version="1.0" encoding="utf-8"?>
+<a:theme xmlns:a="http://schemas.openxmlformats.org/drawingml/2006/main" name="Office Theme">
+  <a:themeElements>
+    <a:clrScheme name="Office Theme">
+      <a:dk1>
+        <a:sysClr val="windowText" lastClr="000000"/>
+      </a:dk1>
+      <a:lt1>
+        <a:sysClr val="window" lastClr="FFFFFF"/>
+      </a:lt1>
+      <a:dk2>
+        <a:srgbClr val="44546A"/>
+      </a:dk2>
+      <a:lt2>
+        <a:srgbClr val="E7E6E6"/>
+      </a:lt2>
+      <a:accent1>
+        <a:srgbClr val="4472C4"/>
+      </a:accent1>
+      <a:accent2>
+        <a:srgbClr val="ED7D31"/>
+      </a:accent2>
+      <a:accent3>
+        <a:srgbClr val="A5A5A5"/>
+      </a:accent3>
+      <a:accent4>
+        <a:srgbClr val="FFC000"/>
+      </a:accent4>
+      <a:accent5>
+        <a:srgbClr val="5B9BD5"/>
+      </a:accent5>
+      <a:accent6>
+        <a:srgbClr val="70AD47"/>
+      </a:accent6>
+      <a:hlink>
+        <a:srgbClr val="0563C1"/>
+      </a:hlink>
+      <a:folHlink>
+        <a:srgbClr val="954F72"/>
+      </a:folHlink>
+    </a:clrScheme>
+    <a:fontScheme name="Office Theme">
+      <a:majorFont>
+        <a:latin typeface="Calibri Light" panose="020F0302020204030204"/>
+        <a:ea typeface=""/>
+        <a:cs typeface=""/>
+        <a:font script="Jpan" typeface="游ゴシック Light"/>
+        <a:font script="Hang" typeface="맑은 고딕"/>
+        <a:font script="Hans" typeface="等线 Light"/>
+        <a:font script="Hant" typeface="新細明體"/>
+        <a:font script="Arab" typeface="Times New Roman"/>
+        <a:font script="Hebr" typeface="Times New Roman"/>
+        <a:font script="Thai" typeface="Angsana New"/>
+        <a:font script="Ethi" typeface="Nyala"/>
+        <a:font script="Beng" typeface="Vrinda"/>
+        <a:font script="Gujr" typeface="Shruti"/>
+        <a:font script="Khmr" typeface="MoolBoran"/>
+        <a:font script="Knda" typeface="Tunga"/>
+        <a:font script="Guru" typeface="Raavi"/>
+        <a:font script="Cans" typeface="Euphemia"/>
+        <a:font script="Cher" typeface="Plantagenet Cherokee"/>
+        <a:font script="Yiii" typeface="Microsoft Yi Baiti"/>
+        <a:font script="Tibt" typeface="Microsoft Himalaya"/>
+        <a:font script="Thaa" typeface="MV Boli"/>
+        <a:font script="Deva" typeface="Mangal"/>
+        <a:font script="Telu" typeface="Gautami"/>
+        <a:font script="Taml" typeface="Latha"/>
+        <a:font script="Syrc" typeface="Estrangelo Edessa"/>
+        <a:font script="Orya" typeface="Kalinga"/>
+        <a:font script="Mlym" typeface="Kartika"/>
+        <a:font script="Laoo" typeface="DokChampa"/>
+        <a:font script="Sinh" typeface="Iskoola Pota"/>
+        <a:font script="Mong" typeface="Mongolian Baiti"/>
+        <a:font script="Viet" typeface="Times New Roman"/>
+        <a:font script="Uigh" typeface="Microsoft Uighur"/>
+        <a:font script="Geor" typeface="Sylfaen"/>
+      </a:majorFont>
+      <a:minorFont>
+        <a:latin typeface="Calibri" panose="020F0502020204030204"/>
+        <a:ea typeface=""/>
+        <a:cs typeface=""/>
+        <a:font script="Jpan" typeface="游ゴシック"/>
+        <a:font script="Hang" typeface="맑은 고딕"/>
+        <a:font script="Hans" typeface="等线"/>
+        <a:font script="Hant" typeface="新細明體"/>
+        <a:font script="Arab" typeface="Arial"/>
+        <a:font script="Hebr" typeface="Arial"/>
+        <a:font script="Thai" typeface="Cordia New"/>
+        <a:font script="Ethi" typeface="Nyala"/>
+        <a:font script="Beng" typeface="Vrinda"/>
+        <a:font script="Gujr" typeface="Shruti"/>
+        <a:font script="Khmr" typeface="DaunPenh"/>
+        <a:font script="Knda" typeface="Tunga"/>
+        <a:font script="Guru" typeface="Raavi"/>
+        <a:font script="Cans" typeface="Euphemia"/>
+        <a:font script="Cher" typeface="Plantagenet Cherokee"/>
+        <a:font script="Yiii" typeface="Microsoft Yi Baiti"/>
+        <a:font script="Tibt" typeface="Microsoft Himalaya"/>
+        <a:font script="Thaa" typeface="MV Boli"/>
+        <a:font script="Deva" typeface="Mangal"/>
+        <a:font script="Telu" typeface="Gautami"/>
+        <a:font script="Taml" typeface="Latha"/>
+        <a:font script="Syrc" typeface="Estrangelo Edessa"/>
+        <a:font script="Orya" typeface="Kalinga"/>
+        <a:font script="Mlym" typeface="Kartika"/>
+        <a:font script="Laoo" typeface="DokChampa"/>
+        <a:font script="Sinh" typeface="Iskoola Pota"/>
+        <a:font script="Mong" typeface="Mongolian Baiti"/>
+        <a:font script="Viet" typeface="Arial"/>
+        <a:font script="Uigh" typeface="Microsoft Uighur"/>
+        <a:font script="Geor" typeface="Sylfaen"/>
+      </a:minorFont>
+    </a:fontScheme>
+    <a:fmtScheme name="Office Theme">
+      <a:fillStyleLst>
+        <a:solidFill>
+          <a:schemeClr val="phClr"/>
+        </a:solidFill>
+        <a:gradFill rotWithShape="1">
+          <a:gsLst>
+            <a:gs pos="0">
+              <a:schemeClr val="phClr">
+                <a:lumMod val="110000"/>
+                <a:satMod val="105000"/>
+                <a:tint val="67000"/>
+              </a:schemeClr>
+            </a:gs>
+            <a:gs pos="50000">
+              <a:schemeClr val="phClr">
+                <a:lumMod val="105000"/>
+                <a:satMod val="103000"/>
+                <a:tint val="73000"/>
+              </a:schemeClr>
+            </a:gs>
+            <a:gs pos="100000">
+              <a:schemeClr val="phClr">
+                <a:lumMod val="105000"/>
+                <a:satMod val="109000"/>
+                <a:tint val="81000"/>
+              </a:schemeClr>
+            </a:gs>
+          </a:gsLst>
+          <a:lin ang="5400000" scaled="0"/>
+        </a:gradFill>
+        <a:gradFill rotWithShape="1">
+          <a:gsLst>
+            <a:gs pos="0">
+              <a:schemeClr val="phClr">
+                <a:satMod val="103000"/>
+                <a:lumMod val="102000"/>
+                <a:tint val="94000"/>
+              </a:schemeClr>
+            </a:gs>
+            <a:gs pos="50000">
+              <a:schemeClr val="phClr">
+                <a:satMod val="110000"/>
+                <a:lumMod val="100000"/>
+                <a:shade val="100000"/>
+              </a:schemeClr>
+            </a:gs>
+            <a:gs pos="100000">
+              <a:schemeClr val="phClr">
+                <a:lumMod val="99000"/>
+                <a:satMod val="120000"/>
+                <a:shade val="78000"/>
+              </a:schemeClr>
+            </a:gs>
+          </a:gsLst>
+          <a:lin ang="5400000" scaled="0"/>
+        </a:gradFill>
+      </a:fillStyleLst>
+      <a:lnStyleLst>
+        <a:ln w="6350" cap="flat" cmpd="sng" algn="ctr">
+          <a:solidFill>
+            <a:schemeClr val="phClr"/>
+          </a:solidFill>
+          <a:prstDash val="solid"/>
+          <a:miter lim="800000"/>
+        </a:ln>
+        <a:ln w="12700" cap="flat" cmpd="sng" algn="ctr">
+          <a:solidFill>
+            <a:schemeClr val="phClr"/>
+          </a:solidFill>
+          <a:prstDash val="solid"/>
+          <a:miter lim="800000"/>
+        </a:ln>
+        <a:ln w="19050" cap="flat" cmpd="sng" algn="ctr">
+          <a:solidFill>
+            <a:schemeClr val="phClr"/>
+          </a:solidFill>
+          <a:prstDash val="solid"/>
+          <a:miter lim="800000"/>
+        </a:ln>
+      </a:lnStyleLst>
+      <a:effectStyleLst>
+        <a:effectStyle>
+          <a:effectLst/>
+        </a:effectStyle>
+        <a:effectStyle>
+          <a:effectLst/>
+        </a:effectStyle>
+        <a:effectStyle>
+          <a:effectLst>
+            <a:outerShdw blurRad="57150" dist="19050" dir="5400000" algn="ctr" rotWithShape="0">
+              <a:srgbClr val="000000">
+                <a:alpha val="63000"/>
+              </a:srgbClr>
+            </a:outerShdw>
+          </a:effectLst>
+        </a:effectStyle>
+      </a:effectStyleLst>
+      <a:bgFillStyleLst>
+        <a:solidFill>
+          <a:schemeClr val="phClr"/>
+        </a:solidFill>
+        <a:solidFill>
+          <a:schemeClr val="phClr">
+            <a:tint val="95000"/>
+            <a:satMod val="170000"/>
+          </a:schemeClr>
+        </a:solidFill>
+        <a:gradFill rotWithShape="1">
+          <a:gsLst>
+            <a:gs pos="0">
+              <a:schemeClr val="phClr">
+                <a:tint val="93000"/>
+                <a:satMod val="150000"/>
+                <a:shade val="98000"/>
+                <a:lumMod val="102000"/>
+              </a:schemeClr>
+            </a:gs>
+            <a:gs pos="50000">
+              <a:schemeClr val="phClr">
+                <a:tint val="98000"/>
+                <a:satMod val="130000"/>
+                <a:shade val="90000"/>
+                <a:lumMod val="103000"/>
+              </a:schemeClr>
+            </a:gs>
+            <a:gs pos="100000">
+              <a:schemeClr val="phClr">
+                <a:shade val="63000"/>
+                <a:satMod val="120000"/>
+              </a:schemeClr>
+            </a:gs>
+          </a:gsLst>
+          <a:lin ang="5400000" scaled="0"/>
+        </a:gradFill>
+      </a:bgFillStyleLst>
+    </a:fmtScheme>
+  </a:themeElements>
+  <a:objectDefaults/>
+  <a:extraClrSchemeLst/>
+  <a:extLst>
+    <a:ext uri="{05A4C25C-085E-4340-85A3-A5531E510DB2}">
+      <thm15:themeFamily xmlns:thm15="http://schemas.microsoft.com/office/thememl/2012/main" name="Office Theme" id="{62F939B6-93AF-4DB8-9C6B-D6C7DFDC589F}" vid="{4A3C46E8-61CC-4603-A589-7422A47A8E4A}"/>
+    </a:ext>
+  </a:extLst>
+</a:theme>
+</file>
+
+<file path=ppt/theme/theme2.xml><?xml version="1.0" encoding="utf-8"?>
 <a:theme xmlns:a="http://schemas.openxmlformats.org/drawingml/2006/main" name="Office Theme">
   <a:themeElements>
     <a:clrScheme name="Office">

--- a/Mockups/Piago_Pitch.pptx
+++ b/Mockups/Piago_Pitch.pptx
@@ -22,8 +22,8 @@
     <p:sldId id="283" r:id="rId13"/>
     <p:sldId id="273" r:id="rId14"/>
     <p:sldId id="276" r:id="rId15"/>
-    <p:sldId id="275" r:id="rId16"/>
-    <p:sldId id="284" r:id="rId17"/>
+    <p:sldId id="284" r:id="rId16"/>
+    <p:sldId id="275" r:id="rId17"/>
     <p:sldId id="262" r:id="rId18"/>
     <p:sldId id="263" r:id="rId19"/>
     <p:sldId id="278" r:id="rId20"/>
@@ -216,7 +216,7 @@
           <a:p>
             <a:fld id="{1B376DFB-8A32-475F-B060-5D8946F782CF}" type="datetimeFigureOut">
               <a:rPr lang="LID4096" smtClean="0"/>
-              <a:t>02/05/2020</a:t>
+              <a:t>02/06/2020</a:t>
             </a:fld>
             <a:endParaRPr lang="LID4096"/>
           </a:p>
@@ -532,6 +532,12 @@
               <a:rPr lang="en-US" dirty="0"/>
               <a:t>A</a:t>
             </a:r>
+          </a:p>
+          <a:p>
+            <a:r>
+              <a:rPr lang="en-US"/>
+              <a:t>Test note</a:t>
+            </a:r>
             <a:endParaRPr lang="LID4096" dirty="0"/>
           </a:p>
         </p:txBody>
@@ -725,12 +731,8 @@
               <a:buChar char="-"/>
             </a:pPr>
             <a:r>
-              <a:rPr lang="en-US" dirty="0" err="1"/>
-              <a:t>Aan</a:t>
-            </a:r>
-            <a:r>
               <a:rPr lang="en-US" dirty="0"/>
-              <a:t> GUI </a:t>
+              <a:t>Ander GUI </a:t>
             </a:r>
             <a:r>
               <a:rPr lang="en-US" dirty="0" err="1"/>
@@ -1122,6 +1124,16 @@
               <a:rPr lang="en-US" dirty="0"/>
               <a:t>B</a:t>
             </a:r>
+          </a:p>
+          <a:p>
+            <a:r>
+              <a:rPr lang="en-US" dirty="0" err="1"/>
+              <a:t>Uitleg</a:t>
+            </a:r>
+            <a:r>
+              <a:rPr lang="en-US" dirty="0"/>
+              <a:t> buttons</a:t>
+            </a:r>
             <a:endParaRPr lang="LID4096" dirty="0"/>
           </a:p>
         </p:txBody>
@@ -1152,7 +1164,7 @@
     </p:spTree>
     <p:extLst>
       <p:ext uri="{BB962C8B-B14F-4D97-AF65-F5344CB8AC3E}">
-        <p14:creationId xmlns:p14="http://schemas.microsoft.com/office/powerpoint/2010/main" val="770752900"/>
+        <p14:creationId xmlns:p14="http://schemas.microsoft.com/office/powerpoint/2010/main" val="4188904835"/>
       </p:ext>
     </p:extLst>
   </p:cSld>
@@ -1210,16 +1222,6 @@
               <a:rPr lang="en-US" dirty="0"/>
               <a:t>B</a:t>
             </a:r>
-          </a:p>
-          <a:p>
-            <a:r>
-              <a:rPr lang="en-US" dirty="0" err="1"/>
-              <a:t>Uitleg</a:t>
-            </a:r>
-            <a:r>
-              <a:rPr lang="en-US" dirty="0"/>
-              <a:t> buttons</a:t>
-            </a:r>
             <a:endParaRPr lang="LID4096" dirty="0"/>
           </a:p>
         </p:txBody>
@@ -1250,7 +1252,7 @@
     </p:spTree>
     <p:extLst>
       <p:ext uri="{BB962C8B-B14F-4D97-AF65-F5344CB8AC3E}">
-        <p14:creationId xmlns:p14="http://schemas.microsoft.com/office/powerpoint/2010/main" val="4188904835"/>
+        <p14:creationId xmlns:p14="http://schemas.microsoft.com/office/powerpoint/2010/main" val="770752900"/>
       </p:ext>
     </p:extLst>
   </p:cSld>
@@ -1658,7 +1660,22 @@
           <a:p>
             <a:r>
               <a:rPr lang="en-US" dirty="0"/>
-              <a:t>A</a:t>
+              <a:t>B</a:t>
+            </a:r>
+          </a:p>
+          <a:p>
+            <a:r>
+              <a:rPr lang="en-US" dirty="0"/>
+              <a:t>Our plan….</a:t>
+            </a:r>
+          </a:p>
+          <a:p>
+            <a:endParaRPr lang="en-US" dirty="0"/>
+          </a:p>
+          <a:p>
+            <a:r>
+              <a:rPr lang="en-US" dirty="0"/>
+              <a:t>This was our present.. Thanks for listening. If you have any quest..., feel free to ask us</a:t>
             </a:r>
             <a:endParaRPr lang="LID4096" dirty="0"/>
           </a:p>
@@ -1969,6 +1986,16 @@
               <a:t>2 platforms</a:t>
             </a:r>
           </a:p>
+          <a:p>
+            <a:pPr marL="171450" indent="-171450">
+              <a:buFontTx/>
+              <a:buChar char="-"/>
+            </a:pPr>
+            <a:r>
+              <a:rPr lang="en-US" dirty="0"/>
+              <a:t>Database</a:t>
+            </a:r>
+          </a:p>
         </p:txBody>
       </p:sp>
       <p:sp>
@@ -2053,8 +2080,34 @@
           <a:p>
             <a:r>
               <a:rPr lang="en-US" dirty="0"/>
-              <a:t>B</a:t>
-            </a:r>
+              <a:t>B what is our target market</a:t>
+            </a:r>
+          </a:p>
+          <a:p>
+            <a:r>
+              <a:rPr lang="en-US" dirty="0"/>
+              <a:t>Musicians: different overlays and instruments</a:t>
+            </a:r>
+          </a:p>
+          <a:p>
+            <a:r>
+              <a:rPr lang="en-US" dirty="0"/>
+              <a:t>Beginners: cheaper than other fully sized pianos</a:t>
+            </a:r>
+          </a:p>
+          <a:p>
+            <a:r>
+              <a:rPr lang="en-US" dirty="0"/>
+              <a:t>Travel: doesn’t take a lot of space</a:t>
+            </a:r>
+          </a:p>
+          <a:p>
+            <a:r>
+              <a:rPr lang="en-US" dirty="0"/>
+              <a:t>Children: no mechanical parts</a:t>
+            </a:r>
+          </a:p>
+          <a:p>
             <a:endParaRPr lang="LID4096" dirty="0"/>
           </a:p>
         </p:txBody>
@@ -2147,8 +2200,25 @@
           <a:p>
             <a:r>
               <a:rPr lang="en-US" dirty="0"/>
-              <a:t>-explain all buttons</a:t>
-            </a:r>
+              <a:t>-   explain all buttons</a:t>
+            </a:r>
+          </a:p>
+          <a:p>
+            <a:pPr marL="171450" indent="-171450">
+              <a:buFontTx/>
+              <a:buChar char="-"/>
+            </a:pPr>
+            <a:r>
+              <a:rPr lang="en-US" dirty="0"/>
+              <a:t>Key lights up</a:t>
+            </a:r>
+          </a:p>
+          <a:p>
+            <a:pPr marL="0" indent="0">
+              <a:buFontTx/>
+              <a:buNone/>
+            </a:pPr>
+            <a:endParaRPr lang="en-US" dirty="0"/>
           </a:p>
         </p:txBody>
       </p:sp>
@@ -2509,7 +2579,7 @@
           <a:p>
             <a:fld id="{6BD3802E-D220-411C-AB05-5A208595C126}" type="datetimeFigureOut">
               <a:rPr lang="en-FI" smtClean="0"/>
-              <a:t>02/05/2020</a:t>
+              <a:t>02/06/2020</a:t>
             </a:fld>
             <a:endParaRPr lang="en-FI"/>
           </a:p>
@@ -2679,7 +2749,7 @@
           <a:p>
             <a:fld id="{6BD3802E-D220-411C-AB05-5A208595C126}" type="datetimeFigureOut">
               <a:rPr lang="en-FI" smtClean="0"/>
-              <a:t>02/05/2020</a:t>
+              <a:t>02/06/2020</a:t>
             </a:fld>
             <a:endParaRPr lang="en-FI"/>
           </a:p>
@@ -2859,7 +2929,7 @@
           <a:p>
             <a:fld id="{6BD3802E-D220-411C-AB05-5A208595C126}" type="datetimeFigureOut">
               <a:rPr lang="en-FI" smtClean="0"/>
-              <a:t>02/05/2020</a:t>
+              <a:t>02/06/2020</a:t>
             </a:fld>
             <a:endParaRPr lang="en-FI"/>
           </a:p>
@@ -3029,7 +3099,7 @@
           <a:p>
             <a:fld id="{6BD3802E-D220-411C-AB05-5A208595C126}" type="datetimeFigureOut">
               <a:rPr lang="en-FI" smtClean="0"/>
-              <a:t>02/05/2020</a:t>
+              <a:t>02/06/2020</a:t>
             </a:fld>
             <a:endParaRPr lang="en-FI"/>
           </a:p>
@@ -3275,7 +3345,7 @@
           <a:p>
             <a:fld id="{6BD3802E-D220-411C-AB05-5A208595C126}" type="datetimeFigureOut">
               <a:rPr lang="en-FI" smtClean="0"/>
-              <a:t>02/05/2020</a:t>
+              <a:t>02/06/2020</a:t>
             </a:fld>
             <a:endParaRPr lang="en-FI"/>
           </a:p>
@@ -3507,7 +3577,7 @@
           <a:p>
             <a:fld id="{6BD3802E-D220-411C-AB05-5A208595C126}" type="datetimeFigureOut">
               <a:rPr lang="en-FI" smtClean="0"/>
-              <a:t>02/05/2020</a:t>
+              <a:t>02/06/2020</a:t>
             </a:fld>
             <a:endParaRPr lang="en-FI"/>
           </a:p>
@@ -3874,7 +3944,7 @@
           <a:p>
             <a:fld id="{6BD3802E-D220-411C-AB05-5A208595C126}" type="datetimeFigureOut">
               <a:rPr lang="en-FI" smtClean="0"/>
-              <a:t>02/05/2020</a:t>
+              <a:t>02/06/2020</a:t>
             </a:fld>
             <a:endParaRPr lang="en-FI"/>
           </a:p>
@@ -3992,7 +4062,7 @@
           <a:p>
             <a:fld id="{6BD3802E-D220-411C-AB05-5A208595C126}" type="datetimeFigureOut">
               <a:rPr lang="en-FI" smtClean="0"/>
-              <a:t>02/05/2020</a:t>
+              <a:t>02/06/2020</a:t>
             </a:fld>
             <a:endParaRPr lang="en-FI"/>
           </a:p>
@@ -4087,7 +4157,7 @@
           <a:p>
             <a:fld id="{6BD3802E-D220-411C-AB05-5A208595C126}" type="datetimeFigureOut">
               <a:rPr lang="en-FI" smtClean="0"/>
-              <a:t>02/05/2020</a:t>
+              <a:t>02/06/2020</a:t>
             </a:fld>
             <a:endParaRPr lang="en-FI"/>
           </a:p>
@@ -4364,7 +4434,7 @@
           <a:p>
             <a:fld id="{6BD3802E-D220-411C-AB05-5A208595C126}" type="datetimeFigureOut">
               <a:rPr lang="en-FI" smtClean="0"/>
-              <a:t>02/05/2020</a:t>
+              <a:t>02/06/2020</a:t>
             </a:fld>
             <a:endParaRPr lang="en-FI"/>
           </a:p>
@@ -4621,7 +4691,7 @@
           <a:p>
             <a:fld id="{6BD3802E-D220-411C-AB05-5A208595C126}" type="datetimeFigureOut">
               <a:rPr lang="en-FI" smtClean="0"/>
-              <a:t>02/05/2020</a:t>
+              <a:t>02/06/2020</a:t>
             </a:fld>
             <a:endParaRPr lang="en-FI"/>
           </a:p>
@@ -4834,7 +4904,7 @@
           <a:p>
             <a:fld id="{6BD3802E-D220-411C-AB05-5A208595C126}" type="datetimeFigureOut">
               <a:rPr lang="en-FI" smtClean="0"/>
-              <a:t>02/05/2020</a:t>
+              <a:t>02/06/2020</a:t>
             </a:fld>
             <a:endParaRPr lang="en-FI"/>
           </a:p>
@@ -5550,7 +5620,7 @@
             <a:pPr algn="ctr"/>
             <a:r>
               <a:rPr lang="en-US" u="sng" dirty="0"/>
-              <a:t>Software : Desktop App</a:t>
+              <a:t>Software : Windows App</a:t>
             </a:r>
             <a:endParaRPr lang="LID4096" u="sng" dirty="0"/>
           </a:p>
@@ -5682,7 +5752,7 @@
             <a:pPr algn="ctr"/>
             <a:r>
               <a:rPr lang="en-US" u="sng" dirty="0"/>
-              <a:t>Software : Desktop App</a:t>
+              <a:t>Software : Windows App</a:t>
             </a:r>
             <a:endParaRPr lang="LID4096" u="sng" dirty="0"/>
           </a:p>
@@ -5813,7 +5883,7 @@
             <a:pPr algn="ctr"/>
             <a:r>
               <a:rPr lang="en-US" u="sng" dirty="0"/>
-              <a:t>Software : Desktop App</a:t>
+              <a:t>Software : Windows App</a:t>
             </a:r>
             <a:endParaRPr lang="LID4096" u="sng" dirty="0"/>
           </a:p>
@@ -6209,102 +6279,6 @@
       </p:sp>
       <p:pic>
         <p:nvPicPr>
-          <p:cNvPr id="4" name="Picture 3" descr="A screenshot of a cell phone&#10;&#10;Description automatically generated">
-            <a:extLst>
-              <a:ext uri="{FF2B5EF4-FFF2-40B4-BE49-F238E27FC236}">
-                <a16:creationId xmlns:a16="http://schemas.microsoft.com/office/drawing/2014/main" id="{5A0A01FB-160C-46EF-948E-8F4309734831}"/>
-              </a:ext>
-            </a:extLst>
-          </p:cNvPr>
-          <p:cNvPicPr>
-            <a:picLocks noChangeAspect="1"/>
-          </p:cNvPicPr>
-          <p:nvPr/>
-        </p:nvPicPr>
-        <p:blipFill>
-          <a:blip r:embed="rId3">
-            <a:extLst>
-              <a:ext uri="{28A0092B-C50C-407E-A947-70E740481C1C}">
-                <a14:useLocalDpi xmlns:a14="http://schemas.microsoft.com/office/drawing/2010/main" val="0"/>
-              </a:ext>
-            </a:extLst>
-          </a:blip>
-          <a:stretch>
-            <a:fillRect/>
-          </a:stretch>
-        </p:blipFill>
-        <p:spPr>
-          <a:xfrm>
-            <a:off x="2614126" y="1690688"/>
-            <a:ext cx="6963747" cy="4477375"/>
-          </a:xfrm>
-          <a:prstGeom prst="rect">
-            <a:avLst/>
-          </a:prstGeom>
-        </p:spPr>
-      </p:pic>
-    </p:spTree>
-    <p:extLst>
-      <p:ext uri="{BB962C8B-B14F-4D97-AF65-F5344CB8AC3E}">
-        <p14:creationId xmlns:p14="http://schemas.microsoft.com/office/powerpoint/2010/main" val="3943942816"/>
-      </p:ext>
-    </p:extLst>
-  </p:cSld>
-  <p:clrMapOvr>
-    <a:masterClrMapping/>
-  </p:clrMapOvr>
-</p:sld>
-</file>
-
-<file path=ppt/slides/slide16.xml><?xml version="1.0" encoding="utf-8"?>
-<p:sld xmlns:a="http://schemas.openxmlformats.org/drawingml/2006/main" xmlns:r="http://schemas.openxmlformats.org/officeDocument/2006/relationships" xmlns:p="http://schemas.openxmlformats.org/presentationml/2006/main">
-  <p:cSld>
-    <p:spTree>
-      <p:nvGrpSpPr>
-        <p:cNvPr id="1" name=""/>
-        <p:cNvGrpSpPr/>
-        <p:nvPr/>
-      </p:nvGrpSpPr>
-      <p:grpSpPr>
-        <a:xfrm>
-          <a:off x="0" y="0"/>
-          <a:ext cx="0" cy="0"/>
-          <a:chOff x="0" y="0"/>
-          <a:chExt cx="0" cy="0"/>
-        </a:xfrm>
-      </p:grpSpPr>
-      <p:sp>
-        <p:nvSpPr>
-          <p:cNvPr id="2" name="Title 1">
-            <a:extLst>
-              <a:ext uri="{FF2B5EF4-FFF2-40B4-BE49-F238E27FC236}">
-                <a16:creationId xmlns:a16="http://schemas.microsoft.com/office/drawing/2014/main" id="{CE724747-9F56-4418-90B1-3B3E45C2902F}"/>
-              </a:ext>
-            </a:extLst>
-          </p:cNvPr>
-          <p:cNvSpPr>
-            <a:spLocks noGrp="1"/>
-          </p:cNvSpPr>
-          <p:nvPr>
-            <p:ph type="title"/>
-          </p:nvPr>
-        </p:nvSpPr>
-        <p:spPr/>
-        <p:txBody>
-          <a:bodyPr/>
-          <a:lstStyle/>
-          <a:p>
-            <a:pPr algn="ctr"/>
-            <a:r>
-              <a:rPr lang="en-US" u="sng" dirty="0"/>
-              <a:t>Software : Android App</a:t>
-            </a:r>
-            <a:endParaRPr lang="LID4096" u="sng" dirty="0"/>
-          </a:p>
-        </p:txBody>
-      </p:sp>
-      <p:pic>
-        <p:nvPicPr>
           <p:cNvPr id="7" name="Picture 6" descr="A close up of a piano&#10;&#10;Description automatically generated">
             <a:extLst>
               <a:ext uri="{FF2B5EF4-FFF2-40B4-BE49-F238E27FC236}">
@@ -6373,6 +6347,102 @@
     <p:extLst>
       <p:ext uri="{BB962C8B-B14F-4D97-AF65-F5344CB8AC3E}">
         <p14:creationId xmlns:p14="http://schemas.microsoft.com/office/powerpoint/2010/main" val="1699049893"/>
+      </p:ext>
+    </p:extLst>
+  </p:cSld>
+  <p:clrMapOvr>
+    <a:masterClrMapping/>
+  </p:clrMapOvr>
+</p:sld>
+</file>
+
+<file path=ppt/slides/slide16.xml><?xml version="1.0" encoding="utf-8"?>
+<p:sld xmlns:a="http://schemas.openxmlformats.org/drawingml/2006/main" xmlns:r="http://schemas.openxmlformats.org/officeDocument/2006/relationships" xmlns:p="http://schemas.openxmlformats.org/presentationml/2006/main">
+  <p:cSld>
+    <p:spTree>
+      <p:nvGrpSpPr>
+        <p:cNvPr id="1" name=""/>
+        <p:cNvGrpSpPr/>
+        <p:nvPr/>
+      </p:nvGrpSpPr>
+      <p:grpSpPr>
+        <a:xfrm>
+          <a:off x="0" y="0"/>
+          <a:ext cx="0" cy="0"/>
+          <a:chOff x="0" y="0"/>
+          <a:chExt cx="0" cy="0"/>
+        </a:xfrm>
+      </p:grpSpPr>
+      <p:sp>
+        <p:nvSpPr>
+          <p:cNvPr id="2" name="Title 1">
+            <a:extLst>
+              <a:ext uri="{FF2B5EF4-FFF2-40B4-BE49-F238E27FC236}">
+                <a16:creationId xmlns:a16="http://schemas.microsoft.com/office/drawing/2014/main" id="{CE724747-9F56-4418-90B1-3B3E45C2902F}"/>
+              </a:ext>
+            </a:extLst>
+          </p:cNvPr>
+          <p:cNvSpPr>
+            <a:spLocks noGrp="1"/>
+          </p:cNvSpPr>
+          <p:nvPr>
+            <p:ph type="title"/>
+          </p:nvPr>
+        </p:nvSpPr>
+        <p:spPr/>
+        <p:txBody>
+          <a:bodyPr/>
+          <a:lstStyle/>
+          <a:p>
+            <a:pPr algn="ctr"/>
+            <a:r>
+              <a:rPr lang="en-US" u="sng" dirty="0"/>
+              <a:t>Software : Android App</a:t>
+            </a:r>
+            <a:endParaRPr lang="LID4096" u="sng" dirty="0"/>
+          </a:p>
+        </p:txBody>
+      </p:sp>
+      <p:pic>
+        <p:nvPicPr>
+          <p:cNvPr id="4" name="Picture 3" descr="A screenshot of a cell phone&#10;&#10;Description automatically generated">
+            <a:extLst>
+              <a:ext uri="{FF2B5EF4-FFF2-40B4-BE49-F238E27FC236}">
+                <a16:creationId xmlns:a16="http://schemas.microsoft.com/office/drawing/2014/main" id="{5A0A01FB-160C-46EF-948E-8F4309734831}"/>
+              </a:ext>
+            </a:extLst>
+          </p:cNvPr>
+          <p:cNvPicPr>
+            <a:picLocks noChangeAspect="1"/>
+          </p:cNvPicPr>
+          <p:nvPr/>
+        </p:nvPicPr>
+        <p:blipFill>
+          <a:blip r:embed="rId3">
+            <a:extLst>
+              <a:ext uri="{28A0092B-C50C-407E-A947-70E740481C1C}">
+                <a14:useLocalDpi xmlns:a14="http://schemas.microsoft.com/office/drawing/2010/main" val="0"/>
+              </a:ext>
+            </a:extLst>
+          </a:blip>
+          <a:stretch>
+            <a:fillRect/>
+          </a:stretch>
+        </p:blipFill>
+        <p:spPr>
+          <a:xfrm>
+            <a:off x="2614126" y="1690688"/>
+            <a:ext cx="6963747" cy="4477375"/>
+          </a:xfrm>
+          <a:prstGeom prst="rect">
+            <a:avLst/>
+          </a:prstGeom>
+        </p:spPr>
+      </p:pic>
+    </p:spTree>
+    <p:extLst>
+      <p:ext uri="{BB962C8B-B14F-4D97-AF65-F5344CB8AC3E}">
+        <p14:creationId xmlns:p14="http://schemas.microsoft.com/office/powerpoint/2010/main" val="3943942816"/>
       </p:ext>
     </p:extLst>
   </p:cSld>
@@ -6890,7 +6960,7 @@
           <a:p>
             <a:r>
               <a:rPr lang="en-US" dirty="0"/>
-              <a:t>Daisy changing</a:t>
+              <a:t>Daisy chaining</a:t>
             </a:r>
           </a:p>
           <a:p>
@@ -6906,10 +6976,10 @@
             </a:r>
           </a:p>
           <a:p>
+            <a:pPr marL="0" indent="0">
+              <a:buNone/>
+            </a:pPr>
             <a:endParaRPr lang="en-US" dirty="0"/>
-          </a:p>
-          <a:p>
-            <a:endParaRPr lang="LID4096" dirty="0"/>
           </a:p>
         </p:txBody>
       </p:sp>
@@ -7608,7 +7678,7 @@
             <a:pPr algn="ctr"/>
             <a:r>
               <a:rPr lang="en-US" u="sng" dirty="0"/>
-              <a:t>Software : Desktop App</a:t>
+              <a:t>Software : Windows App</a:t>
             </a:r>
             <a:endParaRPr lang="LID4096" u="sng" dirty="0"/>
           </a:p>
@@ -7704,7 +7774,7 @@
             <a:pPr algn="ctr"/>
             <a:r>
               <a:rPr lang="en-US" u="sng" dirty="0"/>
-              <a:t>Software : Desktop App</a:t>
+              <a:t>Software : Windows App</a:t>
             </a:r>
             <a:endParaRPr lang="LID4096" u="sng" dirty="0"/>
           </a:p>
@@ -7836,7 +7906,7 @@
             <a:pPr algn="ctr"/>
             <a:r>
               <a:rPr lang="en-US" u="sng" dirty="0"/>
-              <a:t>Software : Desktop App</a:t>
+              <a:t>Software : Windows App</a:t>
             </a:r>
             <a:endParaRPr lang="LID4096" u="sng" dirty="0"/>
           </a:p>
